--- a/Home/Android/onTouchEvent.pptx
+++ b/Home/Android/onTouchEvent.pptx
@@ -5,13 +5,15 @@
     <p:sldMasterId id="2147483648" r:id="rId1"/>
   </p:sldMasterIdLst>
   <p:notesMasterIdLst>
-    <p:notesMasterId r:id="rId6"/>
+    <p:notesMasterId r:id="rId8"/>
   </p:notesMasterIdLst>
   <p:sldIdLst>
     <p:sldId id="256" r:id="rId2"/>
     <p:sldId id="257" r:id="rId3"/>
     <p:sldId id="258" r:id="rId4"/>
     <p:sldId id="259" r:id="rId5"/>
+    <p:sldId id="260" r:id="rId6"/>
+    <p:sldId id="261" r:id="rId7"/>
   </p:sldIdLst>
   <p:sldSz cx="12192000" cy="6858000"/>
   <p:notesSz cx="6858000" cy="9144000"/>
@@ -200,7 +202,7 @@
           <a:p>
             <a:fld id="{E9020E17-51AD-BF41-A567-461876F04B5A}" type="datetimeFigureOut">
               <a:rPr kumimoji="1" lang="ko-KR" altLang="en-US" smtClean="0"/>
-              <a:t>2018. 1. 14.</a:t>
+              <a:t>2018. 1. 20.</a:t>
             </a:fld>
             <a:endParaRPr kumimoji="1" lang="ko-KR" altLang="en-US"/>
           </a:p>
@@ -767,7 +769,7 @@
           <a:p>
             <a:fld id="{3F53ED10-FFE7-BD4C-9095-1974C01D2F84}" type="datetimeFigureOut">
               <a:rPr kumimoji="1" lang="ko-KR" altLang="en-US" smtClean="0"/>
-              <a:t>2018. 1. 14.</a:t>
+              <a:t>2018. 1. 20.</a:t>
             </a:fld>
             <a:endParaRPr kumimoji="1" lang="ko-KR" altLang="en-US"/>
           </a:p>
@@ -937,7 +939,7 @@
           <a:p>
             <a:fld id="{3F53ED10-FFE7-BD4C-9095-1974C01D2F84}" type="datetimeFigureOut">
               <a:rPr kumimoji="1" lang="ko-KR" altLang="en-US" smtClean="0"/>
-              <a:t>2018. 1. 14.</a:t>
+              <a:t>2018. 1. 20.</a:t>
             </a:fld>
             <a:endParaRPr kumimoji="1" lang="ko-KR" altLang="en-US"/>
           </a:p>
@@ -1117,7 +1119,7 @@
           <a:p>
             <a:fld id="{3F53ED10-FFE7-BD4C-9095-1974C01D2F84}" type="datetimeFigureOut">
               <a:rPr kumimoji="1" lang="ko-KR" altLang="en-US" smtClean="0"/>
-              <a:t>2018. 1. 14.</a:t>
+              <a:t>2018. 1. 20.</a:t>
             </a:fld>
             <a:endParaRPr kumimoji="1" lang="ko-KR" altLang="en-US"/>
           </a:p>
@@ -1287,7 +1289,7 @@
           <a:p>
             <a:fld id="{3F53ED10-FFE7-BD4C-9095-1974C01D2F84}" type="datetimeFigureOut">
               <a:rPr kumimoji="1" lang="ko-KR" altLang="en-US" smtClean="0"/>
-              <a:t>2018. 1. 14.</a:t>
+              <a:t>2018. 1. 20.</a:t>
             </a:fld>
             <a:endParaRPr kumimoji="1" lang="ko-KR" altLang="en-US"/>
           </a:p>
@@ -1533,7 +1535,7 @@
           <a:p>
             <a:fld id="{3F53ED10-FFE7-BD4C-9095-1974C01D2F84}" type="datetimeFigureOut">
               <a:rPr kumimoji="1" lang="ko-KR" altLang="en-US" smtClean="0"/>
-              <a:t>2018. 1. 14.</a:t>
+              <a:t>2018. 1. 20.</a:t>
             </a:fld>
             <a:endParaRPr kumimoji="1" lang="ko-KR" altLang="en-US"/>
           </a:p>
@@ -1765,7 +1767,7 @@
           <a:p>
             <a:fld id="{3F53ED10-FFE7-BD4C-9095-1974C01D2F84}" type="datetimeFigureOut">
               <a:rPr kumimoji="1" lang="ko-KR" altLang="en-US" smtClean="0"/>
-              <a:t>2018. 1. 14.</a:t>
+              <a:t>2018. 1. 20.</a:t>
             </a:fld>
             <a:endParaRPr kumimoji="1" lang="ko-KR" altLang="en-US"/>
           </a:p>
@@ -2132,7 +2134,7 @@
           <a:p>
             <a:fld id="{3F53ED10-FFE7-BD4C-9095-1974C01D2F84}" type="datetimeFigureOut">
               <a:rPr kumimoji="1" lang="ko-KR" altLang="en-US" smtClean="0"/>
-              <a:t>2018. 1. 14.</a:t>
+              <a:t>2018. 1. 20.</a:t>
             </a:fld>
             <a:endParaRPr kumimoji="1" lang="ko-KR" altLang="en-US"/>
           </a:p>
@@ -2250,7 +2252,7 @@
           <a:p>
             <a:fld id="{3F53ED10-FFE7-BD4C-9095-1974C01D2F84}" type="datetimeFigureOut">
               <a:rPr kumimoji="1" lang="ko-KR" altLang="en-US" smtClean="0"/>
-              <a:t>2018. 1. 14.</a:t>
+              <a:t>2018. 1. 20.</a:t>
             </a:fld>
             <a:endParaRPr kumimoji="1" lang="ko-KR" altLang="en-US"/>
           </a:p>
@@ -2345,7 +2347,7 @@
           <a:p>
             <a:fld id="{3F53ED10-FFE7-BD4C-9095-1974C01D2F84}" type="datetimeFigureOut">
               <a:rPr kumimoji="1" lang="ko-KR" altLang="en-US" smtClean="0"/>
-              <a:t>2018. 1. 14.</a:t>
+              <a:t>2018. 1. 20.</a:t>
             </a:fld>
             <a:endParaRPr kumimoji="1" lang="ko-KR" altLang="en-US"/>
           </a:p>
@@ -2622,7 +2624,7 @@
           <a:p>
             <a:fld id="{3F53ED10-FFE7-BD4C-9095-1974C01D2F84}" type="datetimeFigureOut">
               <a:rPr kumimoji="1" lang="ko-KR" altLang="en-US" smtClean="0"/>
-              <a:t>2018. 1. 14.</a:t>
+              <a:t>2018. 1. 20.</a:t>
             </a:fld>
             <a:endParaRPr kumimoji="1" lang="ko-KR" altLang="en-US"/>
           </a:p>
@@ -2875,7 +2877,7 @@
           <a:p>
             <a:fld id="{3F53ED10-FFE7-BD4C-9095-1974C01D2F84}" type="datetimeFigureOut">
               <a:rPr kumimoji="1" lang="ko-KR" altLang="en-US" smtClean="0"/>
-              <a:t>2018. 1. 14.</a:t>
+              <a:t>2018. 1. 20.</a:t>
             </a:fld>
             <a:endParaRPr kumimoji="1" lang="ko-KR" altLang="en-US"/>
           </a:p>
@@ -3088,7 +3090,7 @@
           <a:p>
             <a:fld id="{3F53ED10-FFE7-BD4C-9095-1974C01D2F84}" type="datetimeFigureOut">
               <a:rPr kumimoji="1" lang="ko-KR" altLang="en-US" smtClean="0"/>
-              <a:t>2018. 1. 14.</a:t>
+              <a:t>2018. 1. 20.</a:t>
             </a:fld>
             <a:endParaRPr kumimoji="1" lang="ko-KR" altLang="en-US"/>
           </a:p>
@@ -4132,7 +4134,7 @@
         <p:spPr>
           <a:xfrm>
             <a:off x="126459" y="116731"/>
-            <a:ext cx="886781" cy="276999"/>
+            <a:ext cx="947695" cy="276999"/>
           </a:xfrm>
           <a:prstGeom prst="rect">
             <a:avLst/>
@@ -4153,7 +4155,7 @@
                   </a:schemeClr>
                 </a:solidFill>
               </a:rPr>
-              <a:t>decoView</a:t>
+              <a:t>decorView</a:t>
             </a:r>
             <a:endParaRPr kumimoji="1" lang="ko-KR" altLang="en-US" sz="1200" b="1" dirty="0">
               <a:solidFill>
@@ -4605,7 +4607,7 @@
             <a:pPr algn="ctr"/>
             <a:r>
               <a:rPr kumimoji="1" lang="en-US" altLang="ko-KR" dirty="0" err="1" smtClean="0"/>
-              <a:t>decoView</a:t>
+              <a:t>decorView</a:t>
             </a:r>
             <a:endParaRPr kumimoji="1" lang="ko-KR" altLang="en-US" dirty="0"/>
           </a:p>
@@ -5335,8 +5337,8 @@
           <a:p>
             <a:pPr algn="ctr"/>
             <a:r>
-              <a:rPr kumimoji="1" lang="en-US" altLang="ko-KR" sz="1200" smtClean="0"/>
-              <a:t>decoView</a:t>
+              <a:rPr kumimoji="1" lang="en-US" altLang="ko-KR" sz="1200" dirty="0" err="1" smtClean="0"/>
+              <a:t>decorView</a:t>
             </a:r>
             <a:endParaRPr kumimoji="1" lang="en-US" altLang="ko-KR" sz="1200" dirty="0" smtClean="0"/>
           </a:p>
@@ -6942,17 +6944,106 @@
             <a:pPr lvl="1"/>
             <a:r>
               <a:rPr kumimoji="1" lang="en-US" altLang="ko-KR" sz="1400" dirty="0" smtClean="0"/>
-              <a:t>Always </a:t>
-            </a:r>
-            <a:r>
-              <a:rPr kumimoji="1" lang="mr-IN" altLang="ko-KR" sz="1400" dirty="0" smtClean="0"/>
-              <a:t>…</a:t>
-            </a:r>
+              <a:t>Always first to be called</a:t>
+            </a:r>
+          </a:p>
+          <a:p>
+            <a:pPr lvl="1"/>
             <a:r>
               <a:rPr kumimoji="1" lang="en-US" altLang="ko-KR" sz="1400" dirty="0" smtClean="0"/>
-              <a:t>.</a:t>
-            </a:r>
-            <a:endParaRPr kumimoji="1" lang="ko-KR" altLang="en-US" sz="1400" dirty="0"/>
+              <a:t>Sends event to root view attached to Window</a:t>
+            </a:r>
+          </a:p>
+          <a:p>
+            <a:pPr lvl="1"/>
+            <a:r>
+              <a:rPr kumimoji="1" lang="en-US" altLang="ko-KR" sz="1400" dirty="0" err="1" smtClean="0">
+                <a:hlinkClick r:id="rId3"/>
+              </a:rPr>
+              <a:t>onTouchEvent</a:t>
+            </a:r>
+            <a:r>
+              <a:rPr kumimoji="1" lang="en-US" altLang="ko-KR" sz="1400" dirty="0" smtClean="0">
+                <a:hlinkClick r:id="rId3"/>
+              </a:rPr>
+              <a:t>()</a:t>
+            </a:r>
+            <a:endParaRPr kumimoji="1" lang="en-US" altLang="ko-KR" sz="1400" dirty="0" smtClean="0"/>
+          </a:p>
+          <a:p>
+            <a:pPr lvl="2"/>
+            <a:r>
+              <a:rPr kumimoji="1" lang="en-US" altLang="ko-KR" sz="1000" dirty="0" smtClean="0"/>
+              <a:t>Called if no views consume the event</a:t>
+            </a:r>
+          </a:p>
+          <a:p>
+            <a:pPr lvl="2"/>
+            <a:r>
+              <a:rPr kumimoji="1" lang="en-US" altLang="ko-KR" sz="1000" dirty="0" smtClean="0"/>
+              <a:t>Always last to be called</a:t>
+            </a:r>
+          </a:p>
+          <a:p>
+            <a:r>
+              <a:rPr kumimoji="1" lang="en-US" altLang="ko-KR" sz="1800" dirty="0" err="1" smtClean="0">
+                <a:hlinkClick r:id="rId4"/>
+              </a:rPr>
+              <a:t>View.dispatchTouchEvent</a:t>
+            </a:r>
+            <a:r>
+              <a:rPr kumimoji="1" lang="en-US" altLang="ko-KR" sz="1800" dirty="0" smtClean="0">
+                <a:hlinkClick r:id="rId4"/>
+              </a:rPr>
+              <a:t>()</a:t>
+            </a:r>
+            <a:endParaRPr kumimoji="1" lang="en-US" altLang="ko-KR" sz="1800" dirty="0" smtClean="0"/>
+          </a:p>
+          <a:p>
+            <a:pPr lvl="1"/>
+            <a:r>
+              <a:rPr kumimoji="1" lang="en-US" altLang="ko-KR" sz="1400" dirty="0" smtClean="0"/>
+              <a:t>Sends event to listener first, if exists</a:t>
+            </a:r>
+          </a:p>
+          <a:p>
+            <a:pPr lvl="2"/>
+            <a:r>
+              <a:rPr kumimoji="1" lang="en-US" altLang="ko-KR" sz="1000" dirty="0" err="1" smtClean="0">
+                <a:hlinkClick r:id="rId5"/>
+              </a:rPr>
+              <a:t>View.OnTouchListener.onTouch</a:t>
+            </a:r>
+            <a:r>
+              <a:rPr kumimoji="1" lang="en-US" altLang="ko-KR" sz="1000" dirty="0" smtClean="0">
+                <a:hlinkClick r:id="rId5"/>
+              </a:rPr>
+              <a:t>()</a:t>
+            </a:r>
+            <a:endParaRPr kumimoji="1" lang="en-US" altLang="ko-KR" sz="1000" dirty="0" smtClean="0"/>
+          </a:p>
+          <a:p>
+            <a:pPr lvl="1"/>
+            <a:r>
+              <a:rPr kumimoji="1" lang="en-US" altLang="ko-KR" sz="1400" dirty="0" smtClean="0"/>
+              <a:t>If not consumed, processes the touch itself</a:t>
+            </a:r>
+          </a:p>
+          <a:p>
+            <a:pPr lvl="2"/>
+            <a:r>
+              <a:rPr kumimoji="1" lang="en-US" altLang="ko-KR" sz="1000" dirty="0" err="1" smtClean="0">
+                <a:hlinkClick r:id="rId6"/>
+              </a:rPr>
+              <a:t>View.onTouchEvent</a:t>
+            </a:r>
+            <a:r>
+              <a:rPr kumimoji="1" lang="en-US" altLang="ko-KR" sz="1000" dirty="0" smtClean="0">
+                <a:hlinkClick r:id="rId6"/>
+              </a:rPr>
+              <a:t>()</a:t>
+            </a:r>
+            <a:endParaRPr kumimoji="1" lang="ko-KR" altLang="en-US" sz="1000" dirty="0"/>
           </a:p>
         </p:txBody>
       </p:sp>
@@ -6973,6 +7064,4514 @@
       </p:par>
     </p:tnLst>
   </p:timing>
+</p:sld>
+</file>
+
+<file path=ppt/slides/slide5.xml><?xml version="1.0" encoding="utf-8"?>
+<p:sld xmlns:a="http://schemas.openxmlformats.org/drawingml/2006/main" xmlns:r="http://schemas.openxmlformats.org/officeDocument/2006/relationships" xmlns:p="http://schemas.openxmlformats.org/presentationml/2006/main">
+  <p:cSld>
+    <p:spTree>
+      <p:nvGrpSpPr>
+        <p:cNvPr id="1" name=""/>
+        <p:cNvGrpSpPr/>
+        <p:nvPr/>
+      </p:nvGrpSpPr>
+      <p:grpSpPr>
+        <a:xfrm>
+          <a:off x="0" y="0"/>
+          <a:ext cx="0" cy="0"/>
+          <a:chOff x="0" y="0"/>
+          <a:chExt cx="0" cy="0"/>
+        </a:xfrm>
+      </p:grpSpPr>
+      <p:sp>
+        <p:nvSpPr>
+          <p:cNvPr id="35" name="직사각형 34"/>
+          <p:cNvSpPr/>
+          <p:nvPr/>
+        </p:nvSpPr>
+        <p:spPr>
+          <a:xfrm>
+            <a:off x="995680" y="243840"/>
+            <a:ext cx="833120" cy="325120"/>
+          </a:xfrm>
+          <a:prstGeom prst="rect">
+            <a:avLst/>
+          </a:prstGeom>
+          <a:solidFill>
+            <a:schemeClr val="accent5">
+              <a:lumMod val="20000"/>
+              <a:lumOff val="80000"/>
+            </a:schemeClr>
+          </a:solidFill>
+          <a:ln w="22225">
+            <a:solidFill>
+              <a:schemeClr val="tx1"/>
+            </a:solidFill>
+          </a:ln>
+        </p:spPr>
+        <p:style>
+          <a:lnRef idx="2">
+            <a:schemeClr val="accent1">
+              <a:shade val="50000"/>
+            </a:schemeClr>
+          </a:lnRef>
+          <a:fillRef idx="1">
+            <a:schemeClr val="accent1"/>
+          </a:fillRef>
+          <a:effectRef idx="0">
+            <a:schemeClr val="accent1"/>
+          </a:effectRef>
+          <a:fontRef idx="minor">
+            <a:schemeClr val="lt1"/>
+          </a:fontRef>
+        </p:style>
+        <p:txBody>
+          <a:bodyPr rtlCol="0" anchor="ctr"/>
+          <a:lstStyle/>
+          <a:p>
+            <a:pPr algn="ctr"/>
+            <a:r>
+              <a:rPr kumimoji="1" lang="en-US" altLang="ko-KR" sz="1200" dirty="0" smtClean="0">
+                <a:solidFill>
+                  <a:schemeClr val="tx1"/>
+                </a:solidFill>
+              </a:rPr>
+              <a:t>Activity</a:t>
+            </a:r>
+            <a:endParaRPr kumimoji="1" lang="ko-KR" altLang="en-US" sz="1200" dirty="0">
+              <a:solidFill>
+                <a:schemeClr val="tx1"/>
+              </a:solidFill>
+            </a:endParaRPr>
+          </a:p>
+        </p:txBody>
+      </p:sp>
+      <p:cxnSp>
+        <p:nvCxnSpPr>
+          <p:cNvPr id="37" name="직선 연결선[R] 36"/>
+          <p:cNvCxnSpPr>
+            <a:stCxn id="35" idx="2"/>
+          </p:cNvCxnSpPr>
+          <p:nvPr/>
+        </p:nvCxnSpPr>
+        <p:spPr>
+          <a:xfrm flipH="1">
+            <a:off x="1402080" y="568960"/>
+            <a:ext cx="10160" cy="1473200"/>
+          </a:xfrm>
+          <a:prstGeom prst="line">
+            <a:avLst/>
+          </a:prstGeom>
+          <a:ln>
+            <a:solidFill>
+              <a:schemeClr val="tx1"/>
+            </a:solidFill>
+            <a:prstDash val="dash"/>
+          </a:ln>
+        </p:spPr>
+        <p:style>
+          <a:lnRef idx="1">
+            <a:schemeClr val="accent1"/>
+          </a:lnRef>
+          <a:fillRef idx="0">
+            <a:schemeClr val="accent1"/>
+          </a:fillRef>
+          <a:effectRef idx="0">
+            <a:schemeClr val="accent1"/>
+          </a:effectRef>
+          <a:fontRef idx="minor">
+            <a:schemeClr val="tx1"/>
+          </a:fontRef>
+        </p:style>
+      </p:cxnSp>
+      <p:sp>
+        <p:nvSpPr>
+          <p:cNvPr id="38" name="텍스트 상자 37"/>
+          <p:cNvSpPr txBox="1"/>
+          <p:nvPr/>
+        </p:nvSpPr>
+        <p:spPr>
+          <a:xfrm>
+            <a:off x="1524000" y="812800"/>
+            <a:ext cx="1412240" cy="246221"/>
+          </a:xfrm>
+          <a:prstGeom prst="rect">
+            <a:avLst/>
+          </a:prstGeom>
+          <a:noFill/>
+        </p:spPr>
+        <p:txBody>
+          <a:bodyPr wrap="square" rtlCol="0">
+            <a:spAutoFit/>
+          </a:bodyPr>
+          <a:lstStyle/>
+          <a:p>
+            <a:r>
+              <a:rPr kumimoji="1" lang="en-US" altLang="ko-KR" sz="1000" dirty="0" err="1" smtClean="0"/>
+              <a:t>dispatchTouchEvent</a:t>
+            </a:r>
+            <a:r>
+              <a:rPr kumimoji="1" lang="en-US" altLang="ko-KR" sz="1000" dirty="0" smtClean="0"/>
+              <a:t>()</a:t>
+            </a:r>
+          </a:p>
+        </p:txBody>
+      </p:sp>
+      <p:sp>
+        <p:nvSpPr>
+          <p:cNvPr id="39" name="타원 38"/>
+          <p:cNvSpPr/>
+          <p:nvPr/>
+        </p:nvSpPr>
+        <p:spPr>
+          <a:xfrm>
+            <a:off x="1544320" y="679268"/>
+            <a:ext cx="150385" cy="165463"/>
+          </a:xfrm>
+          <a:prstGeom prst="ellipse">
+            <a:avLst/>
+          </a:prstGeom>
+          <a:solidFill>
+            <a:srgbClr val="FFFF00"/>
+          </a:solidFill>
+          <a:ln>
+            <a:solidFill>
+              <a:schemeClr val="tx1"/>
+            </a:solidFill>
+          </a:ln>
+        </p:spPr>
+        <p:style>
+          <a:lnRef idx="2">
+            <a:schemeClr val="accent1">
+              <a:shade val="50000"/>
+            </a:schemeClr>
+          </a:lnRef>
+          <a:fillRef idx="1">
+            <a:schemeClr val="accent1"/>
+          </a:fillRef>
+          <a:effectRef idx="0">
+            <a:schemeClr val="accent1"/>
+          </a:effectRef>
+          <a:fontRef idx="minor">
+            <a:schemeClr val="lt1"/>
+          </a:fontRef>
+        </p:style>
+        <p:txBody>
+          <a:bodyPr lIns="0" tIns="0" rIns="0" bIns="0" rtlCol="0" anchor="ctr"/>
+          <a:lstStyle/>
+          <a:p>
+            <a:pPr algn="ctr"/>
+            <a:r>
+              <a:rPr kumimoji="1" lang="en-US" altLang="ko-KR" sz="700" b="1" dirty="0">
+                <a:solidFill>
+                  <a:schemeClr val="tx1"/>
+                </a:solidFill>
+              </a:rPr>
+              <a:t>1</a:t>
+            </a:r>
+            <a:endParaRPr kumimoji="1" lang="ko-KR" altLang="en-US" sz="700" b="1" dirty="0">
+              <a:solidFill>
+                <a:schemeClr val="tx1"/>
+              </a:solidFill>
+            </a:endParaRPr>
+          </a:p>
+        </p:txBody>
+      </p:sp>
+      <p:sp>
+        <p:nvSpPr>
+          <p:cNvPr id="40" name="직사각형 39"/>
+          <p:cNvSpPr/>
+          <p:nvPr/>
+        </p:nvSpPr>
+        <p:spPr>
+          <a:xfrm>
+            <a:off x="2631440" y="243840"/>
+            <a:ext cx="833120" cy="325120"/>
+          </a:xfrm>
+          <a:prstGeom prst="rect">
+            <a:avLst/>
+          </a:prstGeom>
+          <a:solidFill>
+            <a:schemeClr val="accent5">
+              <a:lumMod val="20000"/>
+              <a:lumOff val="80000"/>
+            </a:schemeClr>
+          </a:solidFill>
+          <a:ln w="22225">
+            <a:solidFill>
+              <a:schemeClr val="tx1"/>
+            </a:solidFill>
+          </a:ln>
+        </p:spPr>
+        <p:style>
+          <a:lnRef idx="2">
+            <a:schemeClr val="accent1">
+              <a:shade val="50000"/>
+            </a:schemeClr>
+          </a:lnRef>
+          <a:fillRef idx="1">
+            <a:schemeClr val="accent1"/>
+          </a:fillRef>
+          <a:effectRef idx="0">
+            <a:schemeClr val="accent1"/>
+          </a:effectRef>
+          <a:fontRef idx="minor">
+            <a:schemeClr val="lt1"/>
+          </a:fontRef>
+        </p:style>
+        <p:txBody>
+          <a:bodyPr rtlCol="0" anchor="ctr"/>
+          <a:lstStyle/>
+          <a:p>
+            <a:pPr algn="ctr"/>
+            <a:r>
+              <a:rPr kumimoji="1" lang="en-US" altLang="ko-KR" sz="1200" smtClean="0">
+                <a:solidFill>
+                  <a:schemeClr val="tx1"/>
+                </a:solidFill>
+              </a:rPr>
+              <a:t>Window</a:t>
+            </a:r>
+            <a:endParaRPr kumimoji="1" lang="ko-KR" altLang="en-US" sz="1200" dirty="0">
+              <a:solidFill>
+                <a:schemeClr val="tx1"/>
+              </a:solidFill>
+            </a:endParaRPr>
+          </a:p>
+        </p:txBody>
+      </p:sp>
+      <p:cxnSp>
+        <p:nvCxnSpPr>
+          <p:cNvPr id="41" name="직선 연결선[R] 40"/>
+          <p:cNvCxnSpPr/>
+          <p:nvPr/>
+        </p:nvCxnSpPr>
+        <p:spPr>
+          <a:xfrm flipH="1">
+            <a:off x="3037840" y="568960"/>
+            <a:ext cx="10160" cy="1473200"/>
+          </a:xfrm>
+          <a:prstGeom prst="line">
+            <a:avLst/>
+          </a:prstGeom>
+          <a:ln>
+            <a:solidFill>
+              <a:schemeClr val="tx1"/>
+            </a:solidFill>
+            <a:prstDash val="dash"/>
+          </a:ln>
+        </p:spPr>
+        <p:style>
+          <a:lnRef idx="1">
+            <a:schemeClr val="accent1"/>
+          </a:lnRef>
+          <a:fillRef idx="0">
+            <a:schemeClr val="accent1"/>
+          </a:fillRef>
+          <a:effectRef idx="0">
+            <a:schemeClr val="accent1"/>
+          </a:effectRef>
+          <a:fontRef idx="minor">
+            <a:schemeClr val="tx1"/>
+          </a:fontRef>
+        </p:style>
+      </p:cxnSp>
+      <p:cxnSp>
+        <p:nvCxnSpPr>
+          <p:cNvPr id="43" name="직선 화살표 연결선 42"/>
+          <p:cNvCxnSpPr/>
+          <p:nvPr/>
+        </p:nvCxnSpPr>
+        <p:spPr>
+          <a:xfrm>
+            <a:off x="1412240" y="1107440"/>
+            <a:ext cx="1625600" cy="0"/>
+          </a:xfrm>
+          <a:prstGeom prst="straightConnector1">
+            <a:avLst/>
+          </a:prstGeom>
+          <a:ln w="15875">
+            <a:solidFill>
+              <a:srgbClr val="FF0000"/>
+            </a:solidFill>
+            <a:tailEnd type="triangle" w="lg" len="lg"/>
+          </a:ln>
+        </p:spPr>
+        <p:style>
+          <a:lnRef idx="1">
+            <a:schemeClr val="accent1"/>
+          </a:lnRef>
+          <a:fillRef idx="0">
+            <a:schemeClr val="accent1"/>
+          </a:fillRef>
+          <a:effectRef idx="0">
+            <a:schemeClr val="accent1"/>
+          </a:effectRef>
+          <a:fontRef idx="minor">
+            <a:schemeClr val="tx1"/>
+          </a:fontRef>
+        </p:style>
+      </p:cxnSp>
+      <p:sp>
+        <p:nvSpPr>
+          <p:cNvPr id="45" name="직사각형 44"/>
+          <p:cNvSpPr/>
+          <p:nvPr/>
+        </p:nvSpPr>
+        <p:spPr>
+          <a:xfrm>
+            <a:off x="2942327" y="1212873"/>
+            <a:ext cx="207273" cy="384628"/>
+          </a:xfrm>
+          <a:prstGeom prst="rect">
+            <a:avLst/>
+          </a:prstGeom>
+          <a:solidFill>
+            <a:schemeClr val="accent5">
+              <a:lumMod val="20000"/>
+              <a:lumOff val="80000"/>
+            </a:schemeClr>
+          </a:solidFill>
+          <a:ln w="22225">
+            <a:solidFill>
+              <a:schemeClr val="tx1"/>
+            </a:solidFill>
+          </a:ln>
+        </p:spPr>
+        <p:style>
+          <a:lnRef idx="2">
+            <a:schemeClr val="accent1">
+              <a:shade val="50000"/>
+            </a:schemeClr>
+          </a:lnRef>
+          <a:fillRef idx="1">
+            <a:schemeClr val="accent1"/>
+          </a:fillRef>
+          <a:effectRef idx="0">
+            <a:schemeClr val="accent1"/>
+          </a:effectRef>
+          <a:fontRef idx="minor">
+            <a:schemeClr val="lt1"/>
+          </a:fontRef>
+        </p:style>
+        <p:txBody>
+          <a:bodyPr rtlCol="0" anchor="ctr"/>
+          <a:lstStyle/>
+          <a:p>
+            <a:pPr algn="ctr"/>
+            <a:endParaRPr kumimoji="1" lang="ko-KR" altLang="en-US" sz="1200" dirty="0">
+              <a:solidFill>
+                <a:schemeClr val="tx1"/>
+              </a:solidFill>
+            </a:endParaRPr>
+          </a:p>
+        </p:txBody>
+      </p:sp>
+      <p:sp>
+        <p:nvSpPr>
+          <p:cNvPr id="46" name="직사각형 45"/>
+          <p:cNvSpPr/>
+          <p:nvPr/>
+        </p:nvSpPr>
+        <p:spPr>
+          <a:xfrm>
+            <a:off x="4307840" y="243840"/>
+            <a:ext cx="924560" cy="325120"/>
+          </a:xfrm>
+          <a:prstGeom prst="rect">
+            <a:avLst/>
+          </a:prstGeom>
+          <a:solidFill>
+            <a:schemeClr val="accent5">
+              <a:lumMod val="20000"/>
+              <a:lumOff val="80000"/>
+            </a:schemeClr>
+          </a:solidFill>
+          <a:ln w="22225">
+            <a:solidFill>
+              <a:schemeClr val="tx1"/>
+            </a:solidFill>
+          </a:ln>
+        </p:spPr>
+        <p:style>
+          <a:lnRef idx="2">
+            <a:schemeClr val="accent1">
+              <a:shade val="50000"/>
+            </a:schemeClr>
+          </a:lnRef>
+          <a:fillRef idx="1">
+            <a:schemeClr val="accent1"/>
+          </a:fillRef>
+          <a:effectRef idx="0">
+            <a:schemeClr val="accent1"/>
+          </a:effectRef>
+          <a:fontRef idx="minor">
+            <a:schemeClr val="lt1"/>
+          </a:fontRef>
+        </p:style>
+        <p:txBody>
+          <a:bodyPr rtlCol="0" anchor="ctr"/>
+          <a:lstStyle/>
+          <a:p>
+            <a:pPr algn="ctr"/>
+            <a:r>
+              <a:rPr kumimoji="1" lang="en-US" altLang="ko-KR" sz="1200" smtClean="0">
+                <a:solidFill>
+                  <a:schemeClr val="tx1"/>
+                </a:solidFill>
+              </a:rPr>
+              <a:t>DecorView</a:t>
+            </a:r>
+            <a:endParaRPr kumimoji="1" lang="ko-KR" altLang="en-US" sz="1200" dirty="0">
+              <a:solidFill>
+                <a:schemeClr val="tx1"/>
+              </a:solidFill>
+            </a:endParaRPr>
+          </a:p>
+        </p:txBody>
+      </p:sp>
+      <p:cxnSp>
+        <p:nvCxnSpPr>
+          <p:cNvPr id="47" name="직선 연결선[R] 46"/>
+          <p:cNvCxnSpPr/>
+          <p:nvPr/>
+        </p:nvCxnSpPr>
+        <p:spPr>
+          <a:xfrm flipH="1">
+            <a:off x="4765040" y="568960"/>
+            <a:ext cx="10160" cy="1473200"/>
+          </a:xfrm>
+          <a:prstGeom prst="line">
+            <a:avLst/>
+          </a:prstGeom>
+          <a:ln>
+            <a:solidFill>
+              <a:schemeClr val="tx1"/>
+            </a:solidFill>
+            <a:prstDash val="dash"/>
+          </a:ln>
+        </p:spPr>
+        <p:style>
+          <a:lnRef idx="1">
+            <a:schemeClr val="accent1"/>
+          </a:lnRef>
+          <a:fillRef idx="0">
+            <a:schemeClr val="accent1"/>
+          </a:fillRef>
+          <a:effectRef idx="0">
+            <a:schemeClr val="accent1"/>
+          </a:effectRef>
+          <a:fontRef idx="minor">
+            <a:schemeClr val="tx1"/>
+          </a:fontRef>
+        </p:style>
+      </p:cxnSp>
+      <p:sp>
+        <p:nvSpPr>
+          <p:cNvPr id="48" name="직사각형 47"/>
+          <p:cNvSpPr/>
+          <p:nvPr/>
+        </p:nvSpPr>
+        <p:spPr>
+          <a:xfrm>
+            <a:off x="4681723" y="1408294"/>
+            <a:ext cx="207273" cy="384628"/>
+          </a:xfrm>
+          <a:prstGeom prst="rect">
+            <a:avLst/>
+          </a:prstGeom>
+          <a:solidFill>
+            <a:schemeClr val="accent5">
+              <a:lumMod val="20000"/>
+              <a:lumOff val="80000"/>
+            </a:schemeClr>
+          </a:solidFill>
+          <a:ln w="22225">
+            <a:solidFill>
+              <a:schemeClr val="tx1"/>
+            </a:solidFill>
+          </a:ln>
+        </p:spPr>
+        <p:style>
+          <a:lnRef idx="2">
+            <a:schemeClr val="accent1">
+              <a:shade val="50000"/>
+            </a:schemeClr>
+          </a:lnRef>
+          <a:fillRef idx="1">
+            <a:schemeClr val="accent1"/>
+          </a:fillRef>
+          <a:effectRef idx="0">
+            <a:schemeClr val="accent1"/>
+          </a:effectRef>
+          <a:fontRef idx="minor">
+            <a:schemeClr val="lt1"/>
+          </a:fontRef>
+        </p:style>
+        <p:txBody>
+          <a:bodyPr rtlCol="0" anchor="ctr"/>
+          <a:lstStyle/>
+          <a:p>
+            <a:pPr algn="ctr"/>
+            <a:endParaRPr kumimoji="1" lang="ko-KR" altLang="en-US" sz="1200" dirty="0">
+              <a:solidFill>
+                <a:schemeClr val="tx1"/>
+              </a:solidFill>
+            </a:endParaRPr>
+          </a:p>
+        </p:txBody>
+      </p:sp>
+      <p:sp>
+        <p:nvSpPr>
+          <p:cNvPr id="49" name="텍스트 상자 48"/>
+          <p:cNvSpPr txBox="1"/>
+          <p:nvPr/>
+        </p:nvSpPr>
+        <p:spPr>
+          <a:xfrm>
+            <a:off x="3037840" y="995680"/>
+            <a:ext cx="1800356" cy="246221"/>
+          </a:xfrm>
+          <a:prstGeom prst="rect">
+            <a:avLst/>
+          </a:prstGeom>
+          <a:noFill/>
+        </p:spPr>
+        <p:txBody>
+          <a:bodyPr wrap="square" rtlCol="0">
+            <a:spAutoFit/>
+          </a:bodyPr>
+          <a:lstStyle/>
+          <a:p>
+            <a:r>
+              <a:rPr kumimoji="1" lang="en-US" altLang="ko-KR" sz="1000" dirty="0" err="1" smtClean="0"/>
+              <a:t>super.DispatchTouchEvent</a:t>
+            </a:r>
+            <a:r>
+              <a:rPr kumimoji="1" lang="en-US" altLang="ko-KR" sz="1000" dirty="0" smtClean="0"/>
+              <a:t>()</a:t>
+            </a:r>
+          </a:p>
+        </p:txBody>
+      </p:sp>
+      <p:sp>
+        <p:nvSpPr>
+          <p:cNvPr id="50" name="타원 49"/>
+          <p:cNvSpPr/>
+          <p:nvPr/>
+        </p:nvSpPr>
+        <p:spPr>
+          <a:xfrm>
+            <a:off x="3098800" y="872308"/>
+            <a:ext cx="150385" cy="165463"/>
+          </a:xfrm>
+          <a:prstGeom prst="ellipse">
+            <a:avLst/>
+          </a:prstGeom>
+          <a:solidFill>
+            <a:srgbClr val="FFFF00"/>
+          </a:solidFill>
+          <a:ln>
+            <a:solidFill>
+              <a:schemeClr val="tx1"/>
+            </a:solidFill>
+          </a:ln>
+        </p:spPr>
+        <p:style>
+          <a:lnRef idx="2">
+            <a:schemeClr val="accent1">
+              <a:shade val="50000"/>
+            </a:schemeClr>
+          </a:lnRef>
+          <a:fillRef idx="1">
+            <a:schemeClr val="accent1"/>
+          </a:fillRef>
+          <a:effectRef idx="0">
+            <a:schemeClr val="accent1"/>
+          </a:effectRef>
+          <a:fontRef idx="minor">
+            <a:schemeClr val="lt1"/>
+          </a:fontRef>
+        </p:style>
+        <p:txBody>
+          <a:bodyPr lIns="0" tIns="0" rIns="0" bIns="0" rtlCol="0" anchor="ctr"/>
+          <a:lstStyle/>
+          <a:p>
+            <a:pPr algn="ctr"/>
+            <a:r>
+              <a:rPr kumimoji="1" lang="en-US" altLang="ko-KR" sz="700" b="1" dirty="0">
+                <a:solidFill>
+                  <a:schemeClr val="tx1"/>
+                </a:solidFill>
+              </a:rPr>
+              <a:t>2</a:t>
+            </a:r>
+            <a:endParaRPr kumimoji="1" lang="ko-KR" altLang="en-US" sz="700" b="1" dirty="0">
+              <a:solidFill>
+                <a:schemeClr val="tx1"/>
+              </a:solidFill>
+            </a:endParaRPr>
+          </a:p>
+        </p:txBody>
+      </p:sp>
+      <p:cxnSp>
+        <p:nvCxnSpPr>
+          <p:cNvPr id="51" name="직선 화살표 연결선 50"/>
+          <p:cNvCxnSpPr/>
+          <p:nvPr/>
+        </p:nvCxnSpPr>
+        <p:spPr>
+          <a:xfrm>
+            <a:off x="3159760" y="1320800"/>
+            <a:ext cx="1625600" cy="0"/>
+          </a:xfrm>
+          <a:prstGeom prst="straightConnector1">
+            <a:avLst/>
+          </a:prstGeom>
+          <a:ln w="15875">
+            <a:solidFill>
+              <a:srgbClr val="FF0000"/>
+            </a:solidFill>
+            <a:tailEnd type="triangle" w="lg" len="lg"/>
+          </a:ln>
+        </p:spPr>
+        <p:style>
+          <a:lnRef idx="1">
+            <a:schemeClr val="accent1"/>
+          </a:lnRef>
+          <a:fillRef idx="0">
+            <a:schemeClr val="accent1"/>
+          </a:fillRef>
+          <a:effectRef idx="0">
+            <a:schemeClr val="accent1"/>
+          </a:effectRef>
+          <a:fontRef idx="minor">
+            <a:schemeClr val="tx1"/>
+          </a:fontRef>
+        </p:style>
+      </p:cxnSp>
+      <p:sp>
+        <p:nvSpPr>
+          <p:cNvPr id="52" name="직사각형 51"/>
+          <p:cNvSpPr/>
+          <p:nvPr/>
+        </p:nvSpPr>
+        <p:spPr>
+          <a:xfrm>
+            <a:off x="6189476" y="243840"/>
+            <a:ext cx="924560" cy="325120"/>
+          </a:xfrm>
+          <a:prstGeom prst="rect">
+            <a:avLst/>
+          </a:prstGeom>
+          <a:solidFill>
+            <a:schemeClr val="accent5">
+              <a:lumMod val="20000"/>
+              <a:lumOff val="80000"/>
+            </a:schemeClr>
+          </a:solidFill>
+          <a:ln w="22225">
+            <a:solidFill>
+              <a:schemeClr val="tx1"/>
+            </a:solidFill>
+          </a:ln>
+        </p:spPr>
+        <p:style>
+          <a:lnRef idx="2">
+            <a:schemeClr val="accent1">
+              <a:shade val="50000"/>
+            </a:schemeClr>
+          </a:lnRef>
+          <a:fillRef idx="1">
+            <a:schemeClr val="accent1"/>
+          </a:fillRef>
+          <a:effectRef idx="0">
+            <a:schemeClr val="accent1"/>
+          </a:effectRef>
+          <a:fontRef idx="minor">
+            <a:schemeClr val="lt1"/>
+          </a:fontRef>
+        </p:style>
+        <p:txBody>
+          <a:bodyPr rtlCol="0" anchor="ctr"/>
+          <a:lstStyle/>
+          <a:p>
+            <a:pPr algn="ctr"/>
+            <a:r>
+              <a:rPr kumimoji="1" lang="en-US" altLang="ko-KR" sz="1200" smtClean="0">
+                <a:solidFill>
+                  <a:schemeClr val="tx1"/>
+                </a:solidFill>
+              </a:rPr>
+              <a:t>DecorView</a:t>
+            </a:r>
+            <a:endParaRPr kumimoji="1" lang="ko-KR" altLang="en-US" sz="1200" dirty="0">
+              <a:solidFill>
+                <a:schemeClr val="tx1"/>
+              </a:solidFill>
+            </a:endParaRPr>
+          </a:p>
+        </p:txBody>
+      </p:sp>
+      <p:cxnSp>
+        <p:nvCxnSpPr>
+          <p:cNvPr id="53" name="직선 연결선[R] 52"/>
+          <p:cNvCxnSpPr/>
+          <p:nvPr/>
+        </p:nvCxnSpPr>
+        <p:spPr>
+          <a:xfrm flipH="1">
+            <a:off x="6628555" y="568960"/>
+            <a:ext cx="28281" cy="4100694"/>
+          </a:xfrm>
+          <a:prstGeom prst="line">
+            <a:avLst/>
+          </a:prstGeom>
+          <a:ln>
+            <a:solidFill>
+              <a:schemeClr val="tx1"/>
+            </a:solidFill>
+            <a:prstDash val="dash"/>
+          </a:ln>
+        </p:spPr>
+        <p:style>
+          <a:lnRef idx="1">
+            <a:schemeClr val="accent1"/>
+          </a:lnRef>
+          <a:fillRef idx="0">
+            <a:schemeClr val="accent1"/>
+          </a:fillRef>
+          <a:effectRef idx="0">
+            <a:schemeClr val="accent1"/>
+          </a:effectRef>
+          <a:fontRef idx="minor">
+            <a:schemeClr val="tx1"/>
+          </a:fontRef>
+        </p:style>
+      </p:cxnSp>
+      <p:sp>
+        <p:nvSpPr>
+          <p:cNvPr id="54" name="직사각형 53"/>
+          <p:cNvSpPr/>
+          <p:nvPr/>
+        </p:nvSpPr>
+        <p:spPr>
+          <a:xfrm>
+            <a:off x="6532879" y="1408294"/>
+            <a:ext cx="254001" cy="2422026"/>
+          </a:xfrm>
+          <a:prstGeom prst="rect">
+            <a:avLst/>
+          </a:prstGeom>
+          <a:solidFill>
+            <a:schemeClr val="accent5">
+              <a:lumMod val="20000"/>
+              <a:lumOff val="80000"/>
+            </a:schemeClr>
+          </a:solidFill>
+          <a:ln w="22225">
+            <a:solidFill>
+              <a:schemeClr val="tx1"/>
+            </a:solidFill>
+          </a:ln>
+        </p:spPr>
+        <p:style>
+          <a:lnRef idx="2">
+            <a:schemeClr val="accent1">
+              <a:shade val="50000"/>
+            </a:schemeClr>
+          </a:lnRef>
+          <a:fillRef idx="1">
+            <a:schemeClr val="accent1"/>
+          </a:fillRef>
+          <a:effectRef idx="0">
+            <a:schemeClr val="accent1"/>
+          </a:effectRef>
+          <a:fontRef idx="minor">
+            <a:schemeClr val="lt1"/>
+          </a:fontRef>
+        </p:style>
+        <p:txBody>
+          <a:bodyPr rtlCol="0" anchor="ctr"/>
+          <a:lstStyle/>
+          <a:p>
+            <a:pPr algn="ctr"/>
+            <a:endParaRPr kumimoji="1" lang="ko-KR" altLang="en-US" sz="1200" dirty="0">
+              <a:solidFill>
+                <a:schemeClr val="tx1"/>
+              </a:solidFill>
+            </a:endParaRPr>
+          </a:p>
+        </p:txBody>
+      </p:sp>
+      <p:sp>
+        <p:nvSpPr>
+          <p:cNvPr id="55" name="텍스트 상자 54"/>
+          <p:cNvSpPr txBox="1"/>
+          <p:nvPr/>
+        </p:nvSpPr>
+        <p:spPr>
+          <a:xfrm>
+            <a:off x="4817876" y="1249680"/>
+            <a:ext cx="1800356" cy="246221"/>
+          </a:xfrm>
+          <a:prstGeom prst="rect">
+            <a:avLst/>
+          </a:prstGeom>
+          <a:noFill/>
+        </p:spPr>
+        <p:txBody>
+          <a:bodyPr wrap="square" rtlCol="0">
+            <a:spAutoFit/>
+          </a:bodyPr>
+          <a:lstStyle/>
+          <a:p>
+            <a:r>
+              <a:rPr kumimoji="1" lang="en-US" altLang="ko-KR" sz="1000" dirty="0" err="1" smtClean="0"/>
+              <a:t>super.DispatchTouchEvent</a:t>
+            </a:r>
+            <a:r>
+              <a:rPr kumimoji="1" lang="en-US" altLang="ko-KR" sz="1000" dirty="0" smtClean="0"/>
+              <a:t>()</a:t>
+            </a:r>
+          </a:p>
+        </p:txBody>
+      </p:sp>
+      <p:sp>
+        <p:nvSpPr>
+          <p:cNvPr id="56" name="타원 55"/>
+          <p:cNvSpPr/>
+          <p:nvPr/>
+        </p:nvSpPr>
+        <p:spPr>
+          <a:xfrm>
+            <a:off x="4858516" y="1126308"/>
+            <a:ext cx="150385" cy="165463"/>
+          </a:xfrm>
+          <a:prstGeom prst="ellipse">
+            <a:avLst/>
+          </a:prstGeom>
+          <a:solidFill>
+            <a:srgbClr val="FFFF00"/>
+          </a:solidFill>
+          <a:ln>
+            <a:solidFill>
+              <a:schemeClr val="tx1"/>
+            </a:solidFill>
+          </a:ln>
+        </p:spPr>
+        <p:style>
+          <a:lnRef idx="2">
+            <a:schemeClr val="accent1">
+              <a:shade val="50000"/>
+            </a:schemeClr>
+          </a:lnRef>
+          <a:fillRef idx="1">
+            <a:schemeClr val="accent1"/>
+          </a:fillRef>
+          <a:effectRef idx="0">
+            <a:schemeClr val="accent1"/>
+          </a:effectRef>
+          <a:fontRef idx="minor">
+            <a:schemeClr val="lt1"/>
+          </a:fontRef>
+        </p:style>
+        <p:txBody>
+          <a:bodyPr lIns="0" tIns="0" rIns="0" bIns="0" rtlCol="0" anchor="ctr"/>
+          <a:lstStyle/>
+          <a:p>
+            <a:pPr algn="ctr"/>
+            <a:r>
+              <a:rPr kumimoji="1" lang="en-US" altLang="ko-KR" sz="700" b="1" dirty="0">
+                <a:solidFill>
+                  <a:schemeClr val="tx1"/>
+                </a:solidFill>
+              </a:rPr>
+              <a:t>3</a:t>
+            </a:r>
+            <a:endParaRPr kumimoji="1" lang="ko-KR" altLang="en-US" sz="700" b="1" dirty="0">
+              <a:solidFill>
+                <a:schemeClr val="tx1"/>
+              </a:solidFill>
+            </a:endParaRPr>
+          </a:p>
+        </p:txBody>
+      </p:sp>
+      <p:cxnSp>
+        <p:nvCxnSpPr>
+          <p:cNvPr id="57" name="직선 화살표 연결선 56"/>
+          <p:cNvCxnSpPr/>
+          <p:nvPr/>
+        </p:nvCxnSpPr>
+        <p:spPr>
+          <a:xfrm>
+            <a:off x="4888996" y="1577181"/>
+            <a:ext cx="1625600" cy="0"/>
+          </a:xfrm>
+          <a:prstGeom prst="straightConnector1">
+            <a:avLst/>
+          </a:prstGeom>
+          <a:ln w="15875">
+            <a:solidFill>
+              <a:srgbClr val="FF0000"/>
+            </a:solidFill>
+            <a:tailEnd type="triangle" w="lg" len="lg"/>
+          </a:ln>
+        </p:spPr>
+        <p:style>
+          <a:lnRef idx="1">
+            <a:schemeClr val="accent1"/>
+          </a:lnRef>
+          <a:fillRef idx="0">
+            <a:schemeClr val="accent1"/>
+          </a:fillRef>
+          <a:effectRef idx="0">
+            <a:schemeClr val="accent1"/>
+          </a:effectRef>
+          <a:fontRef idx="minor">
+            <a:schemeClr val="tx1"/>
+          </a:fontRef>
+        </p:style>
+      </p:cxnSp>
+      <p:sp>
+        <p:nvSpPr>
+          <p:cNvPr id="61" name="U자형 화살표[U] 60"/>
+          <p:cNvSpPr/>
+          <p:nvPr/>
+        </p:nvSpPr>
+        <p:spPr>
+          <a:xfrm rot="5400000">
+            <a:off x="6889669" y="1494712"/>
+            <a:ext cx="444660" cy="650240"/>
+          </a:xfrm>
+          <a:prstGeom prst="uturnArrow">
+            <a:avLst/>
+          </a:prstGeom>
+          <a:solidFill>
+            <a:srgbClr val="FF0000"/>
+          </a:solidFill>
+        </p:spPr>
+        <p:style>
+          <a:lnRef idx="2">
+            <a:schemeClr val="accent1">
+              <a:shade val="50000"/>
+            </a:schemeClr>
+          </a:lnRef>
+          <a:fillRef idx="1">
+            <a:schemeClr val="accent1"/>
+          </a:fillRef>
+          <a:effectRef idx="0">
+            <a:schemeClr val="accent1"/>
+          </a:effectRef>
+          <a:fontRef idx="minor">
+            <a:schemeClr val="lt1"/>
+          </a:fontRef>
+        </p:style>
+        <p:txBody>
+          <a:bodyPr rtlCol="0" anchor="ctr"/>
+          <a:lstStyle/>
+          <a:p>
+            <a:pPr algn="ctr"/>
+            <a:endParaRPr kumimoji="1" lang="ko-KR" altLang="en-US">
+              <a:solidFill>
+                <a:schemeClr val="tx1"/>
+              </a:solidFill>
+            </a:endParaRPr>
+          </a:p>
+        </p:txBody>
+      </p:sp>
+      <p:sp>
+        <p:nvSpPr>
+          <p:cNvPr id="62" name="직사각형 61"/>
+          <p:cNvSpPr/>
+          <p:nvPr/>
+        </p:nvSpPr>
+        <p:spPr>
+          <a:xfrm>
+            <a:off x="6714730" y="1792922"/>
+            <a:ext cx="207273" cy="384628"/>
+          </a:xfrm>
+          <a:prstGeom prst="rect">
+            <a:avLst/>
+          </a:prstGeom>
+          <a:solidFill>
+            <a:schemeClr val="accent5">
+              <a:lumMod val="20000"/>
+              <a:lumOff val="80000"/>
+            </a:schemeClr>
+          </a:solidFill>
+          <a:ln w="22225">
+            <a:solidFill>
+              <a:schemeClr val="tx1"/>
+            </a:solidFill>
+          </a:ln>
+        </p:spPr>
+        <p:style>
+          <a:lnRef idx="2">
+            <a:schemeClr val="accent1">
+              <a:shade val="50000"/>
+            </a:schemeClr>
+          </a:lnRef>
+          <a:fillRef idx="1">
+            <a:schemeClr val="accent1"/>
+          </a:fillRef>
+          <a:effectRef idx="0">
+            <a:schemeClr val="accent1"/>
+          </a:effectRef>
+          <a:fontRef idx="minor">
+            <a:schemeClr val="lt1"/>
+          </a:fontRef>
+        </p:style>
+        <p:txBody>
+          <a:bodyPr rtlCol="0" anchor="ctr"/>
+          <a:lstStyle/>
+          <a:p>
+            <a:pPr algn="ctr"/>
+            <a:endParaRPr kumimoji="1" lang="ko-KR" altLang="en-US" sz="1200" dirty="0">
+              <a:solidFill>
+                <a:schemeClr val="tx1"/>
+              </a:solidFill>
+            </a:endParaRPr>
+          </a:p>
+        </p:txBody>
+      </p:sp>
+      <p:sp>
+        <p:nvSpPr>
+          <p:cNvPr id="63" name="텍스트 상자 62"/>
+          <p:cNvSpPr txBox="1"/>
+          <p:nvPr/>
+        </p:nvSpPr>
+        <p:spPr>
+          <a:xfrm>
+            <a:off x="6829556" y="1290320"/>
+            <a:ext cx="1800356" cy="246221"/>
+          </a:xfrm>
+          <a:prstGeom prst="rect">
+            <a:avLst/>
+          </a:prstGeom>
+          <a:noFill/>
+        </p:spPr>
+        <p:txBody>
+          <a:bodyPr wrap="square" rtlCol="0">
+            <a:spAutoFit/>
+          </a:bodyPr>
+          <a:lstStyle/>
+          <a:p>
+            <a:r>
+              <a:rPr kumimoji="1" lang="en-US" altLang="ko-KR" sz="1000" dirty="0" err="1" smtClean="0"/>
+              <a:t>dispatchTouchEvent</a:t>
+            </a:r>
+            <a:r>
+              <a:rPr kumimoji="1" lang="en-US" altLang="ko-KR" sz="1000" dirty="0" smtClean="0"/>
+              <a:t>()</a:t>
+            </a:r>
+          </a:p>
+        </p:txBody>
+      </p:sp>
+      <p:sp>
+        <p:nvSpPr>
+          <p:cNvPr id="64" name="타원 63"/>
+          <p:cNvSpPr/>
+          <p:nvPr/>
+        </p:nvSpPr>
+        <p:spPr>
+          <a:xfrm>
+            <a:off x="6920996" y="1136468"/>
+            <a:ext cx="150385" cy="165463"/>
+          </a:xfrm>
+          <a:prstGeom prst="ellipse">
+            <a:avLst/>
+          </a:prstGeom>
+          <a:solidFill>
+            <a:srgbClr val="FFFF00"/>
+          </a:solidFill>
+          <a:ln>
+            <a:solidFill>
+              <a:schemeClr val="tx1"/>
+            </a:solidFill>
+          </a:ln>
+        </p:spPr>
+        <p:style>
+          <a:lnRef idx="2">
+            <a:schemeClr val="accent1">
+              <a:shade val="50000"/>
+            </a:schemeClr>
+          </a:lnRef>
+          <a:fillRef idx="1">
+            <a:schemeClr val="accent1"/>
+          </a:fillRef>
+          <a:effectRef idx="0">
+            <a:schemeClr val="accent1"/>
+          </a:effectRef>
+          <a:fontRef idx="minor">
+            <a:schemeClr val="lt1"/>
+          </a:fontRef>
+        </p:style>
+        <p:txBody>
+          <a:bodyPr lIns="0" tIns="0" rIns="0" bIns="0" rtlCol="0" anchor="ctr"/>
+          <a:lstStyle/>
+          <a:p>
+            <a:pPr algn="ctr"/>
+            <a:r>
+              <a:rPr kumimoji="1" lang="en-US" altLang="ko-KR" sz="700" b="1" dirty="0">
+                <a:solidFill>
+                  <a:schemeClr val="tx1"/>
+                </a:solidFill>
+              </a:rPr>
+              <a:t>4</a:t>
+            </a:r>
+            <a:endParaRPr kumimoji="1" lang="ko-KR" altLang="en-US" sz="700" b="1" dirty="0">
+              <a:solidFill>
+                <a:schemeClr val="tx1"/>
+              </a:solidFill>
+            </a:endParaRPr>
+          </a:p>
+        </p:txBody>
+      </p:sp>
+      <p:sp>
+        <p:nvSpPr>
+          <p:cNvPr id="65" name="U자형 화살표[U] 64"/>
+          <p:cNvSpPr/>
+          <p:nvPr/>
+        </p:nvSpPr>
+        <p:spPr>
+          <a:xfrm rot="5400000">
+            <a:off x="6889669" y="2185592"/>
+            <a:ext cx="444660" cy="650240"/>
+          </a:xfrm>
+          <a:prstGeom prst="uturnArrow">
+            <a:avLst/>
+          </a:prstGeom>
+          <a:solidFill>
+            <a:srgbClr val="FF0000"/>
+          </a:solidFill>
+        </p:spPr>
+        <p:style>
+          <a:lnRef idx="2">
+            <a:schemeClr val="accent1">
+              <a:shade val="50000"/>
+            </a:schemeClr>
+          </a:lnRef>
+          <a:fillRef idx="1">
+            <a:schemeClr val="accent1"/>
+          </a:fillRef>
+          <a:effectRef idx="0">
+            <a:schemeClr val="accent1"/>
+          </a:effectRef>
+          <a:fontRef idx="minor">
+            <a:schemeClr val="lt1"/>
+          </a:fontRef>
+        </p:style>
+        <p:txBody>
+          <a:bodyPr rtlCol="0" anchor="ctr"/>
+          <a:lstStyle/>
+          <a:p>
+            <a:pPr algn="ctr"/>
+            <a:endParaRPr kumimoji="1" lang="ko-KR" altLang="en-US">
+              <a:solidFill>
+                <a:schemeClr val="tx1"/>
+              </a:solidFill>
+            </a:endParaRPr>
+          </a:p>
+        </p:txBody>
+      </p:sp>
+      <p:sp>
+        <p:nvSpPr>
+          <p:cNvPr id="66" name="직사각형 65"/>
+          <p:cNvSpPr/>
+          <p:nvPr/>
+        </p:nvSpPr>
+        <p:spPr>
+          <a:xfrm>
+            <a:off x="6714730" y="2483802"/>
+            <a:ext cx="207273" cy="384628"/>
+          </a:xfrm>
+          <a:prstGeom prst="rect">
+            <a:avLst/>
+          </a:prstGeom>
+          <a:solidFill>
+            <a:schemeClr val="accent5">
+              <a:lumMod val="20000"/>
+              <a:lumOff val="80000"/>
+            </a:schemeClr>
+          </a:solidFill>
+          <a:ln w="22225">
+            <a:solidFill>
+              <a:schemeClr val="tx1"/>
+            </a:solidFill>
+          </a:ln>
+        </p:spPr>
+        <p:style>
+          <a:lnRef idx="2">
+            <a:schemeClr val="accent1">
+              <a:shade val="50000"/>
+            </a:schemeClr>
+          </a:lnRef>
+          <a:fillRef idx="1">
+            <a:schemeClr val="accent1"/>
+          </a:fillRef>
+          <a:effectRef idx="0">
+            <a:schemeClr val="accent1"/>
+          </a:effectRef>
+          <a:fontRef idx="minor">
+            <a:schemeClr val="lt1"/>
+          </a:fontRef>
+        </p:style>
+        <p:txBody>
+          <a:bodyPr rtlCol="0" anchor="ctr"/>
+          <a:lstStyle/>
+          <a:p>
+            <a:pPr algn="ctr"/>
+            <a:endParaRPr kumimoji="1" lang="ko-KR" altLang="en-US" sz="1200" dirty="0">
+              <a:solidFill>
+                <a:schemeClr val="tx1"/>
+              </a:solidFill>
+            </a:endParaRPr>
+          </a:p>
+        </p:txBody>
+      </p:sp>
+      <p:sp>
+        <p:nvSpPr>
+          <p:cNvPr id="67" name="타원 66"/>
+          <p:cNvSpPr/>
+          <p:nvPr/>
+        </p:nvSpPr>
+        <p:spPr>
+          <a:xfrm>
+            <a:off x="7445232" y="2165271"/>
+            <a:ext cx="150385" cy="165463"/>
+          </a:xfrm>
+          <a:prstGeom prst="ellipse">
+            <a:avLst/>
+          </a:prstGeom>
+          <a:solidFill>
+            <a:srgbClr val="FFFF00"/>
+          </a:solidFill>
+          <a:ln>
+            <a:solidFill>
+              <a:schemeClr val="tx1"/>
+            </a:solidFill>
+          </a:ln>
+        </p:spPr>
+        <p:style>
+          <a:lnRef idx="2">
+            <a:schemeClr val="accent1">
+              <a:shade val="50000"/>
+            </a:schemeClr>
+          </a:lnRef>
+          <a:fillRef idx="1">
+            <a:schemeClr val="accent1"/>
+          </a:fillRef>
+          <a:effectRef idx="0">
+            <a:schemeClr val="accent1"/>
+          </a:effectRef>
+          <a:fontRef idx="minor">
+            <a:schemeClr val="lt1"/>
+          </a:fontRef>
+        </p:style>
+        <p:txBody>
+          <a:bodyPr lIns="0" tIns="0" rIns="0" bIns="0" rtlCol="0" anchor="ctr"/>
+          <a:lstStyle/>
+          <a:p>
+            <a:pPr algn="ctr"/>
+            <a:r>
+              <a:rPr kumimoji="1" lang="en-US" altLang="ko-KR" sz="700" b="1" dirty="0">
+                <a:solidFill>
+                  <a:schemeClr val="tx1"/>
+                </a:solidFill>
+              </a:rPr>
+              <a:t>5</a:t>
+            </a:r>
+            <a:endParaRPr kumimoji="1" lang="ko-KR" altLang="en-US" sz="700" b="1" dirty="0">
+              <a:solidFill>
+                <a:schemeClr val="tx1"/>
+              </a:solidFill>
+            </a:endParaRPr>
+          </a:p>
+        </p:txBody>
+      </p:sp>
+      <p:sp>
+        <p:nvSpPr>
+          <p:cNvPr id="68" name="텍스트 상자 67"/>
+          <p:cNvSpPr txBox="1"/>
+          <p:nvPr/>
+        </p:nvSpPr>
+        <p:spPr>
+          <a:xfrm>
+            <a:off x="7437119" y="2301966"/>
+            <a:ext cx="1800356" cy="246221"/>
+          </a:xfrm>
+          <a:prstGeom prst="rect">
+            <a:avLst/>
+          </a:prstGeom>
+          <a:noFill/>
+        </p:spPr>
+        <p:txBody>
+          <a:bodyPr wrap="square" rtlCol="0">
+            <a:spAutoFit/>
+          </a:bodyPr>
+          <a:lstStyle/>
+          <a:p>
+            <a:r>
+              <a:rPr kumimoji="1" lang="en-US" altLang="ko-KR" sz="1000" dirty="0" err="1" smtClean="0"/>
+              <a:t>onInterceptTouchEvent</a:t>
+            </a:r>
+            <a:r>
+              <a:rPr kumimoji="1" lang="en-US" altLang="ko-KR" sz="1000" dirty="0" smtClean="0"/>
+              <a:t>()</a:t>
+            </a:r>
+          </a:p>
+        </p:txBody>
+      </p:sp>
+      <p:sp>
+        <p:nvSpPr>
+          <p:cNvPr id="69" name="U자형 화살표[U] 68"/>
+          <p:cNvSpPr/>
+          <p:nvPr/>
+        </p:nvSpPr>
+        <p:spPr>
+          <a:xfrm rot="5400000">
+            <a:off x="6899829" y="2906952"/>
+            <a:ext cx="444660" cy="650240"/>
+          </a:xfrm>
+          <a:prstGeom prst="uturnArrow">
+            <a:avLst/>
+          </a:prstGeom>
+          <a:solidFill>
+            <a:srgbClr val="FF0000"/>
+          </a:solidFill>
+        </p:spPr>
+        <p:style>
+          <a:lnRef idx="2">
+            <a:schemeClr val="accent1">
+              <a:shade val="50000"/>
+            </a:schemeClr>
+          </a:lnRef>
+          <a:fillRef idx="1">
+            <a:schemeClr val="accent1"/>
+          </a:fillRef>
+          <a:effectRef idx="0">
+            <a:schemeClr val="accent1"/>
+          </a:effectRef>
+          <a:fontRef idx="minor">
+            <a:schemeClr val="lt1"/>
+          </a:fontRef>
+        </p:style>
+        <p:txBody>
+          <a:bodyPr rtlCol="0" anchor="ctr"/>
+          <a:lstStyle/>
+          <a:p>
+            <a:pPr algn="ctr"/>
+            <a:endParaRPr kumimoji="1" lang="ko-KR" altLang="en-US">
+              <a:solidFill>
+                <a:schemeClr val="tx1"/>
+              </a:solidFill>
+            </a:endParaRPr>
+          </a:p>
+        </p:txBody>
+      </p:sp>
+      <p:sp>
+        <p:nvSpPr>
+          <p:cNvPr id="70" name="직사각형 69"/>
+          <p:cNvSpPr/>
+          <p:nvPr/>
+        </p:nvSpPr>
+        <p:spPr>
+          <a:xfrm>
+            <a:off x="6724890" y="3205162"/>
+            <a:ext cx="207273" cy="384628"/>
+          </a:xfrm>
+          <a:prstGeom prst="rect">
+            <a:avLst/>
+          </a:prstGeom>
+          <a:solidFill>
+            <a:schemeClr val="accent5">
+              <a:lumMod val="20000"/>
+              <a:lumOff val="80000"/>
+            </a:schemeClr>
+          </a:solidFill>
+          <a:ln w="22225">
+            <a:solidFill>
+              <a:schemeClr val="tx1"/>
+            </a:solidFill>
+          </a:ln>
+        </p:spPr>
+        <p:style>
+          <a:lnRef idx="2">
+            <a:schemeClr val="accent1">
+              <a:shade val="50000"/>
+            </a:schemeClr>
+          </a:lnRef>
+          <a:fillRef idx="1">
+            <a:schemeClr val="accent1"/>
+          </a:fillRef>
+          <a:effectRef idx="0">
+            <a:schemeClr val="accent1"/>
+          </a:effectRef>
+          <a:fontRef idx="minor">
+            <a:schemeClr val="lt1"/>
+          </a:fontRef>
+        </p:style>
+        <p:txBody>
+          <a:bodyPr rtlCol="0" anchor="ctr"/>
+          <a:lstStyle/>
+          <a:p>
+            <a:pPr algn="ctr"/>
+            <a:endParaRPr kumimoji="1" lang="ko-KR" altLang="en-US" sz="1200" dirty="0">
+              <a:solidFill>
+                <a:schemeClr val="tx1"/>
+              </a:solidFill>
+            </a:endParaRPr>
+          </a:p>
+        </p:txBody>
+      </p:sp>
+      <p:sp>
+        <p:nvSpPr>
+          <p:cNvPr id="71" name="직사각형 70"/>
+          <p:cNvSpPr/>
+          <p:nvPr/>
+        </p:nvSpPr>
+        <p:spPr>
+          <a:xfrm>
+            <a:off x="7522465" y="2688192"/>
+            <a:ext cx="1725170" cy="891438"/>
+          </a:xfrm>
+          <a:prstGeom prst="rect">
+            <a:avLst/>
+          </a:prstGeom>
+          <a:noFill/>
+          <a:ln>
+            <a:solidFill>
+              <a:srgbClr val="FF0000"/>
+            </a:solidFill>
+          </a:ln>
+        </p:spPr>
+        <p:style>
+          <a:lnRef idx="2">
+            <a:schemeClr val="accent1">
+              <a:shade val="50000"/>
+            </a:schemeClr>
+          </a:lnRef>
+          <a:fillRef idx="1">
+            <a:schemeClr val="accent1"/>
+          </a:fillRef>
+          <a:effectRef idx="0">
+            <a:schemeClr val="accent1"/>
+          </a:effectRef>
+          <a:fontRef idx="minor">
+            <a:schemeClr val="lt1"/>
+          </a:fontRef>
+        </p:style>
+        <p:txBody>
+          <a:bodyPr rtlCol="0" anchor="ctr"/>
+          <a:lstStyle/>
+          <a:p>
+            <a:pPr algn="ctr"/>
+            <a:endParaRPr kumimoji="1" lang="ko-KR" altLang="en-US"/>
+          </a:p>
+        </p:txBody>
+      </p:sp>
+      <p:sp>
+        <p:nvSpPr>
+          <p:cNvPr id="72" name="직사각형 71"/>
+          <p:cNvSpPr/>
+          <p:nvPr/>
+        </p:nvSpPr>
+        <p:spPr>
+          <a:xfrm>
+            <a:off x="7522465" y="2702562"/>
+            <a:ext cx="585215" cy="276700"/>
+          </a:xfrm>
+          <a:prstGeom prst="rect">
+            <a:avLst/>
+          </a:prstGeom>
+          <a:solidFill>
+            <a:srgbClr val="FFFF00"/>
+          </a:solidFill>
+        </p:spPr>
+        <p:style>
+          <a:lnRef idx="2">
+            <a:schemeClr val="accent1">
+              <a:shade val="50000"/>
+            </a:schemeClr>
+          </a:lnRef>
+          <a:fillRef idx="1">
+            <a:schemeClr val="accent1"/>
+          </a:fillRef>
+          <a:effectRef idx="0">
+            <a:schemeClr val="accent1"/>
+          </a:effectRef>
+          <a:fontRef idx="minor">
+            <a:schemeClr val="lt1"/>
+          </a:fontRef>
+        </p:style>
+        <p:txBody>
+          <a:bodyPr rtlCol="0" anchor="ctr"/>
+          <a:lstStyle/>
+          <a:p>
+            <a:pPr algn="ctr"/>
+            <a:r>
+              <a:rPr kumimoji="1" lang="en-US" altLang="ko-KR" sz="1200" dirty="0" smtClean="0">
+                <a:solidFill>
+                  <a:schemeClr val="tx1"/>
+                </a:solidFill>
+              </a:rPr>
+              <a:t>loop</a:t>
+            </a:r>
+            <a:endParaRPr kumimoji="1" lang="ko-KR" altLang="en-US" sz="1200" dirty="0">
+              <a:solidFill>
+                <a:schemeClr val="tx1"/>
+              </a:solidFill>
+            </a:endParaRPr>
+          </a:p>
+        </p:txBody>
+      </p:sp>
+      <p:sp>
+        <p:nvSpPr>
+          <p:cNvPr id="73" name="타원 72"/>
+          <p:cNvSpPr/>
+          <p:nvPr/>
+        </p:nvSpPr>
+        <p:spPr>
+          <a:xfrm>
+            <a:off x="7597632" y="3069511"/>
+            <a:ext cx="150385" cy="165463"/>
+          </a:xfrm>
+          <a:prstGeom prst="ellipse">
+            <a:avLst/>
+          </a:prstGeom>
+          <a:solidFill>
+            <a:srgbClr val="FFFF00"/>
+          </a:solidFill>
+          <a:ln>
+            <a:solidFill>
+              <a:schemeClr val="tx1"/>
+            </a:solidFill>
+          </a:ln>
+        </p:spPr>
+        <p:style>
+          <a:lnRef idx="2">
+            <a:schemeClr val="accent1">
+              <a:shade val="50000"/>
+            </a:schemeClr>
+          </a:lnRef>
+          <a:fillRef idx="1">
+            <a:schemeClr val="accent1"/>
+          </a:fillRef>
+          <a:effectRef idx="0">
+            <a:schemeClr val="accent1"/>
+          </a:effectRef>
+          <a:fontRef idx="minor">
+            <a:schemeClr val="lt1"/>
+          </a:fontRef>
+        </p:style>
+        <p:txBody>
+          <a:bodyPr lIns="0" tIns="0" rIns="0" bIns="0" rtlCol="0" anchor="ctr"/>
+          <a:lstStyle/>
+          <a:p>
+            <a:pPr algn="ctr"/>
+            <a:r>
+              <a:rPr kumimoji="1" lang="en-US" altLang="ko-KR" sz="700" b="1" dirty="0">
+                <a:solidFill>
+                  <a:schemeClr val="tx1"/>
+                </a:solidFill>
+              </a:rPr>
+              <a:t>6</a:t>
+            </a:r>
+            <a:endParaRPr kumimoji="1" lang="ko-KR" altLang="en-US" sz="700" b="1" dirty="0">
+              <a:solidFill>
+                <a:schemeClr val="tx1"/>
+              </a:solidFill>
+            </a:endParaRPr>
+          </a:p>
+        </p:txBody>
+      </p:sp>
+      <p:sp>
+        <p:nvSpPr>
+          <p:cNvPr id="74" name="텍스트 상자 73"/>
+          <p:cNvSpPr txBox="1"/>
+          <p:nvPr/>
+        </p:nvSpPr>
+        <p:spPr>
+          <a:xfrm>
+            <a:off x="7518399" y="3216366"/>
+            <a:ext cx="1800356" cy="246221"/>
+          </a:xfrm>
+          <a:prstGeom prst="rect">
+            <a:avLst/>
+          </a:prstGeom>
+          <a:noFill/>
+        </p:spPr>
+        <p:txBody>
+          <a:bodyPr wrap="square" rtlCol="0">
+            <a:spAutoFit/>
+          </a:bodyPr>
+          <a:lstStyle/>
+          <a:p>
+            <a:r>
+              <a:rPr kumimoji="1" lang="en-US" altLang="ko-KR" sz="1000" dirty="0" err="1"/>
+              <a:t>c</a:t>
+            </a:r>
+            <a:r>
+              <a:rPr kumimoji="1" lang="en-US" altLang="ko-KR" sz="1000" dirty="0" err="1" smtClean="0"/>
+              <a:t>hild.despatchTouchEvent</a:t>
+            </a:r>
+            <a:r>
+              <a:rPr kumimoji="1" lang="en-US" altLang="ko-KR" sz="1000" dirty="0" smtClean="0"/>
+              <a:t>()</a:t>
+            </a:r>
+          </a:p>
+        </p:txBody>
+      </p:sp>
+      <p:sp>
+        <p:nvSpPr>
+          <p:cNvPr id="76" name="텍스트 상자 75"/>
+          <p:cNvSpPr txBox="1"/>
+          <p:nvPr/>
+        </p:nvSpPr>
+        <p:spPr>
+          <a:xfrm>
+            <a:off x="7164836" y="4033520"/>
+            <a:ext cx="1800356" cy="246221"/>
+          </a:xfrm>
+          <a:prstGeom prst="rect">
+            <a:avLst/>
+          </a:prstGeom>
+          <a:noFill/>
+        </p:spPr>
+        <p:txBody>
+          <a:bodyPr wrap="square" rtlCol="0">
+            <a:spAutoFit/>
+          </a:bodyPr>
+          <a:lstStyle/>
+          <a:p>
+            <a:r>
+              <a:rPr kumimoji="1" lang="en-US" altLang="ko-KR" sz="1000" dirty="0" err="1"/>
+              <a:t>c</a:t>
+            </a:r>
+            <a:r>
+              <a:rPr kumimoji="1" lang="en-US" altLang="ko-KR" sz="1000" dirty="0" err="1" smtClean="0"/>
+              <a:t>hild.dispatchTouchEvent</a:t>
+            </a:r>
+            <a:r>
+              <a:rPr kumimoji="1" lang="en-US" altLang="ko-KR" sz="1000" dirty="0" smtClean="0"/>
+              <a:t>()</a:t>
+            </a:r>
+          </a:p>
+        </p:txBody>
+      </p:sp>
+      <p:sp>
+        <p:nvSpPr>
+          <p:cNvPr id="77" name="타원 76"/>
+          <p:cNvSpPr/>
+          <p:nvPr/>
+        </p:nvSpPr>
+        <p:spPr>
+          <a:xfrm>
+            <a:off x="7042916" y="4082868"/>
+            <a:ext cx="150385" cy="165463"/>
+          </a:xfrm>
+          <a:prstGeom prst="ellipse">
+            <a:avLst/>
+          </a:prstGeom>
+          <a:solidFill>
+            <a:srgbClr val="FFFF00"/>
+          </a:solidFill>
+          <a:ln>
+            <a:solidFill>
+              <a:schemeClr val="tx1"/>
+            </a:solidFill>
+          </a:ln>
+        </p:spPr>
+        <p:style>
+          <a:lnRef idx="2">
+            <a:schemeClr val="accent1">
+              <a:shade val="50000"/>
+            </a:schemeClr>
+          </a:lnRef>
+          <a:fillRef idx="1">
+            <a:schemeClr val="accent1"/>
+          </a:fillRef>
+          <a:effectRef idx="0">
+            <a:schemeClr val="accent1"/>
+          </a:effectRef>
+          <a:fontRef idx="minor">
+            <a:schemeClr val="lt1"/>
+          </a:fontRef>
+        </p:style>
+        <p:txBody>
+          <a:bodyPr lIns="0" tIns="0" rIns="0" bIns="0" rtlCol="0" anchor="ctr"/>
+          <a:lstStyle/>
+          <a:p>
+            <a:pPr algn="ctr"/>
+            <a:r>
+              <a:rPr kumimoji="1" lang="en-US" altLang="ko-KR" sz="700" b="1" dirty="0">
+                <a:solidFill>
+                  <a:schemeClr val="tx1"/>
+                </a:solidFill>
+              </a:rPr>
+              <a:t>7</a:t>
+            </a:r>
+            <a:endParaRPr kumimoji="1" lang="ko-KR" altLang="en-US" sz="700" b="1" dirty="0">
+              <a:solidFill>
+                <a:schemeClr val="tx1"/>
+              </a:solidFill>
+            </a:endParaRPr>
+          </a:p>
+        </p:txBody>
+      </p:sp>
+      <p:cxnSp>
+        <p:nvCxnSpPr>
+          <p:cNvPr id="78" name="직선 화살표 연결선 77"/>
+          <p:cNvCxnSpPr/>
+          <p:nvPr/>
+        </p:nvCxnSpPr>
+        <p:spPr>
+          <a:xfrm>
+            <a:off x="6656836" y="3974941"/>
+            <a:ext cx="2710683" cy="0"/>
+          </a:xfrm>
+          <a:prstGeom prst="straightConnector1">
+            <a:avLst/>
+          </a:prstGeom>
+          <a:ln w="15875">
+            <a:solidFill>
+              <a:srgbClr val="FF0000"/>
+            </a:solidFill>
+            <a:tailEnd type="triangle" w="lg" len="lg"/>
+          </a:ln>
+        </p:spPr>
+        <p:style>
+          <a:lnRef idx="1">
+            <a:schemeClr val="accent1"/>
+          </a:lnRef>
+          <a:fillRef idx="0">
+            <a:schemeClr val="accent1"/>
+          </a:fillRef>
+          <a:effectRef idx="0">
+            <a:schemeClr val="accent1"/>
+          </a:effectRef>
+          <a:fontRef idx="minor">
+            <a:schemeClr val="tx1"/>
+          </a:fontRef>
+        </p:style>
+      </p:cxnSp>
+      <p:sp>
+        <p:nvSpPr>
+          <p:cNvPr id="79" name="직사각형 78"/>
+          <p:cNvSpPr/>
+          <p:nvPr/>
+        </p:nvSpPr>
+        <p:spPr>
+          <a:xfrm>
+            <a:off x="9030217" y="243840"/>
+            <a:ext cx="924560" cy="325120"/>
+          </a:xfrm>
+          <a:prstGeom prst="rect">
+            <a:avLst/>
+          </a:prstGeom>
+          <a:solidFill>
+            <a:schemeClr val="accent5">
+              <a:lumMod val="20000"/>
+              <a:lumOff val="80000"/>
+            </a:schemeClr>
+          </a:solidFill>
+          <a:ln w="22225">
+            <a:solidFill>
+              <a:schemeClr val="tx1"/>
+            </a:solidFill>
+          </a:ln>
+        </p:spPr>
+        <p:style>
+          <a:lnRef idx="2">
+            <a:schemeClr val="accent1">
+              <a:shade val="50000"/>
+            </a:schemeClr>
+          </a:lnRef>
+          <a:fillRef idx="1">
+            <a:schemeClr val="accent1"/>
+          </a:fillRef>
+          <a:effectRef idx="0">
+            <a:schemeClr val="accent1"/>
+          </a:effectRef>
+          <a:fontRef idx="minor">
+            <a:schemeClr val="lt1"/>
+          </a:fontRef>
+        </p:style>
+        <p:txBody>
+          <a:bodyPr rtlCol="0" anchor="ctr"/>
+          <a:lstStyle/>
+          <a:p>
+            <a:pPr algn="ctr"/>
+            <a:r>
+              <a:rPr kumimoji="1" lang="en-US" altLang="ko-KR" sz="1200" dirty="0" smtClean="0">
+                <a:solidFill>
+                  <a:schemeClr val="tx1"/>
+                </a:solidFill>
+              </a:rPr>
+              <a:t>View</a:t>
+            </a:r>
+            <a:endParaRPr kumimoji="1" lang="ko-KR" altLang="en-US" sz="1200" dirty="0">
+              <a:solidFill>
+                <a:schemeClr val="tx1"/>
+              </a:solidFill>
+            </a:endParaRPr>
+          </a:p>
+        </p:txBody>
+      </p:sp>
+      <p:cxnSp>
+        <p:nvCxnSpPr>
+          <p:cNvPr id="80" name="직선 연결선[R] 79"/>
+          <p:cNvCxnSpPr/>
+          <p:nvPr/>
+        </p:nvCxnSpPr>
+        <p:spPr>
+          <a:xfrm flipH="1">
+            <a:off x="9455185" y="568960"/>
+            <a:ext cx="42393" cy="6146800"/>
+          </a:xfrm>
+          <a:prstGeom prst="line">
+            <a:avLst/>
+          </a:prstGeom>
+          <a:ln>
+            <a:solidFill>
+              <a:schemeClr val="tx1"/>
+            </a:solidFill>
+            <a:prstDash val="dash"/>
+          </a:ln>
+        </p:spPr>
+        <p:style>
+          <a:lnRef idx="1">
+            <a:schemeClr val="accent1"/>
+          </a:lnRef>
+          <a:fillRef idx="0">
+            <a:schemeClr val="accent1"/>
+          </a:fillRef>
+          <a:effectRef idx="0">
+            <a:schemeClr val="accent1"/>
+          </a:effectRef>
+          <a:fontRef idx="minor">
+            <a:schemeClr val="tx1"/>
+          </a:fontRef>
+        </p:style>
+      </p:cxnSp>
+      <p:sp>
+        <p:nvSpPr>
+          <p:cNvPr id="84" name="직사각형 83"/>
+          <p:cNvSpPr/>
+          <p:nvPr/>
+        </p:nvSpPr>
+        <p:spPr>
+          <a:xfrm>
+            <a:off x="9367519" y="3887334"/>
+            <a:ext cx="254001" cy="782320"/>
+          </a:xfrm>
+          <a:prstGeom prst="rect">
+            <a:avLst/>
+          </a:prstGeom>
+          <a:solidFill>
+            <a:schemeClr val="accent5">
+              <a:lumMod val="20000"/>
+              <a:lumOff val="80000"/>
+            </a:schemeClr>
+          </a:solidFill>
+          <a:ln w="22225">
+            <a:solidFill>
+              <a:schemeClr val="tx1"/>
+            </a:solidFill>
+          </a:ln>
+        </p:spPr>
+        <p:style>
+          <a:lnRef idx="2">
+            <a:schemeClr val="accent1">
+              <a:shade val="50000"/>
+            </a:schemeClr>
+          </a:lnRef>
+          <a:fillRef idx="1">
+            <a:schemeClr val="accent1"/>
+          </a:fillRef>
+          <a:effectRef idx="0">
+            <a:schemeClr val="accent1"/>
+          </a:effectRef>
+          <a:fontRef idx="minor">
+            <a:schemeClr val="lt1"/>
+          </a:fontRef>
+        </p:style>
+        <p:txBody>
+          <a:bodyPr rtlCol="0" anchor="ctr"/>
+          <a:lstStyle/>
+          <a:p>
+            <a:pPr algn="ctr"/>
+            <a:endParaRPr kumimoji="1" lang="ko-KR" altLang="en-US" sz="1200" dirty="0">
+              <a:solidFill>
+                <a:schemeClr val="tx1"/>
+              </a:solidFill>
+            </a:endParaRPr>
+          </a:p>
+        </p:txBody>
+      </p:sp>
+      <p:sp>
+        <p:nvSpPr>
+          <p:cNvPr id="85" name="직사각형 84"/>
+          <p:cNvSpPr/>
+          <p:nvPr/>
+        </p:nvSpPr>
+        <p:spPr>
+          <a:xfrm>
+            <a:off x="9549370" y="4150042"/>
+            <a:ext cx="207273" cy="384628"/>
+          </a:xfrm>
+          <a:prstGeom prst="rect">
+            <a:avLst/>
+          </a:prstGeom>
+          <a:solidFill>
+            <a:schemeClr val="accent5">
+              <a:lumMod val="20000"/>
+              <a:lumOff val="80000"/>
+            </a:schemeClr>
+          </a:solidFill>
+          <a:ln w="22225">
+            <a:solidFill>
+              <a:schemeClr val="tx1"/>
+            </a:solidFill>
+          </a:ln>
+        </p:spPr>
+        <p:style>
+          <a:lnRef idx="2">
+            <a:schemeClr val="accent1">
+              <a:shade val="50000"/>
+            </a:schemeClr>
+          </a:lnRef>
+          <a:fillRef idx="1">
+            <a:schemeClr val="accent1"/>
+          </a:fillRef>
+          <a:effectRef idx="0">
+            <a:schemeClr val="accent1"/>
+          </a:effectRef>
+          <a:fontRef idx="minor">
+            <a:schemeClr val="lt1"/>
+          </a:fontRef>
+        </p:style>
+        <p:txBody>
+          <a:bodyPr rtlCol="0" anchor="ctr"/>
+          <a:lstStyle/>
+          <a:p>
+            <a:pPr algn="ctr"/>
+            <a:endParaRPr kumimoji="1" lang="ko-KR" altLang="en-US" sz="1200" dirty="0">
+              <a:solidFill>
+                <a:schemeClr val="tx1"/>
+              </a:solidFill>
+            </a:endParaRPr>
+          </a:p>
+        </p:txBody>
+      </p:sp>
+      <p:sp>
+        <p:nvSpPr>
+          <p:cNvPr id="87" name="U자형 화살표[U] 86"/>
+          <p:cNvSpPr/>
+          <p:nvPr/>
+        </p:nvSpPr>
+        <p:spPr>
+          <a:xfrm rot="5400000">
+            <a:off x="9734469" y="3867797"/>
+            <a:ext cx="444660" cy="650240"/>
+          </a:xfrm>
+          <a:prstGeom prst="uturnArrow">
+            <a:avLst/>
+          </a:prstGeom>
+          <a:solidFill>
+            <a:srgbClr val="FF0000"/>
+          </a:solidFill>
+        </p:spPr>
+        <p:style>
+          <a:lnRef idx="2">
+            <a:schemeClr val="accent1">
+              <a:shade val="50000"/>
+            </a:schemeClr>
+          </a:lnRef>
+          <a:fillRef idx="1">
+            <a:schemeClr val="accent1"/>
+          </a:fillRef>
+          <a:effectRef idx="0">
+            <a:schemeClr val="accent1"/>
+          </a:effectRef>
+          <a:fontRef idx="minor">
+            <a:schemeClr val="lt1"/>
+          </a:fontRef>
+        </p:style>
+        <p:txBody>
+          <a:bodyPr rtlCol="0" anchor="ctr"/>
+          <a:lstStyle/>
+          <a:p>
+            <a:pPr algn="ctr"/>
+            <a:endParaRPr kumimoji="1" lang="ko-KR" altLang="en-US">
+              <a:solidFill>
+                <a:schemeClr val="tx1"/>
+              </a:solidFill>
+            </a:endParaRPr>
+          </a:p>
+        </p:txBody>
+      </p:sp>
+      <p:sp>
+        <p:nvSpPr>
+          <p:cNvPr id="88" name="타원 87"/>
+          <p:cNvSpPr/>
+          <p:nvPr/>
+        </p:nvSpPr>
+        <p:spPr>
+          <a:xfrm>
+            <a:off x="9797592" y="3504418"/>
+            <a:ext cx="150385" cy="165463"/>
+          </a:xfrm>
+          <a:prstGeom prst="ellipse">
+            <a:avLst/>
+          </a:prstGeom>
+          <a:solidFill>
+            <a:srgbClr val="FFFF00"/>
+          </a:solidFill>
+          <a:ln>
+            <a:solidFill>
+              <a:schemeClr val="tx1"/>
+            </a:solidFill>
+          </a:ln>
+        </p:spPr>
+        <p:style>
+          <a:lnRef idx="2">
+            <a:schemeClr val="accent1">
+              <a:shade val="50000"/>
+            </a:schemeClr>
+          </a:lnRef>
+          <a:fillRef idx="1">
+            <a:schemeClr val="accent1"/>
+          </a:fillRef>
+          <a:effectRef idx="0">
+            <a:schemeClr val="accent1"/>
+          </a:effectRef>
+          <a:fontRef idx="minor">
+            <a:schemeClr val="lt1"/>
+          </a:fontRef>
+        </p:style>
+        <p:txBody>
+          <a:bodyPr lIns="0" tIns="0" rIns="0" bIns="0" rtlCol="0" anchor="ctr"/>
+          <a:lstStyle/>
+          <a:p>
+            <a:pPr algn="ctr"/>
+            <a:r>
+              <a:rPr kumimoji="1" lang="en-US" altLang="ko-KR" sz="700" b="1" dirty="0">
+                <a:solidFill>
+                  <a:schemeClr val="tx1"/>
+                </a:solidFill>
+              </a:rPr>
+              <a:t>8</a:t>
+            </a:r>
+            <a:endParaRPr kumimoji="1" lang="ko-KR" altLang="en-US" sz="700" b="1" dirty="0">
+              <a:solidFill>
+                <a:schemeClr val="tx1"/>
+              </a:solidFill>
+            </a:endParaRPr>
+          </a:p>
+        </p:txBody>
+      </p:sp>
+      <p:sp>
+        <p:nvSpPr>
+          <p:cNvPr id="89" name="텍스트 상자 88"/>
+          <p:cNvSpPr txBox="1"/>
+          <p:nvPr/>
+        </p:nvSpPr>
+        <p:spPr>
+          <a:xfrm>
+            <a:off x="9797592" y="3657487"/>
+            <a:ext cx="1427161" cy="246221"/>
+          </a:xfrm>
+          <a:prstGeom prst="rect">
+            <a:avLst/>
+          </a:prstGeom>
+          <a:noFill/>
+        </p:spPr>
+        <p:txBody>
+          <a:bodyPr wrap="square" rtlCol="0">
+            <a:spAutoFit/>
+          </a:bodyPr>
+          <a:lstStyle/>
+          <a:p>
+            <a:r>
+              <a:rPr kumimoji="1" lang="en-US" altLang="ko-KR" sz="1000" dirty="0" err="1" smtClean="0"/>
+              <a:t>dispatchTouchEvent</a:t>
+            </a:r>
+            <a:r>
+              <a:rPr kumimoji="1" lang="en-US" altLang="ko-KR" sz="1000" dirty="0" smtClean="0"/>
+              <a:t>()</a:t>
+            </a:r>
+          </a:p>
+        </p:txBody>
+      </p:sp>
+      <p:sp>
+        <p:nvSpPr>
+          <p:cNvPr id="90" name="직사각형 89"/>
+          <p:cNvSpPr/>
+          <p:nvPr/>
+        </p:nvSpPr>
+        <p:spPr>
+          <a:xfrm>
+            <a:off x="8418577" y="4836129"/>
+            <a:ext cx="2962647" cy="1769210"/>
+          </a:xfrm>
+          <a:prstGeom prst="rect">
+            <a:avLst/>
+          </a:prstGeom>
+          <a:noFill/>
+          <a:ln>
+            <a:solidFill>
+              <a:srgbClr val="FF0000"/>
+            </a:solidFill>
+          </a:ln>
+        </p:spPr>
+        <p:style>
+          <a:lnRef idx="2">
+            <a:schemeClr val="accent1">
+              <a:shade val="50000"/>
+            </a:schemeClr>
+          </a:lnRef>
+          <a:fillRef idx="1">
+            <a:schemeClr val="accent1"/>
+          </a:fillRef>
+          <a:effectRef idx="0">
+            <a:schemeClr val="accent1"/>
+          </a:effectRef>
+          <a:fontRef idx="minor">
+            <a:schemeClr val="lt1"/>
+          </a:fontRef>
+        </p:style>
+        <p:txBody>
+          <a:bodyPr rtlCol="0" anchor="ctr"/>
+          <a:lstStyle/>
+          <a:p>
+            <a:pPr algn="ctr"/>
+            <a:endParaRPr kumimoji="1" lang="ko-KR" altLang="en-US"/>
+          </a:p>
+        </p:txBody>
+      </p:sp>
+      <p:sp>
+        <p:nvSpPr>
+          <p:cNvPr id="91" name="직사각형 90"/>
+          <p:cNvSpPr/>
+          <p:nvPr/>
+        </p:nvSpPr>
+        <p:spPr>
+          <a:xfrm>
+            <a:off x="8420940" y="4836129"/>
+            <a:ext cx="2308020" cy="276700"/>
+          </a:xfrm>
+          <a:prstGeom prst="rect">
+            <a:avLst/>
+          </a:prstGeom>
+          <a:solidFill>
+            <a:srgbClr val="FFFF00"/>
+          </a:solidFill>
+        </p:spPr>
+        <p:style>
+          <a:lnRef idx="2">
+            <a:schemeClr val="accent1">
+              <a:shade val="50000"/>
+            </a:schemeClr>
+          </a:lnRef>
+          <a:fillRef idx="1">
+            <a:schemeClr val="accent1"/>
+          </a:fillRef>
+          <a:effectRef idx="0">
+            <a:schemeClr val="accent1"/>
+          </a:effectRef>
+          <a:fontRef idx="minor">
+            <a:schemeClr val="lt1"/>
+          </a:fontRef>
+        </p:style>
+        <p:txBody>
+          <a:bodyPr rtlCol="0" anchor="ctr"/>
+          <a:lstStyle/>
+          <a:p>
+            <a:pPr algn="ctr"/>
+            <a:r>
+              <a:rPr kumimoji="1" lang="en-US" altLang="ko-KR" sz="1200" b="1" dirty="0" smtClean="0">
+                <a:solidFill>
+                  <a:schemeClr val="tx1"/>
+                </a:solidFill>
+              </a:rPr>
+              <a:t>Alt</a:t>
+            </a:r>
+            <a:r>
+              <a:rPr kumimoji="1" lang="en-US" altLang="ko-KR" sz="1200" dirty="0" smtClean="0">
+                <a:solidFill>
+                  <a:schemeClr val="tx1"/>
+                </a:solidFill>
+              </a:rPr>
+              <a:t> </a:t>
+            </a:r>
+            <a:r>
+              <a:rPr kumimoji="1" lang="en-US" altLang="ko-KR" sz="1200" dirty="0" err="1" smtClean="0">
+                <a:solidFill>
+                  <a:schemeClr val="tx1"/>
+                </a:solidFill>
+              </a:rPr>
+              <a:t>mOnTouchListener</a:t>
+            </a:r>
+            <a:r>
+              <a:rPr kumimoji="1" lang="en-US" altLang="ko-KR" sz="1200" dirty="0" smtClean="0">
+                <a:solidFill>
+                  <a:schemeClr val="tx1"/>
+                </a:solidFill>
+              </a:rPr>
+              <a:t> != null</a:t>
+            </a:r>
+            <a:endParaRPr kumimoji="1" lang="ko-KR" altLang="en-US" sz="1200" dirty="0">
+              <a:solidFill>
+                <a:schemeClr val="tx1"/>
+              </a:solidFill>
+            </a:endParaRPr>
+          </a:p>
+        </p:txBody>
+      </p:sp>
+      <p:sp>
+        <p:nvSpPr>
+          <p:cNvPr id="92" name="직사각형 91"/>
+          <p:cNvSpPr/>
+          <p:nvPr/>
+        </p:nvSpPr>
+        <p:spPr>
+          <a:xfrm>
+            <a:off x="9366490" y="5389562"/>
+            <a:ext cx="207273" cy="384628"/>
+          </a:xfrm>
+          <a:prstGeom prst="rect">
+            <a:avLst/>
+          </a:prstGeom>
+          <a:solidFill>
+            <a:schemeClr val="accent5">
+              <a:lumMod val="20000"/>
+              <a:lumOff val="80000"/>
+            </a:schemeClr>
+          </a:solidFill>
+          <a:ln w="22225">
+            <a:solidFill>
+              <a:schemeClr val="tx1"/>
+            </a:solidFill>
+          </a:ln>
+        </p:spPr>
+        <p:style>
+          <a:lnRef idx="2">
+            <a:schemeClr val="accent1">
+              <a:shade val="50000"/>
+            </a:schemeClr>
+          </a:lnRef>
+          <a:fillRef idx="1">
+            <a:schemeClr val="accent1"/>
+          </a:fillRef>
+          <a:effectRef idx="0">
+            <a:schemeClr val="accent1"/>
+          </a:effectRef>
+          <a:fontRef idx="minor">
+            <a:schemeClr val="lt1"/>
+          </a:fontRef>
+        </p:style>
+        <p:txBody>
+          <a:bodyPr rtlCol="0" anchor="ctr"/>
+          <a:lstStyle/>
+          <a:p>
+            <a:pPr algn="ctr"/>
+            <a:endParaRPr kumimoji="1" lang="ko-KR" altLang="en-US" sz="1200" dirty="0">
+              <a:solidFill>
+                <a:schemeClr val="tx1"/>
+              </a:solidFill>
+            </a:endParaRPr>
+          </a:p>
+        </p:txBody>
+      </p:sp>
+      <p:sp>
+        <p:nvSpPr>
+          <p:cNvPr id="93" name="U자형 화살표[U] 92"/>
+          <p:cNvSpPr/>
+          <p:nvPr/>
+        </p:nvSpPr>
+        <p:spPr>
+          <a:xfrm rot="5400000">
+            <a:off x="9551589" y="5107317"/>
+            <a:ext cx="444660" cy="650240"/>
+          </a:xfrm>
+          <a:prstGeom prst="uturnArrow">
+            <a:avLst/>
+          </a:prstGeom>
+          <a:solidFill>
+            <a:srgbClr val="FF0000"/>
+          </a:solidFill>
+        </p:spPr>
+        <p:style>
+          <a:lnRef idx="2">
+            <a:schemeClr val="accent1">
+              <a:shade val="50000"/>
+            </a:schemeClr>
+          </a:lnRef>
+          <a:fillRef idx="1">
+            <a:schemeClr val="accent1"/>
+          </a:fillRef>
+          <a:effectRef idx="0">
+            <a:schemeClr val="accent1"/>
+          </a:effectRef>
+          <a:fontRef idx="minor">
+            <a:schemeClr val="lt1"/>
+          </a:fontRef>
+        </p:style>
+        <p:txBody>
+          <a:bodyPr rtlCol="0" anchor="ctr"/>
+          <a:lstStyle/>
+          <a:p>
+            <a:pPr algn="ctr"/>
+            <a:endParaRPr kumimoji="1" lang="ko-KR" altLang="en-US">
+              <a:solidFill>
+                <a:schemeClr val="tx1"/>
+              </a:solidFill>
+            </a:endParaRPr>
+          </a:p>
+        </p:txBody>
+      </p:sp>
+      <p:sp>
+        <p:nvSpPr>
+          <p:cNvPr id="94" name="직사각형 93"/>
+          <p:cNvSpPr/>
+          <p:nvPr/>
+        </p:nvSpPr>
+        <p:spPr>
+          <a:xfrm>
+            <a:off x="9376650" y="6161722"/>
+            <a:ext cx="207273" cy="384628"/>
+          </a:xfrm>
+          <a:prstGeom prst="rect">
+            <a:avLst/>
+          </a:prstGeom>
+          <a:solidFill>
+            <a:schemeClr val="accent5">
+              <a:lumMod val="20000"/>
+              <a:lumOff val="80000"/>
+            </a:schemeClr>
+          </a:solidFill>
+          <a:ln w="22225">
+            <a:solidFill>
+              <a:schemeClr val="tx1"/>
+            </a:solidFill>
+          </a:ln>
+        </p:spPr>
+        <p:style>
+          <a:lnRef idx="2">
+            <a:schemeClr val="accent1">
+              <a:shade val="50000"/>
+            </a:schemeClr>
+          </a:lnRef>
+          <a:fillRef idx="1">
+            <a:schemeClr val="accent1"/>
+          </a:fillRef>
+          <a:effectRef idx="0">
+            <a:schemeClr val="accent1"/>
+          </a:effectRef>
+          <a:fontRef idx="minor">
+            <a:schemeClr val="lt1"/>
+          </a:fontRef>
+        </p:style>
+        <p:txBody>
+          <a:bodyPr rtlCol="0" anchor="ctr"/>
+          <a:lstStyle/>
+          <a:p>
+            <a:pPr algn="ctr"/>
+            <a:endParaRPr kumimoji="1" lang="ko-KR" altLang="en-US" sz="1200" dirty="0">
+              <a:solidFill>
+                <a:schemeClr val="tx1"/>
+              </a:solidFill>
+            </a:endParaRPr>
+          </a:p>
+        </p:txBody>
+      </p:sp>
+      <p:sp>
+        <p:nvSpPr>
+          <p:cNvPr id="95" name="U자형 화살표[U] 94"/>
+          <p:cNvSpPr/>
+          <p:nvPr/>
+        </p:nvSpPr>
+        <p:spPr>
+          <a:xfrm rot="5400000">
+            <a:off x="9561749" y="5879477"/>
+            <a:ext cx="444660" cy="650240"/>
+          </a:xfrm>
+          <a:prstGeom prst="uturnArrow">
+            <a:avLst/>
+          </a:prstGeom>
+          <a:solidFill>
+            <a:srgbClr val="FF0000"/>
+          </a:solidFill>
+        </p:spPr>
+        <p:style>
+          <a:lnRef idx="2">
+            <a:schemeClr val="accent1">
+              <a:shade val="50000"/>
+            </a:schemeClr>
+          </a:lnRef>
+          <a:fillRef idx="1">
+            <a:schemeClr val="accent1"/>
+          </a:fillRef>
+          <a:effectRef idx="0">
+            <a:schemeClr val="accent1"/>
+          </a:effectRef>
+          <a:fontRef idx="minor">
+            <a:schemeClr val="lt1"/>
+          </a:fontRef>
+        </p:style>
+        <p:txBody>
+          <a:bodyPr rtlCol="0" anchor="ctr"/>
+          <a:lstStyle/>
+          <a:p>
+            <a:pPr algn="ctr"/>
+            <a:endParaRPr kumimoji="1" lang="ko-KR" altLang="en-US">
+              <a:solidFill>
+                <a:schemeClr val="tx1"/>
+              </a:solidFill>
+            </a:endParaRPr>
+          </a:p>
+        </p:txBody>
+      </p:sp>
+      <p:sp>
+        <p:nvSpPr>
+          <p:cNvPr id="97" name="타원 96"/>
+          <p:cNvSpPr/>
+          <p:nvPr/>
+        </p:nvSpPr>
+        <p:spPr>
+          <a:xfrm>
+            <a:off x="10163352" y="5201138"/>
+            <a:ext cx="150385" cy="165463"/>
+          </a:xfrm>
+          <a:prstGeom prst="ellipse">
+            <a:avLst/>
+          </a:prstGeom>
+          <a:solidFill>
+            <a:srgbClr val="FFFF00"/>
+          </a:solidFill>
+          <a:ln>
+            <a:solidFill>
+              <a:schemeClr val="tx1"/>
+            </a:solidFill>
+          </a:ln>
+        </p:spPr>
+        <p:style>
+          <a:lnRef idx="2">
+            <a:schemeClr val="accent1">
+              <a:shade val="50000"/>
+            </a:schemeClr>
+          </a:lnRef>
+          <a:fillRef idx="1">
+            <a:schemeClr val="accent1"/>
+          </a:fillRef>
+          <a:effectRef idx="0">
+            <a:schemeClr val="accent1"/>
+          </a:effectRef>
+          <a:fontRef idx="minor">
+            <a:schemeClr val="lt1"/>
+          </a:fontRef>
+        </p:style>
+        <p:txBody>
+          <a:bodyPr lIns="0" tIns="0" rIns="0" bIns="0" rtlCol="0" anchor="ctr"/>
+          <a:lstStyle/>
+          <a:p>
+            <a:pPr algn="ctr"/>
+            <a:r>
+              <a:rPr kumimoji="1" lang="en-US" altLang="ko-KR" sz="700" b="1" dirty="0">
+                <a:solidFill>
+                  <a:schemeClr val="tx1"/>
+                </a:solidFill>
+              </a:rPr>
+              <a:t>9</a:t>
+            </a:r>
+            <a:endParaRPr kumimoji="1" lang="ko-KR" altLang="en-US" sz="700" b="1" dirty="0">
+              <a:solidFill>
+                <a:schemeClr val="tx1"/>
+              </a:solidFill>
+            </a:endParaRPr>
+          </a:p>
+        </p:txBody>
+      </p:sp>
+      <p:sp>
+        <p:nvSpPr>
+          <p:cNvPr id="98" name="텍스트 상자 97"/>
+          <p:cNvSpPr txBox="1"/>
+          <p:nvPr/>
+        </p:nvSpPr>
+        <p:spPr>
+          <a:xfrm>
+            <a:off x="10163352" y="5354207"/>
+            <a:ext cx="816159" cy="246221"/>
+          </a:xfrm>
+          <a:prstGeom prst="rect">
+            <a:avLst/>
+          </a:prstGeom>
+          <a:noFill/>
+        </p:spPr>
+        <p:txBody>
+          <a:bodyPr wrap="square" rtlCol="0">
+            <a:spAutoFit/>
+          </a:bodyPr>
+          <a:lstStyle/>
+          <a:p>
+            <a:r>
+              <a:rPr kumimoji="1" lang="en-US" altLang="ko-KR" sz="1000" dirty="0" err="1" smtClean="0"/>
+              <a:t>onTouch</a:t>
+            </a:r>
+            <a:r>
+              <a:rPr kumimoji="1" lang="en-US" altLang="ko-KR" sz="1000" dirty="0" smtClean="0"/>
+              <a:t>()</a:t>
+            </a:r>
+          </a:p>
+        </p:txBody>
+      </p:sp>
+      <p:sp>
+        <p:nvSpPr>
+          <p:cNvPr id="99" name="타원 98"/>
+          <p:cNvSpPr/>
+          <p:nvPr/>
+        </p:nvSpPr>
+        <p:spPr>
+          <a:xfrm>
+            <a:off x="10183672" y="5952978"/>
+            <a:ext cx="150385" cy="165463"/>
+          </a:xfrm>
+          <a:prstGeom prst="ellipse">
+            <a:avLst/>
+          </a:prstGeom>
+          <a:solidFill>
+            <a:srgbClr val="FFFF00"/>
+          </a:solidFill>
+          <a:ln>
+            <a:solidFill>
+              <a:schemeClr val="tx1"/>
+            </a:solidFill>
+          </a:ln>
+        </p:spPr>
+        <p:style>
+          <a:lnRef idx="2">
+            <a:schemeClr val="accent1">
+              <a:shade val="50000"/>
+            </a:schemeClr>
+          </a:lnRef>
+          <a:fillRef idx="1">
+            <a:schemeClr val="accent1"/>
+          </a:fillRef>
+          <a:effectRef idx="0">
+            <a:schemeClr val="accent1"/>
+          </a:effectRef>
+          <a:fontRef idx="minor">
+            <a:schemeClr val="lt1"/>
+          </a:fontRef>
+        </p:style>
+        <p:txBody>
+          <a:bodyPr lIns="0" tIns="0" rIns="0" bIns="0" rtlCol="0" anchor="ctr"/>
+          <a:lstStyle/>
+          <a:p>
+            <a:pPr algn="ctr"/>
+            <a:r>
+              <a:rPr kumimoji="1" lang="en-US" altLang="ko-KR" sz="700" b="1" dirty="0">
+                <a:solidFill>
+                  <a:schemeClr val="tx1"/>
+                </a:solidFill>
+              </a:rPr>
+              <a:t>9</a:t>
+            </a:r>
+            <a:endParaRPr kumimoji="1" lang="ko-KR" altLang="en-US" sz="700" b="1" dirty="0">
+              <a:solidFill>
+                <a:schemeClr val="tx1"/>
+              </a:solidFill>
+            </a:endParaRPr>
+          </a:p>
+        </p:txBody>
+      </p:sp>
+      <p:sp>
+        <p:nvSpPr>
+          <p:cNvPr id="100" name="텍스트 상자 99"/>
+          <p:cNvSpPr txBox="1"/>
+          <p:nvPr/>
+        </p:nvSpPr>
+        <p:spPr>
+          <a:xfrm>
+            <a:off x="10183672" y="6106047"/>
+            <a:ext cx="1173474" cy="246221"/>
+          </a:xfrm>
+          <a:prstGeom prst="rect">
+            <a:avLst/>
+          </a:prstGeom>
+          <a:noFill/>
+        </p:spPr>
+        <p:txBody>
+          <a:bodyPr wrap="square" rtlCol="0">
+            <a:spAutoFit/>
+          </a:bodyPr>
+          <a:lstStyle/>
+          <a:p>
+            <a:r>
+              <a:rPr kumimoji="1" lang="en-US" altLang="ko-KR" sz="1000" dirty="0" err="1" smtClean="0"/>
+              <a:t>onTouchEvent</a:t>
+            </a:r>
+            <a:r>
+              <a:rPr kumimoji="1" lang="en-US" altLang="ko-KR" sz="1000" dirty="0" smtClean="0"/>
+              <a:t>()</a:t>
+            </a:r>
+          </a:p>
+        </p:txBody>
+      </p:sp>
+    </p:spTree>
+    <p:extLst>
+      <p:ext uri="{BB962C8B-B14F-4D97-AF65-F5344CB8AC3E}">
+        <p14:creationId xmlns:p14="http://schemas.microsoft.com/office/powerpoint/2010/main" val="1763201304"/>
+      </p:ext>
+    </p:extLst>
+  </p:cSld>
+  <p:clrMapOvr>
+    <a:masterClrMapping/>
+  </p:clrMapOvr>
+</p:sld>
+</file>
+
+<file path=ppt/slides/slide6.xml><?xml version="1.0" encoding="utf-8"?>
+<p:sld xmlns:a="http://schemas.openxmlformats.org/drawingml/2006/main" xmlns:r="http://schemas.openxmlformats.org/officeDocument/2006/relationships" xmlns:p="http://schemas.openxmlformats.org/presentationml/2006/main">
+  <p:cSld>
+    <p:spTree>
+      <p:nvGrpSpPr>
+        <p:cNvPr id="1" name=""/>
+        <p:cNvGrpSpPr/>
+        <p:nvPr/>
+      </p:nvGrpSpPr>
+      <p:grpSpPr>
+        <a:xfrm>
+          <a:off x="0" y="0"/>
+          <a:ext cx="0" cy="0"/>
+          <a:chOff x="0" y="0"/>
+          <a:chExt cx="0" cy="0"/>
+        </a:xfrm>
+      </p:grpSpPr>
+      <p:sp>
+        <p:nvSpPr>
+          <p:cNvPr id="4" name="직사각형 3"/>
+          <p:cNvSpPr/>
+          <p:nvPr/>
+        </p:nvSpPr>
+        <p:spPr>
+          <a:xfrm>
+            <a:off x="233680" y="2418080"/>
+            <a:ext cx="1859280" cy="2082800"/>
+          </a:xfrm>
+          <a:prstGeom prst="rect">
+            <a:avLst/>
+          </a:prstGeom>
+          <a:solidFill>
+            <a:schemeClr val="bg1"/>
+          </a:solidFill>
+          <a:ln w="19050">
+            <a:solidFill>
+              <a:schemeClr val="tx1"/>
+            </a:solidFill>
+          </a:ln>
+        </p:spPr>
+        <p:style>
+          <a:lnRef idx="2">
+            <a:schemeClr val="accent1">
+              <a:shade val="50000"/>
+            </a:schemeClr>
+          </a:lnRef>
+          <a:fillRef idx="1">
+            <a:schemeClr val="accent1"/>
+          </a:fillRef>
+          <a:effectRef idx="0">
+            <a:schemeClr val="accent1"/>
+          </a:effectRef>
+          <a:fontRef idx="minor">
+            <a:schemeClr val="lt1"/>
+          </a:fontRef>
+        </p:style>
+        <p:txBody>
+          <a:bodyPr rtlCol="0" anchor="t"/>
+          <a:lstStyle/>
+          <a:p>
+            <a:pPr algn="ctr"/>
+            <a:r>
+              <a:rPr kumimoji="1" lang="en-US" altLang="ko-KR" dirty="0" err="1" smtClean="0">
+                <a:solidFill>
+                  <a:schemeClr val="tx1"/>
+                </a:solidFill>
+              </a:rPr>
+              <a:t>ViewGroup</a:t>
+            </a:r>
+            <a:r>
+              <a:rPr kumimoji="1" lang="en-US" altLang="ko-KR" dirty="0" smtClean="0">
+                <a:solidFill>
+                  <a:schemeClr val="tx1"/>
+                </a:solidFill>
+              </a:rPr>
+              <a:t> A</a:t>
+            </a:r>
+            <a:endParaRPr kumimoji="1" lang="ko-KR" altLang="en-US" dirty="0">
+              <a:solidFill>
+                <a:schemeClr val="tx1"/>
+              </a:solidFill>
+            </a:endParaRPr>
+          </a:p>
+        </p:txBody>
+      </p:sp>
+      <p:sp>
+        <p:nvSpPr>
+          <p:cNvPr id="5" name="직사각형 4"/>
+          <p:cNvSpPr/>
+          <p:nvPr/>
+        </p:nvSpPr>
+        <p:spPr>
+          <a:xfrm>
+            <a:off x="386080" y="2824480"/>
+            <a:ext cx="1524000" cy="1453213"/>
+          </a:xfrm>
+          <a:prstGeom prst="rect">
+            <a:avLst/>
+          </a:prstGeom>
+          <a:solidFill>
+            <a:schemeClr val="bg1"/>
+          </a:solidFill>
+          <a:ln w="19050">
+            <a:solidFill>
+              <a:srgbClr val="0070C0"/>
+            </a:solidFill>
+          </a:ln>
+        </p:spPr>
+        <p:style>
+          <a:lnRef idx="2">
+            <a:schemeClr val="accent1">
+              <a:shade val="50000"/>
+            </a:schemeClr>
+          </a:lnRef>
+          <a:fillRef idx="1">
+            <a:schemeClr val="accent1"/>
+          </a:fillRef>
+          <a:effectRef idx="0">
+            <a:schemeClr val="accent1"/>
+          </a:effectRef>
+          <a:fontRef idx="minor">
+            <a:schemeClr val="lt1"/>
+          </a:fontRef>
+        </p:style>
+        <p:txBody>
+          <a:bodyPr rtlCol="0" anchor="t"/>
+          <a:lstStyle/>
+          <a:p>
+            <a:pPr algn="ctr"/>
+            <a:r>
+              <a:rPr kumimoji="1" lang="en-US" altLang="ko-KR" sz="1500" dirty="0" err="1" smtClean="0">
+                <a:solidFill>
+                  <a:srgbClr val="0070C0"/>
+                </a:solidFill>
+              </a:rPr>
+              <a:t>ViewGroup</a:t>
+            </a:r>
+            <a:r>
+              <a:rPr kumimoji="1" lang="en-US" altLang="ko-KR" sz="1500" dirty="0" smtClean="0">
+                <a:solidFill>
+                  <a:srgbClr val="0070C0"/>
+                </a:solidFill>
+              </a:rPr>
+              <a:t> B</a:t>
+            </a:r>
+            <a:endParaRPr kumimoji="1" lang="ko-KR" altLang="en-US" sz="1500" dirty="0">
+              <a:solidFill>
+                <a:srgbClr val="0070C0"/>
+              </a:solidFill>
+            </a:endParaRPr>
+          </a:p>
+        </p:txBody>
+      </p:sp>
+      <p:sp>
+        <p:nvSpPr>
+          <p:cNvPr id="6" name="직사각형 5"/>
+          <p:cNvSpPr/>
+          <p:nvPr/>
+        </p:nvSpPr>
+        <p:spPr>
+          <a:xfrm>
+            <a:off x="564782" y="3190241"/>
+            <a:ext cx="1131938" cy="1005840"/>
+          </a:xfrm>
+          <a:prstGeom prst="rect">
+            <a:avLst/>
+          </a:prstGeom>
+          <a:solidFill>
+            <a:schemeClr val="bg1"/>
+          </a:solidFill>
+          <a:ln w="19050">
+            <a:solidFill>
+              <a:srgbClr val="FF0000"/>
+            </a:solidFill>
+          </a:ln>
+        </p:spPr>
+        <p:style>
+          <a:lnRef idx="2">
+            <a:schemeClr val="accent1">
+              <a:shade val="50000"/>
+            </a:schemeClr>
+          </a:lnRef>
+          <a:fillRef idx="1">
+            <a:schemeClr val="accent1"/>
+          </a:fillRef>
+          <a:effectRef idx="0">
+            <a:schemeClr val="accent1"/>
+          </a:effectRef>
+          <a:fontRef idx="minor">
+            <a:schemeClr val="lt1"/>
+          </a:fontRef>
+        </p:style>
+        <p:txBody>
+          <a:bodyPr rtlCol="0" anchor="t"/>
+          <a:lstStyle/>
+          <a:p>
+            <a:pPr algn="ctr"/>
+            <a:r>
+              <a:rPr kumimoji="1" lang="en-US" altLang="ko-KR" sz="1200" smtClean="0">
+                <a:solidFill>
+                  <a:srgbClr val="FF0000"/>
+                </a:solidFill>
+              </a:rPr>
+              <a:t>View C</a:t>
+            </a:r>
+            <a:endParaRPr kumimoji="1" lang="ko-KR" altLang="en-US" sz="1200" dirty="0">
+              <a:solidFill>
+                <a:srgbClr val="FF0000"/>
+              </a:solidFill>
+            </a:endParaRPr>
+          </a:p>
+        </p:txBody>
+      </p:sp>
+      <p:sp>
+        <p:nvSpPr>
+          <p:cNvPr id="7" name="직사각형 6"/>
+          <p:cNvSpPr/>
+          <p:nvPr/>
+        </p:nvSpPr>
+        <p:spPr>
+          <a:xfrm>
+            <a:off x="2600960" y="2824480"/>
+            <a:ext cx="3159760" cy="3362960"/>
+          </a:xfrm>
+          <a:prstGeom prst="rect">
+            <a:avLst/>
+          </a:prstGeom>
+          <a:noFill/>
+          <a:ln w="19050">
+            <a:solidFill>
+              <a:schemeClr val="tx1"/>
+            </a:solidFill>
+          </a:ln>
+        </p:spPr>
+        <p:style>
+          <a:lnRef idx="2">
+            <a:schemeClr val="accent1">
+              <a:shade val="50000"/>
+            </a:schemeClr>
+          </a:lnRef>
+          <a:fillRef idx="1">
+            <a:schemeClr val="accent1"/>
+          </a:fillRef>
+          <a:effectRef idx="0">
+            <a:schemeClr val="accent1"/>
+          </a:effectRef>
+          <a:fontRef idx="minor">
+            <a:schemeClr val="lt1"/>
+          </a:fontRef>
+        </p:style>
+        <p:txBody>
+          <a:bodyPr rtlCol="0" anchor="t"/>
+          <a:lstStyle/>
+          <a:p>
+            <a:pPr algn="ctr"/>
+            <a:r>
+              <a:rPr kumimoji="1" lang="en-US" altLang="ko-KR" dirty="0" err="1" smtClean="0">
+                <a:solidFill>
+                  <a:schemeClr val="tx1"/>
+                </a:solidFill>
+              </a:rPr>
+              <a:t>ViewGroup</a:t>
+            </a:r>
+            <a:r>
+              <a:rPr kumimoji="1" lang="en-US" altLang="ko-KR" dirty="0" smtClean="0">
+                <a:solidFill>
+                  <a:schemeClr val="tx1"/>
+                </a:solidFill>
+              </a:rPr>
+              <a:t> A</a:t>
+            </a:r>
+            <a:endParaRPr kumimoji="1" lang="ko-KR" altLang="en-US" dirty="0">
+              <a:solidFill>
+                <a:schemeClr val="tx1"/>
+              </a:solidFill>
+            </a:endParaRPr>
+          </a:p>
+        </p:txBody>
+      </p:sp>
+      <p:sp>
+        <p:nvSpPr>
+          <p:cNvPr id="8" name="직사각형 7"/>
+          <p:cNvSpPr/>
+          <p:nvPr/>
+        </p:nvSpPr>
+        <p:spPr>
+          <a:xfrm>
+            <a:off x="6268720" y="2824480"/>
+            <a:ext cx="2834640" cy="3362960"/>
+          </a:xfrm>
+          <a:prstGeom prst="rect">
+            <a:avLst/>
+          </a:prstGeom>
+          <a:solidFill>
+            <a:schemeClr val="bg1"/>
+          </a:solidFill>
+          <a:ln w="19050">
+            <a:solidFill>
+              <a:srgbClr val="0070C0"/>
+            </a:solidFill>
+          </a:ln>
+        </p:spPr>
+        <p:style>
+          <a:lnRef idx="2">
+            <a:schemeClr val="accent1">
+              <a:shade val="50000"/>
+            </a:schemeClr>
+          </a:lnRef>
+          <a:fillRef idx="1">
+            <a:schemeClr val="accent1"/>
+          </a:fillRef>
+          <a:effectRef idx="0">
+            <a:schemeClr val="accent1"/>
+          </a:effectRef>
+          <a:fontRef idx="minor">
+            <a:schemeClr val="lt1"/>
+          </a:fontRef>
+        </p:style>
+        <p:txBody>
+          <a:bodyPr rtlCol="0" anchor="t"/>
+          <a:lstStyle/>
+          <a:p>
+            <a:pPr algn="ctr"/>
+            <a:r>
+              <a:rPr kumimoji="1" lang="en-US" altLang="ko-KR" dirty="0" err="1" smtClean="0">
+                <a:solidFill>
+                  <a:srgbClr val="0070C0"/>
+                </a:solidFill>
+              </a:rPr>
+              <a:t>ViewGroup</a:t>
+            </a:r>
+            <a:r>
+              <a:rPr kumimoji="1" lang="en-US" altLang="ko-KR" dirty="0" smtClean="0">
+                <a:solidFill>
+                  <a:srgbClr val="0070C0"/>
+                </a:solidFill>
+              </a:rPr>
+              <a:t> B</a:t>
+            </a:r>
+            <a:endParaRPr kumimoji="1" lang="ko-KR" altLang="en-US" dirty="0">
+              <a:solidFill>
+                <a:srgbClr val="0070C0"/>
+              </a:solidFill>
+            </a:endParaRPr>
+          </a:p>
+        </p:txBody>
+      </p:sp>
+      <p:sp>
+        <p:nvSpPr>
+          <p:cNvPr id="9" name="직사각형 8"/>
+          <p:cNvSpPr/>
+          <p:nvPr/>
+        </p:nvSpPr>
+        <p:spPr>
+          <a:xfrm>
+            <a:off x="9611360" y="2824480"/>
+            <a:ext cx="2286000" cy="3362960"/>
+          </a:xfrm>
+          <a:prstGeom prst="rect">
+            <a:avLst/>
+          </a:prstGeom>
+          <a:solidFill>
+            <a:schemeClr val="bg1"/>
+          </a:solidFill>
+          <a:ln w="19050">
+            <a:solidFill>
+              <a:srgbClr val="FF0000"/>
+            </a:solidFill>
+          </a:ln>
+        </p:spPr>
+        <p:style>
+          <a:lnRef idx="2">
+            <a:schemeClr val="accent1">
+              <a:shade val="50000"/>
+            </a:schemeClr>
+          </a:lnRef>
+          <a:fillRef idx="1">
+            <a:schemeClr val="accent1"/>
+          </a:fillRef>
+          <a:effectRef idx="0">
+            <a:schemeClr val="accent1"/>
+          </a:effectRef>
+          <a:fontRef idx="minor">
+            <a:schemeClr val="lt1"/>
+          </a:fontRef>
+        </p:style>
+        <p:txBody>
+          <a:bodyPr rtlCol="0" anchor="t"/>
+          <a:lstStyle/>
+          <a:p>
+            <a:pPr algn="ctr"/>
+            <a:r>
+              <a:rPr kumimoji="1" lang="en-US" altLang="ko-KR" dirty="0" smtClean="0">
+                <a:solidFill>
+                  <a:srgbClr val="FF0000"/>
+                </a:solidFill>
+              </a:rPr>
+              <a:t>View C</a:t>
+            </a:r>
+            <a:endParaRPr kumimoji="1" lang="ko-KR" altLang="en-US" dirty="0">
+              <a:solidFill>
+                <a:srgbClr val="FF0000"/>
+              </a:solidFill>
+            </a:endParaRPr>
+          </a:p>
+        </p:txBody>
+      </p:sp>
+      <p:sp>
+        <p:nvSpPr>
+          <p:cNvPr id="11" name="텍스트 상자 10"/>
+          <p:cNvSpPr txBox="1"/>
+          <p:nvPr/>
+        </p:nvSpPr>
+        <p:spPr>
+          <a:xfrm>
+            <a:off x="206191" y="5354320"/>
+            <a:ext cx="1869440" cy="369332"/>
+          </a:xfrm>
+          <a:prstGeom prst="rect">
+            <a:avLst/>
+          </a:prstGeom>
+          <a:noFill/>
+        </p:spPr>
+        <p:txBody>
+          <a:bodyPr wrap="square" rtlCol="0" anchor="ctr">
+            <a:spAutoFit/>
+          </a:bodyPr>
+          <a:lstStyle/>
+          <a:p>
+            <a:pPr algn="ctr"/>
+            <a:r>
+              <a:rPr kumimoji="1" lang="en-US" altLang="ko-KR" dirty="0" smtClean="0">
+                <a:solidFill>
+                  <a:schemeClr val="accent6">
+                    <a:lumMod val="50000"/>
+                  </a:schemeClr>
+                </a:solidFill>
+              </a:rPr>
+              <a:t>Activity</a:t>
+            </a:r>
+            <a:endParaRPr kumimoji="1" lang="ko-KR" altLang="en-US" dirty="0">
+              <a:solidFill>
+                <a:schemeClr val="accent6">
+                  <a:lumMod val="50000"/>
+                </a:schemeClr>
+              </a:solidFill>
+            </a:endParaRPr>
+          </a:p>
+        </p:txBody>
+      </p:sp>
+      <p:sp>
+        <p:nvSpPr>
+          <p:cNvPr id="12" name="직사각형 11"/>
+          <p:cNvSpPr/>
+          <p:nvPr/>
+        </p:nvSpPr>
+        <p:spPr>
+          <a:xfrm>
+            <a:off x="2910840" y="3551086"/>
+            <a:ext cx="2540000" cy="533234"/>
+          </a:xfrm>
+          <a:prstGeom prst="rect">
+            <a:avLst/>
+          </a:prstGeom>
+          <a:noFill/>
+          <a:ln w="28575">
+            <a:solidFill>
+              <a:schemeClr val="accent2">
+                <a:lumMod val="50000"/>
+              </a:schemeClr>
+            </a:solidFill>
+          </a:ln>
+        </p:spPr>
+        <p:style>
+          <a:lnRef idx="2">
+            <a:schemeClr val="accent1">
+              <a:shade val="50000"/>
+            </a:schemeClr>
+          </a:lnRef>
+          <a:fillRef idx="1">
+            <a:schemeClr val="accent1"/>
+          </a:fillRef>
+          <a:effectRef idx="0">
+            <a:schemeClr val="accent1"/>
+          </a:effectRef>
+          <a:fontRef idx="minor">
+            <a:schemeClr val="lt1"/>
+          </a:fontRef>
+        </p:style>
+        <p:txBody>
+          <a:bodyPr rtlCol="0" anchor="ctr"/>
+          <a:lstStyle/>
+          <a:p>
+            <a:pPr algn="ctr"/>
+            <a:r>
+              <a:rPr kumimoji="1" lang="en-US" altLang="ko-KR" sz="1600" dirty="0" err="1" smtClean="0">
+                <a:solidFill>
+                  <a:schemeClr val="accent2">
+                    <a:lumMod val="50000"/>
+                  </a:schemeClr>
+                </a:solidFill>
+              </a:rPr>
+              <a:t>onInterceptTouchEvent</a:t>
+            </a:r>
+            <a:r>
+              <a:rPr kumimoji="1" lang="en-US" altLang="ko-KR" sz="1600" dirty="0" smtClean="0">
+                <a:solidFill>
+                  <a:schemeClr val="accent2">
+                    <a:lumMod val="50000"/>
+                  </a:schemeClr>
+                </a:solidFill>
+              </a:rPr>
+              <a:t>()</a:t>
+            </a:r>
+            <a:endParaRPr kumimoji="1" lang="ko-KR" altLang="en-US" sz="1600" dirty="0">
+              <a:solidFill>
+                <a:schemeClr val="accent2">
+                  <a:lumMod val="50000"/>
+                </a:schemeClr>
+              </a:solidFill>
+            </a:endParaRPr>
+          </a:p>
+        </p:txBody>
+      </p:sp>
+      <p:sp>
+        <p:nvSpPr>
+          <p:cNvPr id="13" name="직사각형 12"/>
+          <p:cNvSpPr/>
+          <p:nvPr/>
+        </p:nvSpPr>
+        <p:spPr>
+          <a:xfrm>
+            <a:off x="6471920" y="3551086"/>
+            <a:ext cx="2402840" cy="533234"/>
+          </a:xfrm>
+          <a:prstGeom prst="rect">
+            <a:avLst/>
+          </a:prstGeom>
+          <a:noFill/>
+          <a:ln w="28575">
+            <a:solidFill>
+              <a:schemeClr val="accent2">
+                <a:lumMod val="50000"/>
+              </a:schemeClr>
+            </a:solidFill>
+          </a:ln>
+        </p:spPr>
+        <p:style>
+          <a:lnRef idx="2">
+            <a:schemeClr val="accent1">
+              <a:shade val="50000"/>
+            </a:schemeClr>
+          </a:lnRef>
+          <a:fillRef idx="1">
+            <a:schemeClr val="accent1"/>
+          </a:fillRef>
+          <a:effectRef idx="0">
+            <a:schemeClr val="accent1"/>
+          </a:effectRef>
+          <a:fontRef idx="minor">
+            <a:schemeClr val="lt1"/>
+          </a:fontRef>
+        </p:style>
+        <p:txBody>
+          <a:bodyPr rtlCol="0" anchor="ctr"/>
+          <a:lstStyle/>
+          <a:p>
+            <a:pPr algn="ctr"/>
+            <a:r>
+              <a:rPr kumimoji="1" lang="en-US" altLang="ko-KR" sz="1600" dirty="0" err="1" smtClean="0">
+                <a:solidFill>
+                  <a:schemeClr val="accent2">
+                    <a:lumMod val="50000"/>
+                  </a:schemeClr>
+                </a:solidFill>
+              </a:rPr>
+              <a:t>onInterceptTouchEvent</a:t>
+            </a:r>
+            <a:r>
+              <a:rPr kumimoji="1" lang="en-US" altLang="ko-KR" sz="1600" dirty="0" smtClean="0">
+                <a:solidFill>
+                  <a:schemeClr val="accent2">
+                    <a:lumMod val="50000"/>
+                  </a:schemeClr>
+                </a:solidFill>
+              </a:rPr>
+              <a:t>()</a:t>
+            </a:r>
+            <a:endParaRPr kumimoji="1" lang="ko-KR" altLang="en-US" sz="1600" dirty="0">
+              <a:solidFill>
+                <a:schemeClr val="accent2">
+                  <a:lumMod val="50000"/>
+                </a:schemeClr>
+              </a:solidFill>
+            </a:endParaRPr>
+          </a:p>
+        </p:txBody>
+      </p:sp>
+      <p:sp>
+        <p:nvSpPr>
+          <p:cNvPr id="14" name="직사각형 13"/>
+          <p:cNvSpPr/>
+          <p:nvPr/>
+        </p:nvSpPr>
+        <p:spPr>
+          <a:xfrm>
+            <a:off x="2910840" y="4810926"/>
+            <a:ext cx="2202180" cy="530106"/>
+          </a:xfrm>
+          <a:prstGeom prst="rect">
+            <a:avLst/>
+          </a:prstGeom>
+          <a:noFill/>
+          <a:ln w="28575">
+            <a:solidFill>
+              <a:schemeClr val="accent2">
+                <a:lumMod val="60000"/>
+                <a:lumOff val="40000"/>
+              </a:schemeClr>
+            </a:solidFill>
+          </a:ln>
+        </p:spPr>
+        <p:style>
+          <a:lnRef idx="2">
+            <a:schemeClr val="accent1">
+              <a:shade val="50000"/>
+            </a:schemeClr>
+          </a:lnRef>
+          <a:fillRef idx="1">
+            <a:schemeClr val="accent1"/>
+          </a:fillRef>
+          <a:effectRef idx="0">
+            <a:schemeClr val="accent1"/>
+          </a:effectRef>
+          <a:fontRef idx="minor">
+            <a:schemeClr val="lt1"/>
+          </a:fontRef>
+        </p:style>
+        <p:txBody>
+          <a:bodyPr rtlCol="0" anchor="ctr"/>
+          <a:lstStyle/>
+          <a:p>
+            <a:pPr algn="ctr"/>
+            <a:r>
+              <a:rPr kumimoji="1" lang="en-US" altLang="ko-KR" sz="1600" dirty="0" err="1" smtClean="0">
+                <a:solidFill>
+                  <a:schemeClr val="accent2">
+                    <a:lumMod val="60000"/>
+                    <a:lumOff val="40000"/>
+                  </a:schemeClr>
+                </a:solidFill>
+              </a:rPr>
+              <a:t>onTouchEvent</a:t>
+            </a:r>
+            <a:r>
+              <a:rPr kumimoji="1" lang="en-US" altLang="ko-KR" sz="1600" dirty="0" smtClean="0">
+                <a:solidFill>
+                  <a:schemeClr val="accent2">
+                    <a:lumMod val="60000"/>
+                    <a:lumOff val="40000"/>
+                  </a:schemeClr>
+                </a:solidFill>
+              </a:rPr>
+              <a:t>()</a:t>
+            </a:r>
+            <a:endParaRPr kumimoji="1" lang="ko-KR" altLang="en-US" sz="1600" dirty="0">
+              <a:solidFill>
+                <a:schemeClr val="accent2">
+                  <a:lumMod val="60000"/>
+                  <a:lumOff val="40000"/>
+                </a:schemeClr>
+              </a:solidFill>
+            </a:endParaRPr>
+          </a:p>
+        </p:txBody>
+      </p:sp>
+      <p:sp>
+        <p:nvSpPr>
+          <p:cNvPr id="15" name="직사각형 14"/>
+          <p:cNvSpPr/>
+          <p:nvPr/>
+        </p:nvSpPr>
+        <p:spPr>
+          <a:xfrm>
+            <a:off x="6471920" y="4810926"/>
+            <a:ext cx="2202180" cy="530106"/>
+          </a:xfrm>
+          <a:prstGeom prst="rect">
+            <a:avLst/>
+          </a:prstGeom>
+          <a:noFill/>
+          <a:ln w="28575">
+            <a:solidFill>
+              <a:schemeClr val="accent2">
+                <a:lumMod val="60000"/>
+                <a:lumOff val="40000"/>
+              </a:schemeClr>
+            </a:solidFill>
+          </a:ln>
+        </p:spPr>
+        <p:style>
+          <a:lnRef idx="2">
+            <a:schemeClr val="accent1">
+              <a:shade val="50000"/>
+            </a:schemeClr>
+          </a:lnRef>
+          <a:fillRef idx="1">
+            <a:schemeClr val="accent1"/>
+          </a:fillRef>
+          <a:effectRef idx="0">
+            <a:schemeClr val="accent1"/>
+          </a:effectRef>
+          <a:fontRef idx="minor">
+            <a:schemeClr val="lt1"/>
+          </a:fontRef>
+        </p:style>
+        <p:txBody>
+          <a:bodyPr rtlCol="0" anchor="ctr"/>
+          <a:lstStyle/>
+          <a:p>
+            <a:pPr algn="ctr"/>
+            <a:r>
+              <a:rPr kumimoji="1" lang="en-US" altLang="ko-KR" sz="1600" dirty="0" err="1" smtClean="0">
+                <a:solidFill>
+                  <a:schemeClr val="accent2">
+                    <a:lumMod val="60000"/>
+                    <a:lumOff val="40000"/>
+                  </a:schemeClr>
+                </a:solidFill>
+              </a:rPr>
+              <a:t>onTouchEvent</a:t>
+            </a:r>
+            <a:r>
+              <a:rPr kumimoji="1" lang="en-US" altLang="ko-KR" sz="1600" dirty="0" smtClean="0">
+                <a:solidFill>
+                  <a:schemeClr val="accent2">
+                    <a:lumMod val="60000"/>
+                    <a:lumOff val="40000"/>
+                  </a:schemeClr>
+                </a:solidFill>
+              </a:rPr>
+              <a:t>()</a:t>
+            </a:r>
+            <a:endParaRPr kumimoji="1" lang="ko-KR" altLang="en-US" sz="1600" dirty="0">
+              <a:solidFill>
+                <a:schemeClr val="accent2">
+                  <a:lumMod val="60000"/>
+                  <a:lumOff val="40000"/>
+                </a:schemeClr>
+              </a:solidFill>
+            </a:endParaRPr>
+          </a:p>
+        </p:txBody>
+      </p:sp>
+      <p:sp>
+        <p:nvSpPr>
+          <p:cNvPr id="16" name="직사각형 15"/>
+          <p:cNvSpPr/>
+          <p:nvPr/>
+        </p:nvSpPr>
+        <p:spPr>
+          <a:xfrm>
+            <a:off x="9785349" y="4810926"/>
+            <a:ext cx="1918225" cy="530106"/>
+          </a:xfrm>
+          <a:prstGeom prst="rect">
+            <a:avLst/>
+          </a:prstGeom>
+          <a:noFill/>
+          <a:ln w="28575">
+            <a:solidFill>
+              <a:schemeClr val="accent2">
+                <a:lumMod val="60000"/>
+                <a:lumOff val="40000"/>
+              </a:schemeClr>
+            </a:solidFill>
+          </a:ln>
+        </p:spPr>
+        <p:style>
+          <a:lnRef idx="2">
+            <a:schemeClr val="accent1">
+              <a:shade val="50000"/>
+            </a:schemeClr>
+          </a:lnRef>
+          <a:fillRef idx="1">
+            <a:schemeClr val="accent1"/>
+          </a:fillRef>
+          <a:effectRef idx="0">
+            <a:schemeClr val="accent1"/>
+          </a:effectRef>
+          <a:fontRef idx="minor">
+            <a:schemeClr val="lt1"/>
+          </a:fontRef>
+        </p:style>
+        <p:txBody>
+          <a:bodyPr rtlCol="0" anchor="ctr"/>
+          <a:lstStyle/>
+          <a:p>
+            <a:pPr algn="ctr"/>
+            <a:r>
+              <a:rPr kumimoji="1" lang="en-US" altLang="ko-KR" sz="1600" dirty="0" err="1" smtClean="0">
+                <a:solidFill>
+                  <a:schemeClr val="accent2">
+                    <a:lumMod val="60000"/>
+                    <a:lumOff val="40000"/>
+                  </a:schemeClr>
+                </a:solidFill>
+              </a:rPr>
+              <a:t>onTouchEvent</a:t>
+            </a:r>
+            <a:r>
+              <a:rPr kumimoji="1" lang="en-US" altLang="ko-KR" sz="1600" dirty="0" smtClean="0">
+                <a:solidFill>
+                  <a:schemeClr val="accent2">
+                    <a:lumMod val="60000"/>
+                    <a:lumOff val="40000"/>
+                  </a:schemeClr>
+                </a:solidFill>
+              </a:rPr>
+              <a:t>()</a:t>
+            </a:r>
+            <a:endParaRPr kumimoji="1" lang="ko-KR" altLang="en-US" sz="1600" dirty="0">
+              <a:solidFill>
+                <a:schemeClr val="accent2">
+                  <a:lumMod val="60000"/>
+                  <a:lumOff val="40000"/>
+                </a:schemeClr>
+              </a:solidFill>
+            </a:endParaRPr>
+          </a:p>
+        </p:txBody>
+      </p:sp>
+      <p:cxnSp>
+        <p:nvCxnSpPr>
+          <p:cNvPr id="18" name="직선 화살표 연결선 17"/>
+          <p:cNvCxnSpPr>
+            <a:stCxn id="15" idx="1"/>
+            <a:endCxn id="14" idx="3"/>
+          </p:cNvCxnSpPr>
+          <p:nvPr/>
+        </p:nvCxnSpPr>
+        <p:spPr>
+          <a:xfrm flipH="1">
+            <a:off x="5113020" y="5075979"/>
+            <a:ext cx="1358900" cy="0"/>
+          </a:xfrm>
+          <a:prstGeom prst="straightConnector1">
+            <a:avLst/>
+          </a:prstGeom>
+          <a:ln w="28575">
+            <a:solidFill>
+              <a:schemeClr val="accent2">
+                <a:lumMod val="60000"/>
+                <a:lumOff val="40000"/>
+              </a:schemeClr>
+            </a:solidFill>
+            <a:tailEnd type="triangle" w="lg" len="lg"/>
+          </a:ln>
+        </p:spPr>
+        <p:style>
+          <a:lnRef idx="1">
+            <a:schemeClr val="accent1"/>
+          </a:lnRef>
+          <a:fillRef idx="0">
+            <a:schemeClr val="accent1"/>
+          </a:fillRef>
+          <a:effectRef idx="0">
+            <a:schemeClr val="accent1"/>
+          </a:effectRef>
+          <a:fontRef idx="minor">
+            <a:schemeClr val="tx1"/>
+          </a:fontRef>
+        </p:style>
+      </p:cxnSp>
+      <p:cxnSp>
+        <p:nvCxnSpPr>
+          <p:cNvPr id="19" name="직선 화살표 연결선 18"/>
+          <p:cNvCxnSpPr/>
+          <p:nvPr/>
+        </p:nvCxnSpPr>
+        <p:spPr>
+          <a:xfrm flipH="1">
+            <a:off x="8674100" y="5092278"/>
+            <a:ext cx="1111250" cy="0"/>
+          </a:xfrm>
+          <a:prstGeom prst="straightConnector1">
+            <a:avLst/>
+          </a:prstGeom>
+          <a:ln w="28575">
+            <a:solidFill>
+              <a:schemeClr val="accent2">
+                <a:lumMod val="60000"/>
+                <a:lumOff val="40000"/>
+              </a:schemeClr>
+            </a:solidFill>
+            <a:tailEnd type="triangle" w="lg" len="lg"/>
+          </a:ln>
+        </p:spPr>
+        <p:style>
+          <a:lnRef idx="1">
+            <a:schemeClr val="accent1"/>
+          </a:lnRef>
+          <a:fillRef idx="0">
+            <a:schemeClr val="accent1"/>
+          </a:fillRef>
+          <a:effectRef idx="0">
+            <a:schemeClr val="accent1"/>
+          </a:effectRef>
+          <a:fontRef idx="minor">
+            <a:schemeClr val="tx1"/>
+          </a:fontRef>
+        </p:style>
+      </p:cxnSp>
+      <p:cxnSp>
+        <p:nvCxnSpPr>
+          <p:cNvPr id="21" name="직선 화살표 연결선 20"/>
+          <p:cNvCxnSpPr>
+            <a:stCxn id="12" idx="3"/>
+            <a:endCxn id="13" idx="1"/>
+          </p:cNvCxnSpPr>
+          <p:nvPr/>
+        </p:nvCxnSpPr>
+        <p:spPr>
+          <a:xfrm>
+            <a:off x="5450840" y="3817703"/>
+            <a:ext cx="1021080" cy="0"/>
+          </a:xfrm>
+          <a:prstGeom prst="straightConnector1">
+            <a:avLst/>
+          </a:prstGeom>
+          <a:ln w="28575">
+            <a:solidFill>
+              <a:schemeClr val="accent2">
+                <a:lumMod val="50000"/>
+              </a:schemeClr>
+            </a:solidFill>
+            <a:tailEnd type="triangle" w="lg" len="lg"/>
+          </a:ln>
+        </p:spPr>
+        <p:style>
+          <a:lnRef idx="1">
+            <a:schemeClr val="accent1"/>
+          </a:lnRef>
+          <a:fillRef idx="0">
+            <a:schemeClr val="accent1"/>
+          </a:fillRef>
+          <a:effectRef idx="0">
+            <a:schemeClr val="accent1"/>
+          </a:effectRef>
+          <a:fontRef idx="minor">
+            <a:schemeClr val="tx1"/>
+          </a:fontRef>
+        </p:style>
+      </p:cxnSp>
+      <p:cxnSp>
+        <p:nvCxnSpPr>
+          <p:cNvPr id="27" name="직선 화살표 연결선 26"/>
+          <p:cNvCxnSpPr/>
+          <p:nvPr/>
+        </p:nvCxnSpPr>
+        <p:spPr>
+          <a:xfrm>
+            <a:off x="8874760" y="3805086"/>
+            <a:ext cx="1752600" cy="1005840"/>
+          </a:xfrm>
+          <a:prstGeom prst="straightConnector1">
+            <a:avLst/>
+          </a:prstGeom>
+          <a:ln w="28575">
+            <a:solidFill>
+              <a:schemeClr val="accent2">
+                <a:lumMod val="50000"/>
+              </a:schemeClr>
+            </a:solidFill>
+            <a:tailEnd type="triangle" w="lg" len="lg"/>
+          </a:ln>
+        </p:spPr>
+        <p:style>
+          <a:lnRef idx="1">
+            <a:schemeClr val="accent1"/>
+          </a:lnRef>
+          <a:fillRef idx="0">
+            <a:schemeClr val="accent1"/>
+          </a:fillRef>
+          <a:effectRef idx="0">
+            <a:schemeClr val="accent1"/>
+          </a:effectRef>
+          <a:fontRef idx="minor">
+            <a:schemeClr val="tx1"/>
+          </a:fontRef>
+        </p:style>
+      </p:cxnSp>
+      <p:cxnSp>
+        <p:nvCxnSpPr>
+          <p:cNvPr id="29" name="직선 화살표 연결선 28"/>
+          <p:cNvCxnSpPr>
+            <a:endCxn id="12" idx="1"/>
+          </p:cNvCxnSpPr>
+          <p:nvPr/>
+        </p:nvCxnSpPr>
+        <p:spPr>
+          <a:xfrm flipV="1">
+            <a:off x="1554931" y="3817703"/>
+            <a:ext cx="1355909" cy="1531032"/>
+          </a:xfrm>
+          <a:prstGeom prst="straightConnector1">
+            <a:avLst/>
+          </a:prstGeom>
+          <a:ln w="28575">
+            <a:solidFill>
+              <a:schemeClr val="accent6">
+                <a:lumMod val="50000"/>
+              </a:schemeClr>
+            </a:solidFill>
+            <a:tailEnd type="triangle" w="lg" len="lg"/>
+          </a:ln>
+        </p:spPr>
+        <p:style>
+          <a:lnRef idx="1">
+            <a:schemeClr val="accent1"/>
+          </a:lnRef>
+          <a:fillRef idx="0">
+            <a:schemeClr val="accent1"/>
+          </a:fillRef>
+          <a:effectRef idx="0">
+            <a:schemeClr val="accent1"/>
+          </a:effectRef>
+          <a:fontRef idx="minor">
+            <a:schemeClr val="tx1"/>
+          </a:fontRef>
+        </p:style>
+      </p:cxnSp>
+      <p:sp>
+        <p:nvSpPr>
+          <p:cNvPr id="31" name="폭발 2[E] 30"/>
+          <p:cNvSpPr/>
+          <p:nvPr/>
+        </p:nvSpPr>
+        <p:spPr>
+          <a:xfrm>
+            <a:off x="3454100" y="5457706"/>
+            <a:ext cx="1890060" cy="661965"/>
+          </a:xfrm>
+          <a:prstGeom prst="irregularSeal2">
+            <a:avLst/>
+          </a:prstGeom>
+          <a:solidFill>
+            <a:srgbClr val="FF0000"/>
+          </a:solidFill>
+        </p:spPr>
+        <p:style>
+          <a:lnRef idx="2">
+            <a:schemeClr val="accent1">
+              <a:shade val="50000"/>
+            </a:schemeClr>
+          </a:lnRef>
+          <a:fillRef idx="1">
+            <a:schemeClr val="accent1"/>
+          </a:fillRef>
+          <a:effectRef idx="0">
+            <a:schemeClr val="accent1"/>
+          </a:effectRef>
+          <a:fontRef idx="minor">
+            <a:schemeClr val="lt1"/>
+          </a:fontRef>
+        </p:style>
+        <p:txBody>
+          <a:bodyPr rtlCol="0" anchor="ctr"/>
+          <a:lstStyle/>
+          <a:p>
+            <a:pPr algn="ctr"/>
+            <a:r>
+              <a:rPr kumimoji="1" lang="en-US" altLang="ko-KR" sz="1000" dirty="0" smtClean="0"/>
+              <a:t>Consumed!</a:t>
+            </a:r>
+            <a:endParaRPr kumimoji="1" lang="ko-KR" altLang="en-US" sz="1000" dirty="0"/>
+          </a:p>
+        </p:txBody>
+      </p:sp>
+      <p:sp>
+        <p:nvSpPr>
+          <p:cNvPr id="32" name="폭발 2[E] 31"/>
+          <p:cNvSpPr/>
+          <p:nvPr/>
+        </p:nvSpPr>
+        <p:spPr>
+          <a:xfrm>
+            <a:off x="7091380" y="5457705"/>
+            <a:ext cx="1890060" cy="661965"/>
+          </a:xfrm>
+          <a:prstGeom prst="irregularSeal2">
+            <a:avLst/>
+          </a:prstGeom>
+          <a:solidFill>
+            <a:srgbClr val="FF0000"/>
+          </a:solidFill>
+        </p:spPr>
+        <p:style>
+          <a:lnRef idx="2">
+            <a:schemeClr val="accent1">
+              <a:shade val="50000"/>
+            </a:schemeClr>
+          </a:lnRef>
+          <a:fillRef idx="1">
+            <a:schemeClr val="accent1"/>
+          </a:fillRef>
+          <a:effectRef idx="0">
+            <a:schemeClr val="accent1"/>
+          </a:effectRef>
+          <a:fontRef idx="minor">
+            <a:schemeClr val="lt1"/>
+          </a:fontRef>
+        </p:style>
+        <p:txBody>
+          <a:bodyPr rtlCol="0" anchor="ctr"/>
+          <a:lstStyle/>
+          <a:p>
+            <a:pPr algn="ctr"/>
+            <a:r>
+              <a:rPr kumimoji="1" lang="en-US" altLang="ko-KR" sz="1000" dirty="0" smtClean="0"/>
+              <a:t>Consumed!</a:t>
+            </a:r>
+            <a:endParaRPr kumimoji="1" lang="ko-KR" altLang="en-US" sz="1000" dirty="0"/>
+          </a:p>
+        </p:txBody>
+      </p:sp>
+      <p:sp>
+        <p:nvSpPr>
+          <p:cNvPr id="33" name="폭발 2[E] 32"/>
+          <p:cNvSpPr/>
+          <p:nvPr/>
+        </p:nvSpPr>
+        <p:spPr>
+          <a:xfrm>
+            <a:off x="10480600" y="5543456"/>
+            <a:ext cx="1435700" cy="496615"/>
+          </a:xfrm>
+          <a:prstGeom prst="irregularSeal2">
+            <a:avLst/>
+          </a:prstGeom>
+          <a:solidFill>
+            <a:srgbClr val="FF0000"/>
+          </a:solidFill>
+        </p:spPr>
+        <p:style>
+          <a:lnRef idx="2">
+            <a:schemeClr val="accent1">
+              <a:shade val="50000"/>
+            </a:schemeClr>
+          </a:lnRef>
+          <a:fillRef idx="1">
+            <a:schemeClr val="accent1"/>
+          </a:fillRef>
+          <a:effectRef idx="0">
+            <a:schemeClr val="accent1"/>
+          </a:effectRef>
+          <a:fontRef idx="minor">
+            <a:schemeClr val="lt1"/>
+          </a:fontRef>
+        </p:style>
+        <p:txBody>
+          <a:bodyPr rtlCol="0" anchor="ctr"/>
+          <a:lstStyle/>
+          <a:p>
+            <a:pPr algn="ctr"/>
+            <a:r>
+              <a:rPr kumimoji="1" lang="en-US" altLang="ko-KR" sz="1000" dirty="0" smtClean="0"/>
+              <a:t>Consumed!</a:t>
+            </a:r>
+            <a:endParaRPr kumimoji="1" lang="ko-KR" altLang="en-US" sz="1000" dirty="0"/>
+          </a:p>
+        </p:txBody>
+      </p:sp>
+      <p:sp>
+        <p:nvSpPr>
+          <p:cNvPr id="34" name="텍스트 상자 33"/>
+          <p:cNvSpPr txBox="1"/>
+          <p:nvPr/>
+        </p:nvSpPr>
+        <p:spPr>
+          <a:xfrm>
+            <a:off x="5692140" y="4674248"/>
+            <a:ext cx="624840" cy="338554"/>
+          </a:xfrm>
+          <a:prstGeom prst="rect">
+            <a:avLst/>
+          </a:prstGeom>
+          <a:noFill/>
+        </p:spPr>
+        <p:txBody>
+          <a:bodyPr wrap="square" rtlCol="0" anchor="ctr">
+            <a:spAutoFit/>
+          </a:bodyPr>
+          <a:lstStyle/>
+          <a:p>
+            <a:pPr algn="ctr"/>
+            <a:r>
+              <a:rPr kumimoji="1" lang="en-US" altLang="ko-KR" sz="1600" dirty="0" smtClean="0">
+                <a:solidFill>
+                  <a:schemeClr val="accent2">
+                    <a:lumMod val="60000"/>
+                    <a:lumOff val="40000"/>
+                  </a:schemeClr>
+                </a:solidFill>
+              </a:rPr>
+              <a:t>false</a:t>
+            </a:r>
+            <a:endParaRPr kumimoji="1" lang="ko-KR" altLang="en-US" sz="1600" dirty="0">
+              <a:solidFill>
+                <a:schemeClr val="accent2">
+                  <a:lumMod val="60000"/>
+                  <a:lumOff val="40000"/>
+                </a:schemeClr>
+              </a:solidFill>
+            </a:endParaRPr>
+          </a:p>
+        </p:txBody>
+      </p:sp>
+      <p:sp>
+        <p:nvSpPr>
+          <p:cNvPr id="35" name="텍스트 상자 34"/>
+          <p:cNvSpPr txBox="1"/>
+          <p:nvPr/>
+        </p:nvSpPr>
+        <p:spPr>
+          <a:xfrm>
+            <a:off x="9039860" y="4674248"/>
+            <a:ext cx="624840" cy="338554"/>
+          </a:xfrm>
+          <a:prstGeom prst="rect">
+            <a:avLst/>
+          </a:prstGeom>
+          <a:noFill/>
+        </p:spPr>
+        <p:txBody>
+          <a:bodyPr wrap="square" rtlCol="0" anchor="ctr">
+            <a:spAutoFit/>
+          </a:bodyPr>
+          <a:lstStyle/>
+          <a:p>
+            <a:pPr algn="ctr"/>
+            <a:r>
+              <a:rPr kumimoji="1" lang="en-US" altLang="ko-KR" sz="1600" dirty="0" smtClean="0">
+                <a:solidFill>
+                  <a:schemeClr val="accent2">
+                    <a:lumMod val="60000"/>
+                    <a:lumOff val="40000"/>
+                  </a:schemeClr>
+                </a:solidFill>
+              </a:rPr>
+              <a:t>false</a:t>
+            </a:r>
+            <a:endParaRPr kumimoji="1" lang="ko-KR" altLang="en-US" sz="1600" dirty="0">
+              <a:solidFill>
+                <a:schemeClr val="accent2">
+                  <a:lumMod val="60000"/>
+                  <a:lumOff val="40000"/>
+                </a:schemeClr>
+              </a:solidFill>
+            </a:endParaRPr>
+          </a:p>
+        </p:txBody>
+      </p:sp>
+      <p:sp>
+        <p:nvSpPr>
+          <p:cNvPr id="36" name="텍스트 상자 35"/>
+          <p:cNvSpPr txBox="1"/>
+          <p:nvPr/>
+        </p:nvSpPr>
+        <p:spPr>
+          <a:xfrm>
+            <a:off x="9664700" y="3845391"/>
+            <a:ext cx="624840" cy="338554"/>
+          </a:xfrm>
+          <a:prstGeom prst="rect">
+            <a:avLst/>
+          </a:prstGeom>
+          <a:noFill/>
+        </p:spPr>
+        <p:txBody>
+          <a:bodyPr wrap="square" rtlCol="0" anchor="ctr">
+            <a:spAutoFit/>
+          </a:bodyPr>
+          <a:lstStyle/>
+          <a:p>
+            <a:pPr algn="ctr"/>
+            <a:r>
+              <a:rPr kumimoji="1" lang="en-US" altLang="ko-KR" sz="1600" dirty="0" smtClean="0">
+                <a:solidFill>
+                  <a:schemeClr val="accent2">
+                    <a:lumMod val="50000"/>
+                  </a:schemeClr>
+                </a:solidFill>
+              </a:rPr>
+              <a:t>false</a:t>
+            </a:r>
+            <a:endParaRPr kumimoji="1" lang="ko-KR" altLang="en-US" sz="1600" dirty="0">
+              <a:solidFill>
+                <a:schemeClr val="accent2">
+                  <a:lumMod val="50000"/>
+                </a:schemeClr>
+              </a:solidFill>
+            </a:endParaRPr>
+          </a:p>
+        </p:txBody>
+      </p:sp>
+      <p:sp>
+        <p:nvSpPr>
+          <p:cNvPr id="37" name="텍스트 상자 36"/>
+          <p:cNvSpPr txBox="1"/>
+          <p:nvPr/>
+        </p:nvSpPr>
+        <p:spPr>
+          <a:xfrm>
+            <a:off x="5702300" y="3418090"/>
+            <a:ext cx="624840" cy="338554"/>
+          </a:xfrm>
+          <a:prstGeom prst="rect">
+            <a:avLst/>
+          </a:prstGeom>
+          <a:noFill/>
+        </p:spPr>
+        <p:txBody>
+          <a:bodyPr wrap="square" rtlCol="0" anchor="ctr">
+            <a:spAutoFit/>
+          </a:bodyPr>
+          <a:lstStyle/>
+          <a:p>
+            <a:pPr algn="ctr"/>
+            <a:r>
+              <a:rPr kumimoji="1" lang="en-US" altLang="ko-KR" sz="1600" dirty="0" smtClean="0">
+                <a:solidFill>
+                  <a:schemeClr val="accent2">
+                    <a:lumMod val="50000"/>
+                  </a:schemeClr>
+                </a:solidFill>
+              </a:rPr>
+              <a:t>false</a:t>
+            </a:r>
+            <a:endParaRPr kumimoji="1" lang="ko-KR" altLang="en-US" sz="1600" dirty="0">
+              <a:solidFill>
+                <a:schemeClr val="accent2">
+                  <a:lumMod val="50000"/>
+                </a:schemeClr>
+              </a:solidFill>
+            </a:endParaRPr>
+          </a:p>
+        </p:txBody>
+      </p:sp>
+      <p:sp>
+        <p:nvSpPr>
+          <p:cNvPr id="38" name="텍스트 상자 37"/>
+          <p:cNvSpPr txBox="1"/>
+          <p:nvPr/>
+        </p:nvSpPr>
+        <p:spPr>
+          <a:xfrm>
+            <a:off x="2762100" y="5610365"/>
+            <a:ext cx="722480" cy="338554"/>
+          </a:xfrm>
+          <a:prstGeom prst="rect">
+            <a:avLst/>
+          </a:prstGeom>
+          <a:noFill/>
+        </p:spPr>
+        <p:txBody>
+          <a:bodyPr wrap="square" rtlCol="0" anchor="ctr">
+            <a:spAutoFit/>
+          </a:bodyPr>
+          <a:lstStyle/>
+          <a:p>
+            <a:pPr algn="ctr"/>
+            <a:r>
+              <a:rPr kumimoji="1" lang="en-US" altLang="ko-KR" sz="1600" b="1" dirty="0">
+                <a:solidFill>
+                  <a:schemeClr val="accent2">
+                    <a:lumMod val="60000"/>
+                    <a:lumOff val="40000"/>
+                  </a:schemeClr>
+                </a:solidFill>
+              </a:rPr>
+              <a:t>t</a:t>
+            </a:r>
+            <a:r>
+              <a:rPr kumimoji="1" lang="en-US" altLang="ko-KR" sz="1600" b="1" dirty="0" smtClean="0">
+                <a:solidFill>
+                  <a:schemeClr val="accent2">
+                    <a:lumMod val="60000"/>
+                    <a:lumOff val="40000"/>
+                  </a:schemeClr>
+                </a:solidFill>
+              </a:rPr>
+              <a:t>rue :</a:t>
+            </a:r>
+            <a:endParaRPr kumimoji="1" lang="ko-KR" altLang="en-US" sz="1600" b="1" dirty="0">
+              <a:solidFill>
+                <a:schemeClr val="accent2">
+                  <a:lumMod val="60000"/>
+                  <a:lumOff val="40000"/>
+                </a:schemeClr>
+              </a:solidFill>
+            </a:endParaRPr>
+          </a:p>
+        </p:txBody>
+      </p:sp>
+      <p:sp>
+        <p:nvSpPr>
+          <p:cNvPr id="39" name="텍스트 상자 38"/>
+          <p:cNvSpPr txBox="1"/>
+          <p:nvPr/>
+        </p:nvSpPr>
+        <p:spPr>
+          <a:xfrm>
+            <a:off x="6441065" y="5610365"/>
+            <a:ext cx="722480" cy="338554"/>
+          </a:xfrm>
+          <a:prstGeom prst="rect">
+            <a:avLst/>
+          </a:prstGeom>
+          <a:noFill/>
+        </p:spPr>
+        <p:txBody>
+          <a:bodyPr wrap="square" rtlCol="0" anchor="ctr">
+            <a:spAutoFit/>
+          </a:bodyPr>
+          <a:lstStyle/>
+          <a:p>
+            <a:pPr algn="ctr"/>
+            <a:r>
+              <a:rPr kumimoji="1" lang="en-US" altLang="ko-KR" sz="1600" b="1" dirty="0">
+                <a:solidFill>
+                  <a:schemeClr val="accent2">
+                    <a:lumMod val="60000"/>
+                    <a:lumOff val="40000"/>
+                  </a:schemeClr>
+                </a:solidFill>
+              </a:rPr>
+              <a:t>t</a:t>
+            </a:r>
+            <a:r>
+              <a:rPr kumimoji="1" lang="en-US" altLang="ko-KR" sz="1600" b="1" dirty="0" smtClean="0">
+                <a:solidFill>
+                  <a:schemeClr val="accent2">
+                    <a:lumMod val="60000"/>
+                    <a:lumOff val="40000"/>
+                  </a:schemeClr>
+                </a:solidFill>
+              </a:rPr>
+              <a:t>rue :</a:t>
+            </a:r>
+            <a:endParaRPr kumimoji="1" lang="ko-KR" altLang="en-US" sz="1600" b="1" dirty="0">
+              <a:solidFill>
+                <a:schemeClr val="accent2">
+                  <a:lumMod val="60000"/>
+                  <a:lumOff val="40000"/>
+                </a:schemeClr>
+              </a:solidFill>
+            </a:endParaRPr>
+          </a:p>
+        </p:txBody>
+      </p:sp>
+      <p:sp>
+        <p:nvSpPr>
+          <p:cNvPr id="40" name="텍스트 상자 39"/>
+          <p:cNvSpPr txBox="1"/>
+          <p:nvPr/>
+        </p:nvSpPr>
+        <p:spPr>
+          <a:xfrm>
+            <a:off x="9758120" y="5610365"/>
+            <a:ext cx="722480" cy="338554"/>
+          </a:xfrm>
+          <a:prstGeom prst="rect">
+            <a:avLst/>
+          </a:prstGeom>
+          <a:noFill/>
+        </p:spPr>
+        <p:txBody>
+          <a:bodyPr wrap="square" rtlCol="0" anchor="ctr">
+            <a:spAutoFit/>
+          </a:bodyPr>
+          <a:lstStyle/>
+          <a:p>
+            <a:pPr algn="ctr"/>
+            <a:r>
+              <a:rPr kumimoji="1" lang="en-US" altLang="ko-KR" sz="1600" b="1" dirty="0">
+                <a:solidFill>
+                  <a:schemeClr val="accent2">
+                    <a:lumMod val="60000"/>
+                    <a:lumOff val="40000"/>
+                  </a:schemeClr>
+                </a:solidFill>
+              </a:rPr>
+              <a:t>t</a:t>
+            </a:r>
+            <a:r>
+              <a:rPr kumimoji="1" lang="en-US" altLang="ko-KR" sz="1600" b="1" dirty="0" smtClean="0">
+                <a:solidFill>
+                  <a:schemeClr val="accent2">
+                    <a:lumMod val="60000"/>
+                    <a:lumOff val="40000"/>
+                  </a:schemeClr>
+                </a:solidFill>
+              </a:rPr>
+              <a:t>rue :</a:t>
+            </a:r>
+            <a:endParaRPr kumimoji="1" lang="ko-KR" altLang="en-US" sz="1600" b="1" dirty="0">
+              <a:solidFill>
+                <a:schemeClr val="accent2">
+                  <a:lumMod val="60000"/>
+                  <a:lumOff val="40000"/>
+                </a:schemeClr>
+              </a:solidFill>
+            </a:endParaRPr>
+          </a:p>
+        </p:txBody>
+      </p:sp>
+      <p:cxnSp>
+        <p:nvCxnSpPr>
+          <p:cNvPr id="41" name="직선 화살표 연결선 40"/>
+          <p:cNvCxnSpPr/>
+          <p:nvPr/>
+        </p:nvCxnSpPr>
+        <p:spPr>
+          <a:xfrm>
+            <a:off x="3525520" y="4084320"/>
+            <a:ext cx="0" cy="759205"/>
+          </a:xfrm>
+          <a:prstGeom prst="straightConnector1">
+            <a:avLst/>
+          </a:prstGeom>
+          <a:ln w="28575">
+            <a:solidFill>
+              <a:schemeClr val="accent2">
+                <a:lumMod val="50000"/>
+              </a:schemeClr>
+            </a:solidFill>
+            <a:tailEnd type="triangle" w="lg" len="lg"/>
+          </a:ln>
+        </p:spPr>
+        <p:style>
+          <a:lnRef idx="1">
+            <a:schemeClr val="accent1"/>
+          </a:lnRef>
+          <a:fillRef idx="0">
+            <a:schemeClr val="accent1"/>
+          </a:fillRef>
+          <a:effectRef idx="0">
+            <a:schemeClr val="accent1"/>
+          </a:effectRef>
+          <a:fontRef idx="minor">
+            <a:schemeClr val="tx1"/>
+          </a:fontRef>
+        </p:style>
+      </p:cxnSp>
+      <p:sp>
+        <p:nvSpPr>
+          <p:cNvPr id="44" name="텍스트 상자 43"/>
+          <p:cNvSpPr txBox="1"/>
+          <p:nvPr/>
+        </p:nvSpPr>
+        <p:spPr>
+          <a:xfrm>
+            <a:off x="3561079" y="4296769"/>
+            <a:ext cx="624840" cy="338554"/>
+          </a:xfrm>
+          <a:prstGeom prst="rect">
+            <a:avLst/>
+          </a:prstGeom>
+          <a:noFill/>
+        </p:spPr>
+        <p:txBody>
+          <a:bodyPr wrap="square" rtlCol="0" anchor="ctr">
+            <a:spAutoFit/>
+          </a:bodyPr>
+          <a:lstStyle/>
+          <a:p>
+            <a:pPr algn="ctr"/>
+            <a:r>
+              <a:rPr kumimoji="1" lang="en-US" altLang="ko-KR" sz="1600" dirty="0" smtClean="0">
+                <a:solidFill>
+                  <a:schemeClr val="accent2">
+                    <a:lumMod val="50000"/>
+                  </a:schemeClr>
+                </a:solidFill>
+              </a:rPr>
+              <a:t>true</a:t>
+            </a:r>
+            <a:endParaRPr kumimoji="1" lang="ko-KR" altLang="en-US" sz="1600" dirty="0">
+              <a:solidFill>
+                <a:schemeClr val="accent2">
+                  <a:lumMod val="50000"/>
+                </a:schemeClr>
+              </a:solidFill>
+            </a:endParaRPr>
+          </a:p>
+        </p:txBody>
+      </p:sp>
+      <p:cxnSp>
+        <p:nvCxnSpPr>
+          <p:cNvPr id="46" name="직선 화살표 연결선 45"/>
+          <p:cNvCxnSpPr/>
+          <p:nvPr/>
+        </p:nvCxnSpPr>
+        <p:spPr>
+          <a:xfrm>
+            <a:off x="7138146" y="4077210"/>
+            <a:ext cx="0" cy="759205"/>
+          </a:xfrm>
+          <a:prstGeom prst="straightConnector1">
+            <a:avLst/>
+          </a:prstGeom>
+          <a:ln w="28575">
+            <a:solidFill>
+              <a:schemeClr val="accent2">
+                <a:lumMod val="50000"/>
+              </a:schemeClr>
+            </a:solidFill>
+            <a:tailEnd type="triangle" w="lg" len="lg"/>
+          </a:ln>
+        </p:spPr>
+        <p:style>
+          <a:lnRef idx="1">
+            <a:schemeClr val="accent1"/>
+          </a:lnRef>
+          <a:fillRef idx="0">
+            <a:schemeClr val="accent1"/>
+          </a:fillRef>
+          <a:effectRef idx="0">
+            <a:schemeClr val="accent1"/>
+          </a:effectRef>
+          <a:fontRef idx="minor">
+            <a:schemeClr val="tx1"/>
+          </a:fontRef>
+        </p:style>
+      </p:cxnSp>
+      <p:sp>
+        <p:nvSpPr>
+          <p:cNvPr id="47" name="텍스트 상자 46"/>
+          <p:cNvSpPr txBox="1"/>
+          <p:nvPr/>
+        </p:nvSpPr>
+        <p:spPr>
+          <a:xfrm>
+            <a:off x="7173705" y="4289659"/>
+            <a:ext cx="624840" cy="338554"/>
+          </a:xfrm>
+          <a:prstGeom prst="rect">
+            <a:avLst/>
+          </a:prstGeom>
+          <a:noFill/>
+        </p:spPr>
+        <p:txBody>
+          <a:bodyPr wrap="square" rtlCol="0" anchor="ctr">
+            <a:spAutoFit/>
+          </a:bodyPr>
+          <a:lstStyle/>
+          <a:p>
+            <a:pPr algn="ctr"/>
+            <a:r>
+              <a:rPr kumimoji="1" lang="en-US" altLang="ko-KR" sz="1600" dirty="0" smtClean="0">
+                <a:solidFill>
+                  <a:schemeClr val="accent2">
+                    <a:lumMod val="50000"/>
+                  </a:schemeClr>
+                </a:solidFill>
+              </a:rPr>
+              <a:t>true</a:t>
+            </a:r>
+            <a:endParaRPr kumimoji="1" lang="ko-KR" altLang="en-US" sz="1600" dirty="0">
+              <a:solidFill>
+                <a:schemeClr val="accent2">
+                  <a:lumMod val="50000"/>
+                </a:schemeClr>
+              </a:solidFill>
+            </a:endParaRPr>
+          </a:p>
+        </p:txBody>
+      </p:sp>
+      <p:cxnSp>
+        <p:nvCxnSpPr>
+          <p:cNvPr id="48" name="직선 화살표 연결선 47"/>
+          <p:cNvCxnSpPr/>
+          <p:nvPr/>
+        </p:nvCxnSpPr>
+        <p:spPr>
+          <a:xfrm>
+            <a:off x="3068320" y="5348735"/>
+            <a:ext cx="4220" cy="261630"/>
+          </a:xfrm>
+          <a:prstGeom prst="straightConnector1">
+            <a:avLst/>
+          </a:prstGeom>
+          <a:ln w="28575">
+            <a:solidFill>
+              <a:schemeClr val="accent2">
+                <a:lumMod val="60000"/>
+                <a:lumOff val="40000"/>
+              </a:schemeClr>
+            </a:solidFill>
+            <a:tailEnd type="triangle" w="lg" len="lg"/>
+          </a:ln>
+        </p:spPr>
+        <p:style>
+          <a:lnRef idx="1">
+            <a:schemeClr val="accent1"/>
+          </a:lnRef>
+          <a:fillRef idx="0">
+            <a:schemeClr val="accent1"/>
+          </a:fillRef>
+          <a:effectRef idx="0">
+            <a:schemeClr val="accent1"/>
+          </a:effectRef>
+          <a:fontRef idx="minor">
+            <a:schemeClr val="tx1"/>
+          </a:fontRef>
+        </p:style>
+      </p:cxnSp>
+      <p:cxnSp>
+        <p:nvCxnSpPr>
+          <p:cNvPr id="52" name="직선 화살표 연결선 51"/>
+          <p:cNvCxnSpPr/>
+          <p:nvPr/>
+        </p:nvCxnSpPr>
+        <p:spPr>
+          <a:xfrm>
+            <a:off x="6703640" y="5348735"/>
+            <a:ext cx="4220" cy="261630"/>
+          </a:xfrm>
+          <a:prstGeom prst="straightConnector1">
+            <a:avLst/>
+          </a:prstGeom>
+          <a:ln w="28575">
+            <a:solidFill>
+              <a:schemeClr val="accent2">
+                <a:lumMod val="60000"/>
+                <a:lumOff val="40000"/>
+              </a:schemeClr>
+            </a:solidFill>
+            <a:tailEnd type="triangle" w="lg" len="lg"/>
+          </a:ln>
+        </p:spPr>
+        <p:style>
+          <a:lnRef idx="1">
+            <a:schemeClr val="accent1"/>
+          </a:lnRef>
+          <a:fillRef idx="0">
+            <a:schemeClr val="accent1"/>
+          </a:fillRef>
+          <a:effectRef idx="0">
+            <a:schemeClr val="accent1"/>
+          </a:effectRef>
+          <a:fontRef idx="minor">
+            <a:schemeClr val="tx1"/>
+          </a:fontRef>
+        </p:style>
+      </p:cxnSp>
+      <p:cxnSp>
+        <p:nvCxnSpPr>
+          <p:cNvPr id="53" name="직선 화살표 연결선 52"/>
+          <p:cNvCxnSpPr/>
+          <p:nvPr/>
+        </p:nvCxnSpPr>
+        <p:spPr>
+          <a:xfrm>
+            <a:off x="10054945" y="5375270"/>
+            <a:ext cx="4220" cy="261630"/>
+          </a:xfrm>
+          <a:prstGeom prst="straightConnector1">
+            <a:avLst/>
+          </a:prstGeom>
+          <a:ln w="28575">
+            <a:solidFill>
+              <a:schemeClr val="accent2">
+                <a:lumMod val="60000"/>
+                <a:lumOff val="40000"/>
+              </a:schemeClr>
+            </a:solidFill>
+            <a:tailEnd type="triangle" w="lg" len="lg"/>
+          </a:ln>
+        </p:spPr>
+        <p:style>
+          <a:lnRef idx="1">
+            <a:schemeClr val="accent1"/>
+          </a:lnRef>
+          <a:fillRef idx="0">
+            <a:schemeClr val="accent1"/>
+          </a:fillRef>
+          <a:effectRef idx="0">
+            <a:schemeClr val="accent1"/>
+          </a:effectRef>
+          <a:fontRef idx="minor">
+            <a:schemeClr val="tx1"/>
+          </a:fontRef>
+        </p:style>
+      </p:cxnSp>
+      <p:sp>
+        <p:nvSpPr>
+          <p:cNvPr id="54" name="제목 1"/>
+          <p:cNvSpPr>
+            <a:spLocks noGrp="1"/>
+          </p:cNvSpPr>
+          <p:nvPr>
+            <p:ph type="title"/>
+          </p:nvPr>
+        </p:nvSpPr>
+        <p:spPr>
+          <a:xfrm>
+            <a:off x="838200" y="365125"/>
+            <a:ext cx="10515600" cy="1325563"/>
+          </a:xfrm>
+        </p:spPr>
+        <p:txBody>
+          <a:bodyPr/>
+          <a:lstStyle/>
+          <a:p>
+            <a:r>
+              <a:rPr kumimoji="1" lang="en-US" altLang="ko-KR" dirty="0" err="1" smtClean="0"/>
+              <a:t>TouchEvent</a:t>
+            </a:r>
+            <a:r>
+              <a:rPr kumimoji="1" lang="en-US" altLang="ko-KR" dirty="0" smtClean="0"/>
+              <a:t> process in details</a:t>
+            </a:r>
+            <a:endParaRPr kumimoji="1" lang="ko-KR" altLang="en-US" dirty="0"/>
+          </a:p>
+        </p:txBody>
+      </p:sp>
+    </p:spTree>
+    <p:extLst>
+      <p:ext uri="{BB962C8B-B14F-4D97-AF65-F5344CB8AC3E}">
+        <p14:creationId xmlns:p14="http://schemas.microsoft.com/office/powerpoint/2010/main" val="1493369500"/>
+      </p:ext>
+    </p:extLst>
+  </p:cSld>
+  <p:clrMapOvr>
+    <a:masterClrMapping/>
+  </p:clrMapOvr>
 </p:sld>
 </file>
 

--- a/Home/Android/onTouchEvent.pptx
+++ b/Home/Android/onTouchEvent.pptx
@@ -5,7 +5,7 @@
     <p:sldMasterId id="2147483648" r:id="rId1"/>
   </p:sldMasterIdLst>
   <p:notesMasterIdLst>
-    <p:notesMasterId r:id="rId8"/>
+    <p:notesMasterId r:id="rId10"/>
   </p:notesMasterIdLst>
   <p:sldIdLst>
     <p:sldId id="256" r:id="rId2"/>
@@ -14,6 +14,8 @@
     <p:sldId id="259" r:id="rId5"/>
     <p:sldId id="260" r:id="rId6"/>
     <p:sldId id="261" r:id="rId7"/>
+    <p:sldId id="262" r:id="rId8"/>
+    <p:sldId id="263" r:id="rId9"/>
   </p:sldIdLst>
   <p:sldSz cx="12192000" cy="6858000"/>
   <p:notesSz cx="6858000" cy="9144000"/>
@@ -11566,6 +11568,3160 @@
     <p:extLst>
       <p:ext uri="{BB962C8B-B14F-4D97-AF65-F5344CB8AC3E}">
         <p14:creationId xmlns:p14="http://schemas.microsoft.com/office/powerpoint/2010/main" val="1493369500"/>
+      </p:ext>
+    </p:extLst>
+  </p:cSld>
+  <p:clrMapOvr>
+    <a:masterClrMapping/>
+  </p:clrMapOvr>
+</p:sld>
+</file>
+
+<file path=ppt/slides/slide7.xml><?xml version="1.0" encoding="utf-8"?>
+<p:sld xmlns:a="http://schemas.openxmlformats.org/drawingml/2006/main" xmlns:r="http://schemas.openxmlformats.org/officeDocument/2006/relationships" xmlns:p="http://schemas.openxmlformats.org/presentationml/2006/main">
+  <p:cSld>
+    <p:spTree>
+      <p:nvGrpSpPr>
+        <p:cNvPr id="1" name=""/>
+        <p:cNvGrpSpPr/>
+        <p:nvPr/>
+      </p:nvGrpSpPr>
+      <p:grpSpPr>
+        <a:xfrm>
+          <a:off x="0" y="0"/>
+          <a:ext cx="0" cy="0"/>
+          <a:chOff x="0" y="0"/>
+          <a:chExt cx="0" cy="0"/>
+        </a:xfrm>
+      </p:grpSpPr>
+      <p:sp>
+        <p:nvSpPr>
+          <p:cNvPr id="2" name="제목 1"/>
+          <p:cNvSpPr>
+            <a:spLocks noGrp="1"/>
+          </p:cNvSpPr>
+          <p:nvPr>
+            <p:ph type="title"/>
+          </p:nvPr>
+        </p:nvSpPr>
+        <p:spPr/>
+        <p:txBody>
+          <a:bodyPr/>
+          <a:lstStyle/>
+          <a:p>
+            <a:r>
+              <a:rPr kumimoji="1" lang="en-US" altLang="ko-KR" dirty="0" smtClean="0"/>
+              <a:t>Interested View Example</a:t>
+            </a:r>
+            <a:endParaRPr kumimoji="1" lang="ko-KR" altLang="en-US" dirty="0"/>
+          </a:p>
+        </p:txBody>
+      </p:sp>
+      <p:sp>
+        <p:nvSpPr>
+          <p:cNvPr id="4" name="직사각형 3"/>
+          <p:cNvSpPr/>
+          <p:nvPr/>
+        </p:nvSpPr>
+        <p:spPr>
+          <a:xfrm>
+            <a:off x="9245600" y="1148080"/>
+            <a:ext cx="2509520" cy="4338320"/>
+          </a:xfrm>
+          <a:prstGeom prst="rect">
+            <a:avLst/>
+          </a:prstGeom>
+          <a:solidFill>
+            <a:schemeClr val="accent6">
+              <a:lumMod val="60000"/>
+              <a:lumOff val="40000"/>
+            </a:schemeClr>
+          </a:solidFill>
+        </p:spPr>
+        <p:style>
+          <a:lnRef idx="2">
+            <a:schemeClr val="accent1">
+              <a:shade val="50000"/>
+            </a:schemeClr>
+          </a:lnRef>
+          <a:fillRef idx="1">
+            <a:schemeClr val="accent1"/>
+          </a:fillRef>
+          <a:effectRef idx="0">
+            <a:schemeClr val="accent1"/>
+          </a:effectRef>
+          <a:fontRef idx="minor">
+            <a:schemeClr val="lt1"/>
+          </a:fontRef>
+        </p:style>
+        <p:txBody>
+          <a:bodyPr rtlCol="0" anchor="ctr"/>
+          <a:lstStyle/>
+          <a:p>
+            <a:pPr algn="ctr"/>
+            <a:endParaRPr kumimoji="1" lang="ko-KR" altLang="en-US"/>
+          </a:p>
+        </p:txBody>
+      </p:sp>
+      <p:sp>
+        <p:nvSpPr>
+          <p:cNvPr id="5" name="텍스트 상자 4"/>
+          <p:cNvSpPr txBox="1"/>
+          <p:nvPr/>
+        </p:nvSpPr>
+        <p:spPr>
+          <a:xfrm>
+            <a:off x="9245600" y="871081"/>
+            <a:ext cx="691215" cy="276999"/>
+          </a:xfrm>
+          <a:prstGeom prst="rect">
+            <a:avLst/>
+          </a:prstGeom>
+          <a:noFill/>
+        </p:spPr>
+        <p:txBody>
+          <a:bodyPr wrap="none" rtlCol="0">
+            <a:spAutoFit/>
+          </a:bodyPr>
+          <a:lstStyle/>
+          <a:p>
+            <a:r>
+              <a:rPr kumimoji="1" lang="en-US" altLang="ko-KR" sz="1200" dirty="0" smtClean="0"/>
+              <a:t>Activity</a:t>
+            </a:r>
+            <a:endParaRPr kumimoji="1" lang="ko-KR" altLang="en-US" sz="1200" dirty="0"/>
+          </a:p>
+        </p:txBody>
+      </p:sp>
+      <p:sp>
+        <p:nvSpPr>
+          <p:cNvPr id="6" name="텍스트 상자 5"/>
+          <p:cNvSpPr txBox="1"/>
+          <p:nvPr/>
+        </p:nvSpPr>
+        <p:spPr>
+          <a:xfrm>
+            <a:off x="9245600" y="1148080"/>
+            <a:ext cx="1125693" cy="276999"/>
+          </a:xfrm>
+          <a:prstGeom prst="rect">
+            <a:avLst/>
+          </a:prstGeom>
+          <a:noFill/>
+        </p:spPr>
+        <p:txBody>
+          <a:bodyPr wrap="none" rtlCol="0">
+            <a:spAutoFit/>
+          </a:bodyPr>
+          <a:lstStyle/>
+          <a:p>
+            <a:r>
+              <a:rPr kumimoji="1" lang="en-US" altLang="ko-KR" sz="1200" b="1" dirty="0" err="1" smtClean="0"/>
+              <a:t>FrameLayout</a:t>
+            </a:r>
+            <a:endParaRPr kumimoji="1" lang="ko-KR" altLang="en-US" sz="1200" b="1" dirty="0"/>
+          </a:p>
+        </p:txBody>
+      </p:sp>
+      <p:sp>
+        <p:nvSpPr>
+          <p:cNvPr id="7" name="직사각형 6"/>
+          <p:cNvSpPr/>
+          <p:nvPr/>
+        </p:nvSpPr>
+        <p:spPr>
+          <a:xfrm>
+            <a:off x="9672320" y="1967686"/>
+            <a:ext cx="1605280" cy="1669593"/>
+          </a:xfrm>
+          <a:prstGeom prst="rect">
+            <a:avLst/>
+          </a:prstGeom>
+          <a:solidFill>
+            <a:srgbClr val="FF0000"/>
+          </a:solidFill>
+        </p:spPr>
+        <p:style>
+          <a:lnRef idx="2">
+            <a:schemeClr val="accent1">
+              <a:shade val="50000"/>
+            </a:schemeClr>
+          </a:lnRef>
+          <a:fillRef idx="1">
+            <a:schemeClr val="accent1"/>
+          </a:fillRef>
+          <a:effectRef idx="0">
+            <a:schemeClr val="accent1"/>
+          </a:effectRef>
+          <a:fontRef idx="minor">
+            <a:schemeClr val="lt1"/>
+          </a:fontRef>
+        </p:style>
+        <p:txBody>
+          <a:bodyPr rtlCol="0" anchor="ctr"/>
+          <a:lstStyle/>
+          <a:p>
+            <a:pPr algn="ctr"/>
+            <a:endParaRPr kumimoji="1" lang="ko-KR" altLang="en-US"/>
+          </a:p>
+        </p:txBody>
+      </p:sp>
+      <p:sp>
+        <p:nvSpPr>
+          <p:cNvPr id="8" name="텍스트 상자 7"/>
+          <p:cNvSpPr txBox="1"/>
+          <p:nvPr/>
+        </p:nvSpPr>
+        <p:spPr>
+          <a:xfrm>
+            <a:off x="9672320" y="2069534"/>
+            <a:ext cx="535724" cy="276999"/>
+          </a:xfrm>
+          <a:prstGeom prst="rect">
+            <a:avLst/>
+          </a:prstGeom>
+          <a:noFill/>
+        </p:spPr>
+        <p:txBody>
+          <a:bodyPr wrap="none" rtlCol="0">
+            <a:spAutoFit/>
+          </a:bodyPr>
+          <a:lstStyle/>
+          <a:p>
+            <a:r>
+              <a:rPr kumimoji="1" lang="en-US" altLang="ko-KR" sz="1200" b="1" dirty="0" smtClean="0"/>
+              <a:t>View</a:t>
+            </a:r>
+            <a:endParaRPr kumimoji="1" lang="ko-KR" altLang="en-US" sz="1200" b="1" dirty="0"/>
+          </a:p>
+        </p:txBody>
+      </p:sp>
+      <p:sp>
+        <p:nvSpPr>
+          <p:cNvPr id="9" name="위쪽 화살표 설명선[U] 8"/>
+          <p:cNvSpPr/>
+          <p:nvPr/>
+        </p:nvSpPr>
+        <p:spPr>
+          <a:xfrm>
+            <a:off x="10092582" y="2605889"/>
+            <a:ext cx="815556" cy="1564640"/>
+          </a:xfrm>
+          <a:prstGeom prst="upArrowCallout">
+            <a:avLst/>
+          </a:prstGeom>
+          <a:solidFill>
+            <a:schemeClr val="accent4">
+              <a:lumMod val="20000"/>
+              <a:lumOff val="80000"/>
+            </a:schemeClr>
+          </a:solidFill>
+        </p:spPr>
+        <p:style>
+          <a:lnRef idx="2">
+            <a:schemeClr val="accent1">
+              <a:shade val="50000"/>
+            </a:schemeClr>
+          </a:lnRef>
+          <a:fillRef idx="1">
+            <a:schemeClr val="accent1"/>
+          </a:fillRef>
+          <a:effectRef idx="0">
+            <a:schemeClr val="accent1"/>
+          </a:effectRef>
+          <a:fontRef idx="minor">
+            <a:schemeClr val="lt1"/>
+          </a:fontRef>
+        </p:style>
+        <p:txBody>
+          <a:bodyPr rtlCol="0" anchor="ctr"/>
+          <a:lstStyle/>
+          <a:p>
+            <a:pPr algn="ctr"/>
+            <a:r>
+              <a:rPr kumimoji="1" lang="en-US" altLang="ko-KR" sz="1500" dirty="0" smtClean="0">
+                <a:solidFill>
+                  <a:schemeClr val="accent6">
+                    <a:lumMod val="50000"/>
+                  </a:schemeClr>
+                </a:solidFill>
+              </a:rPr>
+              <a:t>Touch</a:t>
+            </a:r>
+            <a:endParaRPr kumimoji="1" lang="ko-KR" altLang="en-US" sz="1500" dirty="0">
+              <a:solidFill>
+                <a:schemeClr val="accent6">
+                  <a:lumMod val="50000"/>
+                </a:schemeClr>
+              </a:solidFill>
+            </a:endParaRPr>
+          </a:p>
+        </p:txBody>
+      </p:sp>
+      <p:sp>
+        <p:nvSpPr>
+          <p:cNvPr id="10" name="텍스트 상자 9"/>
+          <p:cNvSpPr txBox="1"/>
+          <p:nvPr/>
+        </p:nvSpPr>
+        <p:spPr>
+          <a:xfrm>
+            <a:off x="436880" y="1598354"/>
+            <a:ext cx="841897" cy="369332"/>
+          </a:xfrm>
+          <a:prstGeom prst="rect">
+            <a:avLst/>
+          </a:prstGeom>
+          <a:noFill/>
+        </p:spPr>
+        <p:txBody>
+          <a:bodyPr wrap="none" rtlCol="0">
+            <a:spAutoFit/>
+          </a:bodyPr>
+          <a:lstStyle/>
+          <a:p>
+            <a:r>
+              <a:rPr kumimoji="1" lang="en-US" altLang="ko-KR" smtClean="0"/>
+              <a:t>Down:</a:t>
+            </a:r>
+            <a:endParaRPr kumimoji="1" lang="ko-KR" altLang="en-US" dirty="0"/>
+          </a:p>
+        </p:txBody>
+      </p:sp>
+      <p:sp>
+        <p:nvSpPr>
+          <p:cNvPr id="11" name="모서리가 둥근 직사각형 10"/>
+          <p:cNvSpPr/>
+          <p:nvPr/>
+        </p:nvSpPr>
+        <p:spPr>
+          <a:xfrm>
+            <a:off x="436880" y="2045473"/>
+            <a:ext cx="2380196" cy="397856"/>
+          </a:xfrm>
+          <a:prstGeom prst="roundRect">
+            <a:avLst/>
+          </a:prstGeom>
+          <a:solidFill>
+            <a:schemeClr val="bg1">
+              <a:lumMod val="95000"/>
+            </a:schemeClr>
+          </a:solidFill>
+          <a:ln w="28575">
+            <a:solidFill>
+              <a:schemeClr val="tx1"/>
+            </a:solidFill>
+          </a:ln>
+        </p:spPr>
+        <p:style>
+          <a:lnRef idx="2">
+            <a:schemeClr val="accent1">
+              <a:shade val="50000"/>
+            </a:schemeClr>
+          </a:lnRef>
+          <a:fillRef idx="1">
+            <a:schemeClr val="accent1"/>
+          </a:fillRef>
+          <a:effectRef idx="0">
+            <a:schemeClr val="accent1"/>
+          </a:effectRef>
+          <a:fontRef idx="minor">
+            <a:schemeClr val="lt1"/>
+          </a:fontRef>
+        </p:style>
+        <p:txBody>
+          <a:bodyPr lIns="0" tIns="0" rIns="0" bIns="0" rtlCol="0" anchor="ctr"/>
+          <a:lstStyle/>
+          <a:p>
+            <a:pPr algn="ctr"/>
+            <a:r>
+              <a:rPr kumimoji="1" lang="en-US" altLang="ko-KR" sz="1200" dirty="0" err="1" smtClean="0">
+                <a:solidFill>
+                  <a:schemeClr val="tx1"/>
+                </a:solidFill>
+              </a:rPr>
+              <a:t>Activity.dispatchTouchEvent</a:t>
+            </a:r>
+            <a:r>
+              <a:rPr kumimoji="1" lang="en-US" altLang="ko-KR" sz="1200" dirty="0" smtClean="0">
+                <a:solidFill>
+                  <a:schemeClr val="tx1"/>
+                </a:solidFill>
+              </a:rPr>
+              <a:t>()</a:t>
+            </a:r>
+            <a:endParaRPr kumimoji="1" lang="ko-KR" altLang="en-US" sz="1200" dirty="0">
+              <a:solidFill>
+                <a:schemeClr val="tx1"/>
+              </a:solidFill>
+            </a:endParaRPr>
+          </a:p>
+        </p:txBody>
+      </p:sp>
+      <p:sp>
+        <p:nvSpPr>
+          <p:cNvPr id="12" name="모서리가 둥근 직사각형 11"/>
+          <p:cNvSpPr/>
+          <p:nvPr/>
+        </p:nvSpPr>
+        <p:spPr>
+          <a:xfrm>
+            <a:off x="3356502" y="2045473"/>
+            <a:ext cx="2380196" cy="397856"/>
+          </a:xfrm>
+          <a:prstGeom prst="roundRect">
+            <a:avLst/>
+          </a:prstGeom>
+          <a:solidFill>
+            <a:schemeClr val="bg1">
+              <a:lumMod val="95000"/>
+            </a:schemeClr>
+          </a:solidFill>
+          <a:ln w="28575">
+            <a:solidFill>
+              <a:schemeClr val="tx1"/>
+            </a:solidFill>
+          </a:ln>
+        </p:spPr>
+        <p:style>
+          <a:lnRef idx="2">
+            <a:schemeClr val="accent1">
+              <a:shade val="50000"/>
+            </a:schemeClr>
+          </a:lnRef>
+          <a:fillRef idx="1">
+            <a:schemeClr val="accent1"/>
+          </a:fillRef>
+          <a:effectRef idx="0">
+            <a:schemeClr val="accent1"/>
+          </a:effectRef>
+          <a:fontRef idx="minor">
+            <a:schemeClr val="lt1"/>
+          </a:fontRef>
+        </p:style>
+        <p:txBody>
+          <a:bodyPr lIns="0" tIns="0" rIns="0" bIns="0" rtlCol="0" anchor="ctr"/>
+          <a:lstStyle/>
+          <a:p>
+            <a:pPr lvl="0" algn="ctr"/>
+            <a:r>
+              <a:rPr kumimoji="1" lang="en-US" altLang="ko-KR" sz="1200" dirty="0" err="1" smtClean="0">
+                <a:solidFill>
+                  <a:prstClr val="black"/>
+                </a:solidFill>
+              </a:rPr>
+              <a:t>ViewGroup.dispatchTouchEvent</a:t>
+            </a:r>
+            <a:r>
+              <a:rPr kumimoji="1" lang="en-US" altLang="ko-KR" sz="1200" dirty="0" smtClean="0">
+                <a:solidFill>
+                  <a:prstClr val="black"/>
+                </a:solidFill>
+              </a:rPr>
+              <a:t>()</a:t>
+            </a:r>
+            <a:endParaRPr kumimoji="1" lang="ko-KR" altLang="en-US" sz="1200" dirty="0">
+              <a:solidFill>
+                <a:prstClr val="black"/>
+              </a:solidFill>
+            </a:endParaRPr>
+          </a:p>
+        </p:txBody>
+      </p:sp>
+      <p:sp>
+        <p:nvSpPr>
+          <p:cNvPr id="13" name="모서리가 둥근 직사각형 12"/>
+          <p:cNvSpPr/>
+          <p:nvPr/>
+        </p:nvSpPr>
+        <p:spPr>
+          <a:xfrm>
+            <a:off x="6276124" y="2045473"/>
+            <a:ext cx="2380196" cy="397856"/>
+          </a:xfrm>
+          <a:prstGeom prst="roundRect">
+            <a:avLst/>
+          </a:prstGeom>
+          <a:solidFill>
+            <a:schemeClr val="bg1">
+              <a:lumMod val="95000"/>
+            </a:schemeClr>
+          </a:solidFill>
+          <a:ln w="28575">
+            <a:solidFill>
+              <a:schemeClr val="tx1"/>
+            </a:solidFill>
+          </a:ln>
+        </p:spPr>
+        <p:style>
+          <a:lnRef idx="2">
+            <a:schemeClr val="accent1">
+              <a:shade val="50000"/>
+            </a:schemeClr>
+          </a:lnRef>
+          <a:fillRef idx="1">
+            <a:schemeClr val="accent1"/>
+          </a:fillRef>
+          <a:effectRef idx="0">
+            <a:schemeClr val="accent1"/>
+          </a:effectRef>
+          <a:fontRef idx="minor">
+            <a:schemeClr val="lt1"/>
+          </a:fontRef>
+        </p:style>
+        <p:txBody>
+          <a:bodyPr lIns="0" tIns="0" rIns="0" bIns="0" rtlCol="0" anchor="ctr"/>
+          <a:lstStyle/>
+          <a:p>
+            <a:pPr algn="ctr"/>
+            <a:r>
+              <a:rPr kumimoji="1" lang="en-US" altLang="ko-KR" sz="1200" dirty="0" err="1" smtClean="0">
+                <a:solidFill>
+                  <a:schemeClr val="tx1"/>
+                </a:solidFill>
+              </a:rPr>
+              <a:t>View.dispatchTouchEvent</a:t>
+            </a:r>
+            <a:r>
+              <a:rPr kumimoji="1" lang="en-US" altLang="ko-KR" sz="1200" dirty="0" smtClean="0">
+                <a:solidFill>
+                  <a:schemeClr val="tx1"/>
+                </a:solidFill>
+              </a:rPr>
+              <a:t>()</a:t>
+            </a:r>
+            <a:endParaRPr kumimoji="1" lang="ko-KR" altLang="en-US" sz="1200" dirty="0">
+              <a:solidFill>
+                <a:schemeClr val="tx1"/>
+              </a:solidFill>
+            </a:endParaRPr>
+          </a:p>
+        </p:txBody>
+      </p:sp>
+      <p:sp>
+        <p:nvSpPr>
+          <p:cNvPr id="16" name="모서리가 둥근 직사각형 15"/>
+          <p:cNvSpPr/>
+          <p:nvPr/>
+        </p:nvSpPr>
+        <p:spPr>
+          <a:xfrm>
+            <a:off x="436880" y="2902638"/>
+            <a:ext cx="2380196" cy="397856"/>
+          </a:xfrm>
+          <a:prstGeom prst="roundRect">
+            <a:avLst/>
+          </a:prstGeom>
+          <a:solidFill>
+            <a:schemeClr val="bg1">
+              <a:lumMod val="95000"/>
+            </a:schemeClr>
+          </a:solidFill>
+          <a:ln w="28575">
+            <a:solidFill>
+              <a:schemeClr val="bg1">
+                <a:lumMod val="85000"/>
+              </a:schemeClr>
+            </a:solidFill>
+          </a:ln>
+        </p:spPr>
+        <p:style>
+          <a:lnRef idx="2">
+            <a:schemeClr val="accent1">
+              <a:shade val="50000"/>
+            </a:schemeClr>
+          </a:lnRef>
+          <a:fillRef idx="1">
+            <a:schemeClr val="accent1"/>
+          </a:fillRef>
+          <a:effectRef idx="0">
+            <a:schemeClr val="accent1"/>
+          </a:effectRef>
+          <a:fontRef idx="minor">
+            <a:schemeClr val="lt1"/>
+          </a:fontRef>
+        </p:style>
+        <p:txBody>
+          <a:bodyPr lIns="0" tIns="0" rIns="0" bIns="0" rtlCol="0" anchor="ctr"/>
+          <a:lstStyle/>
+          <a:p>
+            <a:pPr algn="ctr"/>
+            <a:r>
+              <a:rPr kumimoji="1" lang="en-US" altLang="ko-KR" sz="1200" dirty="0" err="1" smtClean="0">
+                <a:solidFill>
+                  <a:schemeClr val="bg1">
+                    <a:lumMod val="85000"/>
+                  </a:schemeClr>
+                </a:solidFill>
+              </a:rPr>
+              <a:t>Activity.onTouchEvent</a:t>
+            </a:r>
+            <a:r>
+              <a:rPr kumimoji="1" lang="en-US" altLang="ko-KR" sz="1200" dirty="0" smtClean="0">
+                <a:solidFill>
+                  <a:schemeClr val="bg1">
+                    <a:lumMod val="85000"/>
+                  </a:schemeClr>
+                </a:solidFill>
+              </a:rPr>
+              <a:t>()</a:t>
+            </a:r>
+            <a:endParaRPr kumimoji="1" lang="ko-KR" altLang="en-US" sz="1200" dirty="0">
+              <a:solidFill>
+                <a:schemeClr val="bg1">
+                  <a:lumMod val="85000"/>
+                </a:schemeClr>
+              </a:solidFill>
+            </a:endParaRPr>
+          </a:p>
+        </p:txBody>
+      </p:sp>
+      <p:sp>
+        <p:nvSpPr>
+          <p:cNvPr id="17" name="모서리가 둥근 직사각형 16"/>
+          <p:cNvSpPr/>
+          <p:nvPr/>
+        </p:nvSpPr>
+        <p:spPr>
+          <a:xfrm>
+            <a:off x="3356502" y="2902638"/>
+            <a:ext cx="2380196" cy="397856"/>
+          </a:xfrm>
+          <a:prstGeom prst="roundRect">
+            <a:avLst/>
+          </a:prstGeom>
+          <a:solidFill>
+            <a:schemeClr val="bg1">
+              <a:lumMod val="95000"/>
+            </a:schemeClr>
+          </a:solidFill>
+          <a:ln w="28575">
+            <a:solidFill>
+              <a:schemeClr val="bg1">
+                <a:lumMod val="85000"/>
+              </a:schemeClr>
+            </a:solidFill>
+          </a:ln>
+        </p:spPr>
+        <p:style>
+          <a:lnRef idx="2">
+            <a:schemeClr val="accent1">
+              <a:shade val="50000"/>
+            </a:schemeClr>
+          </a:lnRef>
+          <a:fillRef idx="1">
+            <a:schemeClr val="accent1"/>
+          </a:fillRef>
+          <a:effectRef idx="0">
+            <a:schemeClr val="accent1"/>
+          </a:effectRef>
+          <a:fontRef idx="minor">
+            <a:schemeClr val="lt1"/>
+          </a:fontRef>
+        </p:style>
+        <p:txBody>
+          <a:bodyPr lIns="0" tIns="0" rIns="0" bIns="0" rtlCol="0" anchor="ctr"/>
+          <a:lstStyle/>
+          <a:p>
+            <a:pPr algn="ctr"/>
+            <a:r>
+              <a:rPr kumimoji="1" lang="en-US" altLang="ko-KR" sz="1200" dirty="0" err="1" smtClean="0">
+                <a:solidFill>
+                  <a:schemeClr val="bg1">
+                    <a:lumMod val="85000"/>
+                  </a:schemeClr>
+                </a:solidFill>
+              </a:rPr>
+              <a:t>ViewGroup.onTouchEvent</a:t>
+            </a:r>
+            <a:r>
+              <a:rPr kumimoji="1" lang="en-US" altLang="ko-KR" sz="1200" dirty="0" smtClean="0">
+                <a:solidFill>
+                  <a:schemeClr val="bg1">
+                    <a:lumMod val="85000"/>
+                  </a:schemeClr>
+                </a:solidFill>
+              </a:rPr>
+              <a:t>()</a:t>
+            </a:r>
+          </a:p>
+        </p:txBody>
+      </p:sp>
+      <p:sp>
+        <p:nvSpPr>
+          <p:cNvPr id="18" name="모서리가 둥근 직사각형 17"/>
+          <p:cNvSpPr/>
+          <p:nvPr/>
+        </p:nvSpPr>
+        <p:spPr>
+          <a:xfrm>
+            <a:off x="6276124" y="2902638"/>
+            <a:ext cx="2380196" cy="397856"/>
+          </a:xfrm>
+          <a:prstGeom prst="roundRect">
+            <a:avLst/>
+          </a:prstGeom>
+          <a:solidFill>
+            <a:schemeClr val="bg1">
+              <a:lumMod val="95000"/>
+            </a:schemeClr>
+          </a:solidFill>
+          <a:ln w="28575">
+            <a:solidFill>
+              <a:schemeClr val="tx1"/>
+            </a:solidFill>
+          </a:ln>
+        </p:spPr>
+        <p:style>
+          <a:lnRef idx="2">
+            <a:schemeClr val="accent1">
+              <a:shade val="50000"/>
+            </a:schemeClr>
+          </a:lnRef>
+          <a:fillRef idx="1">
+            <a:schemeClr val="accent1"/>
+          </a:fillRef>
+          <a:effectRef idx="0">
+            <a:schemeClr val="accent1"/>
+          </a:effectRef>
+          <a:fontRef idx="minor">
+            <a:schemeClr val="lt1"/>
+          </a:fontRef>
+        </p:style>
+        <p:txBody>
+          <a:bodyPr lIns="0" tIns="0" rIns="0" bIns="0" rtlCol="0" anchor="ctr"/>
+          <a:lstStyle/>
+          <a:p>
+            <a:pPr algn="ctr"/>
+            <a:r>
+              <a:rPr kumimoji="1" lang="en-US" altLang="ko-KR" sz="1200" dirty="0" err="1" smtClean="0">
+                <a:solidFill>
+                  <a:schemeClr val="tx1"/>
+                </a:solidFill>
+              </a:rPr>
+              <a:t>View.onTouchEvent</a:t>
+            </a:r>
+            <a:r>
+              <a:rPr kumimoji="1" lang="en-US" altLang="ko-KR" sz="1200" dirty="0" smtClean="0">
+                <a:solidFill>
+                  <a:schemeClr val="tx1"/>
+                </a:solidFill>
+              </a:rPr>
+              <a:t>()</a:t>
+            </a:r>
+            <a:endParaRPr kumimoji="1" lang="ko-KR" altLang="en-US" sz="1200" dirty="0">
+              <a:solidFill>
+                <a:schemeClr val="tx1"/>
+              </a:solidFill>
+            </a:endParaRPr>
+          </a:p>
+        </p:txBody>
+      </p:sp>
+      <p:sp>
+        <p:nvSpPr>
+          <p:cNvPr id="25" name="텍스트 상자 24"/>
+          <p:cNvSpPr txBox="1"/>
+          <p:nvPr/>
+        </p:nvSpPr>
+        <p:spPr>
+          <a:xfrm>
+            <a:off x="447040" y="3854920"/>
+            <a:ext cx="1210781" cy="369332"/>
+          </a:xfrm>
+          <a:prstGeom prst="rect">
+            <a:avLst/>
+          </a:prstGeom>
+          <a:noFill/>
+        </p:spPr>
+        <p:txBody>
+          <a:bodyPr wrap="none" rtlCol="0">
+            <a:spAutoFit/>
+          </a:bodyPr>
+          <a:lstStyle/>
+          <a:p>
+            <a:r>
+              <a:rPr kumimoji="1" lang="en-US" altLang="ko-KR" smtClean="0"/>
+              <a:t>Move/Up:</a:t>
+            </a:r>
+            <a:endParaRPr kumimoji="1" lang="ko-KR" altLang="en-US" dirty="0"/>
+          </a:p>
+        </p:txBody>
+      </p:sp>
+      <p:sp>
+        <p:nvSpPr>
+          <p:cNvPr id="26" name="모서리가 둥근 직사각형 25"/>
+          <p:cNvSpPr/>
+          <p:nvPr/>
+        </p:nvSpPr>
+        <p:spPr>
+          <a:xfrm>
+            <a:off x="436880" y="4380822"/>
+            <a:ext cx="2380196" cy="397856"/>
+          </a:xfrm>
+          <a:prstGeom prst="roundRect">
+            <a:avLst/>
+          </a:prstGeom>
+          <a:solidFill>
+            <a:schemeClr val="bg1">
+              <a:lumMod val="95000"/>
+            </a:schemeClr>
+          </a:solidFill>
+          <a:ln w="28575">
+            <a:solidFill>
+              <a:schemeClr val="tx1"/>
+            </a:solidFill>
+          </a:ln>
+        </p:spPr>
+        <p:style>
+          <a:lnRef idx="2">
+            <a:schemeClr val="accent1">
+              <a:shade val="50000"/>
+            </a:schemeClr>
+          </a:lnRef>
+          <a:fillRef idx="1">
+            <a:schemeClr val="accent1"/>
+          </a:fillRef>
+          <a:effectRef idx="0">
+            <a:schemeClr val="accent1"/>
+          </a:effectRef>
+          <a:fontRef idx="minor">
+            <a:schemeClr val="lt1"/>
+          </a:fontRef>
+        </p:style>
+        <p:txBody>
+          <a:bodyPr lIns="0" tIns="0" rIns="0" bIns="0" rtlCol="0" anchor="ctr"/>
+          <a:lstStyle/>
+          <a:p>
+            <a:pPr algn="ctr"/>
+            <a:r>
+              <a:rPr kumimoji="1" lang="en-US" altLang="ko-KR" sz="1200" dirty="0" err="1" smtClean="0">
+                <a:solidFill>
+                  <a:schemeClr val="tx1"/>
+                </a:solidFill>
+              </a:rPr>
+              <a:t>Activity.dispatchTouchEvent</a:t>
+            </a:r>
+            <a:r>
+              <a:rPr kumimoji="1" lang="en-US" altLang="ko-KR" sz="1200" dirty="0" smtClean="0">
+                <a:solidFill>
+                  <a:schemeClr val="tx1"/>
+                </a:solidFill>
+              </a:rPr>
+              <a:t>()</a:t>
+            </a:r>
+            <a:endParaRPr kumimoji="1" lang="ko-KR" altLang="en-US" sz="1200" dirty="0">
+              <a:solidFill>
+                <a:schemeClr val="tx1"/>
+              </a:solidFill>
+            </a:endParaRPr>
+          </a:p>
+        </p:txBody>
+      </p:sp>
+      <p:sp>
+        <p:nvSpPr>
+          <p:cNvPr id="27" name="모서리가 둥근 직사각형 26"/>
+          <p:cNvSpPr/>
+          <p:nvPr/>
+        </p:nvSpPr>
+        <p:spPr>
+          <a:xfrm>
+            <a:off x="3356502" y="4380822"/>
+            <a:ext cx="2380196" cy="397856"/>
+          </a:xfrm>
+          <a:prstGeom prst="roundRect">
+            <a:avLst/>
+          </a:prstGeom>
+          <a:solidFill>
+            <a:schemeClr val="bg1">
+              <a:lumMod val="95000"/>
+            </a:schemeClr>
+          </a:solidFill>
+          <a:ln w="28575">
+            <a:solidFill>
+              <a:schemeClr val="tx1"/>
+            </a:solidFill>
+          </a:ln>
+        </p:spPr>
+        <p:style>
+          <a:lnRef idx="2">
+            <a:schemeClr val="accent1">
+              <a:shade val="50000"/>
+            </a:schemeClr>
+          </a:lnRef>
+          <a:fillRef idx="1">
+            <a:schemeClr val="accent1"/>
+          </a:fillRef>
+          <a:effectRef idx="0">
+            <a:schemeClr val="accent1"/>
+          </a:effectRef>
+          <a:fontRef idx="minor">
+            <a:schemeClr val="lt1"/>
+          </a:fontRef>
+        </p:style>
+        <p:txBody>
+          <a:bodyPr lIns="0" tIns="0" rIns="0" bIns="0" rtlCol="0" anchor="ctr"/>
+          <a:lstStyle/>
+          <a:p>
+            <a:pPr lvl="0" algn="ctr"/>
+            <a:r>
+              <a:rPr kumimoji="1" lang="en-US" altLang="ko-KR" sz="1200" dirty="0" err="1" smtClean="0">
+                <a:solidFill>
+                  <a:schemeClr val="tx1"/>
+                </a:solidFill>
+              </a:rPr>
+              <a:t>ViewGroup.dispatchTouchEvent</a:t>
+            </a:r>
+            <a:r>
+              <a:rPr kumimoji="1" lang="en-US" altLang="ko-KR" sz="1200" dirty="0" smtClean="0">
+                <a:solidFill>
+                  <a:schemeClr val="tx1"/>
+                </a:solidFill>
+              </a:rPr>
+              <a:t>()</a:t>
+            </a:r>
+            <a:endParaRPr kumimoji="1" lang="ko-KR" altLang="en-US" sz="1200" dirty="0">
+              <a:solidFill>
+                <a:schemeClr val="tx1"/>
+              </a:solidFill>
+            </a:endParaRPr>
+          </a:p>
+        </p:txBody>
+      </p:sp>
+      <p:sp>
+        <p:nvSpPr>
+          <p:cNvPr id="28" name="모서리가 둥근 직사각형 27"/>
+          <p:cNvSpPr/>
+          <p:nvPr/>
+        </p:nvSpPr>
+        <p:spPr>
+          <a:xfrm>
+            <a:off x="6276124" y="4380822"/>
+            <a:ext cx="2380196" cy="397856"/>
+          </a:xfrm>
+          <a:prstGeom prst="roundRect">
+            <a:avLst/>
+          </a:prstGeom>
+          <a:solidFill>
+            <a:schemeClr val="bg1">
+              <a:lumMod val="95000"/>
+            </a:schemeClr>
+          </a:solidFill>
+          <a:ln w="28575">
+            <a:solidFill>
+              <a:schemeClr val="tx1"/>
+            </a:solidFill>
+          </a:ln>
+        </p:spPr>
+        <p:style>
+          <a:lnRef idx="2">
+            <a:schemeClr val="accent1">
+              <a:shade val="50000"/>
+            </a:schemeClr>
+          </a:lnRef>
+          <a:fillRef idx="1">
+            <a:schemeClr val="accent1"/>
+          </a:fillRef>
+          <a:effectRef idx="0">
+            <a:schemeClr val="accent1"/>
+          </a:effectRef>
+          <a:fontRef idx="minor">
+            <a:schemeClr val="lt1"/>
+          </a:fontRef>
+        </p:style>
+        <p:txBody>
+          <a:bodyPr lIns="0" tIns="0" rIns="0" bIns="0" rtlCol="0" anchor="ctr"/>
+          <a:lstStyle/>
+          <a:p>
+            <a:pPr algn="ctr"/>
+            <a:r>
+              <a:rPr kumimoji="1" lang="en-US" altLang="ko-KR" sz="1200" dirty="0" err="1" smtClean="0">
+                <a:solidFill>
+                  <a:schemeClr val="tx1"/>
+                </a:solidFill>
+              </a:rPr>
+              <a:t>View.dispatchTouchEvent</a:t>
+            </a:r>
+            <a:r>
+              <a:rPr kumimoji="1" lang="en-US" altLang="ko-KR" sz="1200" dirty="0" smtClean="0">
+                <a:solidFill>
+                  <a:schemeClr val="tx1"/>
+                </a:solidFill>
+              </a:rPr>
+              <a:t>()</a:t>
+            </a:r>
+            <a:endParaRPr kumimoji="1" lang="ko-KR" altLang="en-US" sz="1200" dirty="0">
+              <a:solidFill>
+                <a:schemeClr val="tx1"/>
+              </a:solidFill>
+            </a:endParaRPr>
+          </a:p>
+        </p:txBody>
+      </p:sp>
+      <p:sp>
+        <p:nvSpPr>
+          <p:cNvPr id="29" name="모서리가 둥근 직사각형 28"/>
+          <p:cNvSpPr/>
+          <p:nvPr/>
+        </p:nvSpPr>
+        <p:spPr>
+          <a:xfrm>
+            <a:off x="436880" y="5237987"/>
+            <a:ext cx="2380196" cy="397856"/>
+          </a:xfrm>
+          <a:prstGeom prst="roundRect">
+            <a:avLst/>
+          </a:prstGeom>
+          <a:solidFill>
+            <a:schemeClr val="bg1">
+              <a:lumMod val="95000"/>
+            </a:schemeClr>
+          </a:solidFill>
+          <a:ln w="28575">
+            <a:solidFill>
+              <a:schemeClr val="bg1">
+                <a:lumMod val="85000"/>
+              </a:schemeClr>
+            </a:solidFill>
+          </a:ln>
+        </p:spPr>
+        <p:style>
+          <a:lnRef idx="2">
+            <a:schemeClr val="accent1">
+              <a:shade val="50000"/>
+            </a:schemeClr>
+          </a:lnRef>
+          <a:fillRef idx="1">
+            <a:schemeClr val="accent1"/>
+          </a:fillRef>
+          <a:effectRef idx="0">
+            <a:schemeClr val="accent1"/>
+          </a:effectRef>
+          <a:fontRef idx="minor">
+            <a:schemeClr val="lt1"/>
+          </a:fontRef>
+        </p:style>
+        <p:txBody>
+          <a:bodyPr lIns="0" tIns="0" rIns="0" bIns="0" rtlCol="0" anchor="ctr"/>
+          <a:lstStyle/>
+          <a:p>
+            <a:pPr algn="ctr"/>
+            <a:r>
+              <a:rPr kumimoji="1" lang="en-US" altLang="ko-KR" sz="1200" dirty="0" err="1" smtClean="0">
+                <a:solidFill>
+                  <a:schemeClr val="bg1">
+                    <a:lumMod val="85000"/>
+                  </a:schemeClr>
+                </a:solidFill>
+              </a:rPr>
+              <a:t>Activity.onTouchEvent</a:t>
+            </a:r>
+            <a:r>
+              <a:rPr kumimoji="1" lang="en-US" altLang="ko-KR" sz="1200" dirty="0" smtClean="0">
+                <a:solidFill>
+                  <a:schemeClr val="bg1">
+                    <a:lumMod val="85000"/>
+                  </a:schemeClr>
+                </a:solidFill>
+              </a:rPr>
+              <a:t>()</a:t>
+            </a:r>
+            <a:endParaRPr kumimoji="1" lang="ko-KR" altLang="en-US" sz="1200" dirty="0">
+              <a:solidFill>
+                <a:schemeClr val="bg1">
+                  <a:lumMod val="85000"/>
+                </a:schemeClr>
+              </a:solidFill>
+            </a:endParaRPr>
+          </a:p>
+        </p:txBody>
+      </p:sp>
+      <p:sp>
+        <p:nvSpPr>
+          <p:cNvPr id="30" name="모서리가 둥근 직사각형 29"/>
+          <p:cNvSpPr/>
+          <p:nvPr/>
+        </p:nvSpPr>
+        <p:spPr>
+          <a:xfrm>
+            <a:off x="3356502" y="5237987"/>
+            <a:ext cx="2380196" cy="397856"/>
+          </a:xfrm>
+          <a:prstGeom prst="roundRect">
+            <a:avLst/>
+          </a:prstGeom>
+          <a:solidFill>
+            <a:schemeClr val="bg1">
+              <a:lumMod val="95000"/>
+            </a:schemeClr>
+          </a:solidFill>
+          <a:ln w="28575">
+            <a:solidFill>
+              <a:schemeClr val="bg1">
+                <a:lumMod val="85000"/>
+              </a:schemeClr>
+            </a:solidFill>
+          </a:ln>
+        </p:spPr>
+        <p:style>
+          <a:lnRef idx="2">
+            <a:schemeClr val="accent1">
+              <a:shade val="50000"/>
+            </a:schemeClr>
+          </a:lnRef>
+          <a:fillRef idx="1">
+            <a:schemeClr val="accent1"/>
+          </a:fillRef>
+          <a:effectRef idx="0">
+            <a:schemeClr val="accent1"/>
+          </a:effectRef>
+          <a:fontRef idx="minor">
+            <a:schemeClr val="lt1"/>
+          </a:fontRef>
+        </p:style>
+        <p:txBody>
+          <a:bodyPr lIns="0" tIns="0" rIns="0" bIns="0" rtlCol="0" anchor="ctr"/>
+          <a:lstStyle/>
+          <a:p>
+            <a:pPr algn="ctr"/>
+            <a:r>
+              <a:rPr kumimoji="1" lang="en-US" altLang="ko-KR" sz="1200" dirty="0" err="1" smtClean="0">
+                <a:solidFill>
+                  <a:schemeClr val="bg1">
+                    <a:lumMod val="85000"/>
+                  </a:schemeClr>
+                </a:solidFill>
+              </a:rPr>
+              <a:t>ViewGroup.onTouchEvent</a:t>
+            </a:r>
+            <a:r>
+              <a:rPr kumimoji="1" lang="en-US" altLang="ko-KR" sz="1200" dirty="0" smtClean="0">
+                <a:solidFill>
+                  <a:schemeClr val="bg1">
+                    <a:lumMod val="85000"/>
+                  </a:schemeClr>
+                </a:solidFill>
+              </a:rPr>
+              <a:t>()</a:t>
+            </a:r>
+          </a:p>
+        </p:txBody>
+      </p:sp>
+      <p:sp>
+        <p:nvSpPr>
+          <p:cNvPr id="31" name="모서리가 둥근 직사각형 30"/>
+          <p:cNvSpPr/>
+          <p:nvPr/>
+        </p:nvSpPr>
+        <p:spPr>
+          <a:xfrm>
+            <a:off x="6276124" y="5237987"/>
+            <a:ext cx="2380196" cy="397856"/>
+          </a:xfrm>
+          <a:prstGeom prst="roundRect">
+            <a:avLst/>
+          </a:prstGeom>
+          <a:solidFill>
+            <a:schemeClr val="bg1">
+              <a:lumMod val="95000"/>
+            </a:schemeClr>
+          </a:solidFill>
+          <a:ln w="28575">
+            <a:solidFill>
+              <a:schemeClr val="tx1"/>
+            </a:solidFill>
+          </a:ln>
+        </p:spPr>
+        <p:style>
+          <a:lnRef idx="2">
+            <a:schemeClr val="accent1">
+              <a:shade val="50000"/>
+            </a:schemeClr>
+          </a:lnRef>
+          <a:fillRef idx="1">
+            <a:schemeClr val="accent1"/>
+          </a:fillRef>
+          <a:effectRef idx="0">
+            <a:schemeClr val="accent1"/>
+          </a:effectRef>
+          <a:fontRef idx="minor">
+            <a:schemeClr val="lt1"/>
+          </a:fontRef>
+        </p:style>
+        <p:txBody>
+          <a:bodyPr lIns="0" tIns="0" rIns="0" bIns="0" rtlCol="0" anchor="ctr"/>
+          <a:lstStyle/>
+          <a:p>
+            <a:pPr algn="ctr"/>
+            <a:r>
+              <a:rPr kumimoji="1" lang="en-US" altLang="ko-KR" sz="1200" dirty="0" err="1" smtClean="0">
+                <a:solidFill>
+                  <a:schemeClr val="tx1"/>
+                </a:solidFill>
+              </a:rPr>
+              <a:t>View.onTouchEvent</a:t>
+            </a:r>
+            <a:r>
+              <a:rPr kumimoji="1" lang="en-US" altLang="ko-KR" sz="1200" dirty="0" smtClean="0">
+                <a:solidFill>
+                  <a:schemeClr val="tx1"/>
+                </a:solidFill>
+              </a:rPr>
+              <a:t>()</a:t>
+            </a:r>
+            <a:endParaRPr kumimoji="1" lang="ko-KR" altLang="en-US" sz="1200" dirty="0">
+              <a:solidFill>
+                <a:schemeClr val="tx1"/>
+              </a:solidFill>
+            </a:endParaRPr>
+          </a:p>
+        </p:txBody>
+      </p:sp>
+      <p:cxnSp>
+        <p:nvCxnSpPr>
+          <p:cNvPr id="33" name="직선 화살표 연결선 32"/>
+          <p:cNvCxnSpPr>
+            <a:stCxn id="11" idx="3"/>
+            <a:endCxn id="12" idx="1"/>
+          </p:cNvCxnSpPr>
+          <p:nvPr/>
+        </p:nvCxnSpPr>
+        <p:spPr>
+          <a:xfrm>
+            <a:off x="2817076" y="2244401"/>
+            <a:ext cx="539426" cy="0"/>
+          </a:xfrm>
+          <a:prstGeom prst="straightConnector1">
+            <a:avLst/>
+          </a:prstGeom>
+          <a:ln w="28575">
+            <a:solidFill>
+              <a:schemeClr val="tx1"/>
+            </a:solidFill>
+            <a:tailEnd type="triangle" w="lg" len="lg"/>
+          </a:ln>
+        </p:spPr>
+        <p:style>
+          <a:lnRef idx="1">
+            <a:schemeClr val="accent1"/>
+          </a:lnRef>
+          <a:fillRef idx="0">
+            <a:schemeClr val="accent1"/>
+          </a:fillRef>
+          <a:effectRef idx="0">
+            <a:schemeClr val="accent1"/>
+          </a:effectRef>
+          <a:fontRef idx="minor">
+            <a:schemeClr val="tx1"/>
+          </a:fontRef>
+        </p:style>
+      </p:cxnSp>
+      <p:cxnSp>
+        <p:nvCxnSpPr>
+          <p:cNvPr id="34" name="직선 화살표 연결선 33"/>
+          <p:cNvCxnSpPr/>
+          <p:nvPr/>
+        </p:nvCxnSpPr>
+        <p:spPr>
+          <a:xfrm>
+            <a:off x="5736698" y="2244401"/>
+            <a:ext cx="539426" cy="0"/>
+          </a:xfrm>
+          <a:prstGeom prst="straightConnector1">
+            <a:avLst/>
+          </a:prstGeom>
+          <a:ln w="28575">
+            <a:solidFill>
+              <a:schemeClr val="tx1"/>
+            </a:solidFill>
+            <a:tailEnd type="triangle" w="lg" len="lg"/>
+          </a:ln>
+        </p:spPr>
+        <p:style>
+          <a:lnRef idx="1">
+            <a:schemeClr val="accent1"/>
+          </a:lnRef>
+          <a:fillRef idx="0">
+            <a:schemeClr val="accent1"/>
+          </a:fillRef>
+          <a:effectRef idx="0">
+            <a:schemeClr val="accent1"/>
+          </a:effectRef>
+          <a:fontRef idx="minor">
+            <a:schemeClr val="tx1"/>
+          </a:fontRef>
+        </p:style>
+      </p:cxnSp>
+      <p:cxnSp>
+        <p:nvCxnSpPr>
+          <p:cNvPr id="35" name="직선 화살표 연결선 34"/>
+          <p:cNvCxnSpPr>
+            <a:stCxn id="13" idx="2"/>
+            <a:endCxn id="18" idx="0"/>
+          </p:cNvCxnSpPr>
+          <p:nvPr/>
+        </p:nvCxnSpPr>
+        <p:spPr>
+          <a:xfrm>
+            <a:off x="7466222" y="2443329"/>
+            <a:ext cx="0" cy="459309"/>
+          </a:xfrm>
+          <a:prstGeom prst="straightConnector1">
+            <a:avLst/>
+          </a:prstGeom>
+          <a:ln w="28575">
+            <a:solidFill>
+              <a:schemeClr val="tx1"/>
+            </a:solidFill>
+            <a:tailEnd type="triangle" w="lg" len="lg"/>
+          </a:ln>
+        </p:spPr>
+        <p:style>
+          <a:lnRef idx="1">
+            <a:schemeClr val="accent1"/>
+          </a:lnRef>
+          <a:fillRef idx="0">
+            <a:schemeClr val="accent1"/>
+          </a:fillRef>
+          <a:effectRef idx="0">
+            <a:schemeClr val="accent1"/>
+          </a:effectRef>
+          <a:fontRef idx="minor">
+            <a:schemeClr val="tx1"/>
+          </a:fontRef>
+        </p:style>
+      </p:cxnSp>
+      <p:cxnSp>
+        <p:nvCxnSpPr>
+          <p:cNvPr id="39" name="직선 화살표 연결선 38"/>
+          <p:cNvCxnSpPr>
+            <a:stCxn id="18" idx="1"/>
+            <a:endCxn id="17" idx="3"/>
+          </p:cNvCxnSpPr>
+          <p:nvPr/>
+        </p:nvCxnSpPr>
+        <p:spPr>
+          <a:xfrm flipH="1">
+            <a:off x="5736698" y="3101566"/>
+            <a:ext cx="539426" cy="0"/>
+          </a:xfrm>
+          <a:prstGeom prst="straightConnector1">
+            <a:avLst/>
+          </a:prstGeom>
+          <a:ln w="28575">
+            <a:solidFill>
+              <a:schemeClr val="bg1">
+                <a:lumMod val="85000"/>
+              </a:schemeClr>
+            </a:solidFill>
+            <a:tailEnd type="triangle" w="lg" len="lg"/>
+          </a:ln>
+        </p:spPr>
+        <p:style>
+          <a:lnRef idx="1">
+            <a:schemeClr val="accent1"/>
+          </a:lnRef>
+          <a:fillRef idx="0">
+            <a:schemeClr val="accent1"/>
+          </a:fillRef>
+          <a:effectRef idx="0">
+            <a:schemeClr val="accent1"/>
+          </a:effectRef>
+          <a:fontRef idx="minor">
+            <a:schemeClr val="tx1"/>
+          </a:fontRef>
+        </p:style>
+      </p:cxnSp>
+      <p:cxnSp>
+        <p:nvCxnSpPr>
+          <p:cNvPr id="42" name="직선 화살표 연결선 41"/>
+          <p:cNvCxnSpPr/>
+          <p:nvPr/>
+        </p:nvCxnSpPr>
+        <p:spPr>
+          <a:xfrm flipH="1">
+            <a:off x="2817076" y="3101566"/>
+            <a:ext cx="539426" cy="0"/>
+          </a:xfrm>
+          <a:prstGeom prst="straightConnector1">
+            <a:avLst/>
+          </a:prstGeom>
+          <a:ln w="28575">
+            <a:solidFill>
+              <a:schemeClr val="bg1">
+                <a:lumMod val="85000"/>
+              </a:schemeClr>
+            </a:solidFill>
+            <a:tailEnd type="triangle" w="lg" len="lg"/>
+          </a:ln>
+        </p:spPr>
+        <p:style>
+          <a:lnRef idx="1">
+            <a:schemeClr val="accent1"/>
+          </a:lnRef>
+          <a:fillRef idx="0">
+            <a:schemeClr val="accent1"/>
+          </a:fillRef>
+          <a:effectRef idx="0">
+            <a:schemeClr val="accent1"/>
+          </a:effectRef>
+          <a:fontRef idx="minor">
+            <a:schemeClr val="tx1"/>
+          </a:fontRef>
+        </p:style>
+      </p:cxnSp>
+      <p:cxnSp>
+        <p:nvCxnSpPr>
+          <p:cNvPr id="45" name="직선 화살표 연결선 44"/>
+          <p:cNvCxnSpPr/>
+          <p:nvPr/>
+        </p:nvCxnSpPr>
+        <p:spPr>
+          <a:xfrm>
+            <a:off x="2817076" y="4581201"/>
+            <a:ext cx="539426" cy="0"/>
+          </a:xfrm>
+          <a:prstGeom prst="straightConnector1">
+            <a:avLst/>
+          </a:prstGeom>
+          <a:ln w="28575">
+            <a:solidFill>
+              <a:schemeClr val="tx1"/>
+            </a:solidFill>
+            <a:tailEnd type="triangle" w="lg" len="lg"/>
+          </a:ln>
+        </p:spPr>
+        <p:style>
+          <a:lnRef idx="1">
+            <a:schemeClr val="accent1"/>
+          </a:lnRef>
+          <a:fillRef idx="0">
+            <a:schemeClr val="accent1"/>
+          </a:fillRef>
+          <a:effectRef idx="0">
+            <a:schemeClr val="accent1"/>
+          </a:effectRef>
+          <a:fontRef idx="minor">
+            <a:schemeClr val="tx1"/>
+          </a:fontRef>
+        </p:style>
+      </p:cxnSp>
+      <p:cxnSp>
+        <p:nvCxnSpPr>
+          <p:cNvPr id="46" name="직선 화살표 연결선 45"/>
+          <p:cNvCxnSpPr/>
+          <p:nvPr/>
+        </p:nvCxnSpPr>
+        <p:spPr>
+          <a:xfrm>
+            <a:off x="5736698" y="4581201"/>
+            <a:ext cx="539426" cy="0"/>
+          </a:xfrm>
+          <a:prstGeom prst="straightConnector1">
+            <a:avLst/>
+          </a:prstGeom>
+          <a:ln w="28575">
+            <a:solidFill>
+              <a:schemeClr val="tx1"/>
+            </a:solidFill>
+            <a:tailEnd type="triangle" w="lg" len="lg"/>
+          </a:ln>
+        </p:spPr>
+        <p:style>
+          <a:lnRef idx="1">
+            <a:schemeClr val="accent1"/>
+          </a:lnRef>
+          <a:fillRef idx="0">
+            <a:schemeClr val="accent1"/>
+          </a:fillRef>
+          <a:effectRef idx="0">
+            <a:schemeClr val="accent1"/>
+          </a:effectRef>
+          <a:fontRef idx="minor">
+            <a:schemeClr val="tx1"/>
+          </a:fontRef>
+        </p:style>
+      </p:cxnSp>
+      <p:cxnSp>
+        <p:nvCxnSpPr>
+          <p:cNvPr id="47" name="직선 화살표 연결선 46"/>
+          <p:cNvCxnSpPr>
+            <a:stCxn id="28" idx="2"/>
+            <a:endCxn id="31" idx="0"/>
+          </p:cNvCxnSpPr>
+          <p:nvPr/>
+        </p:nvCxnSpPr>
+        <p:spPr>
+          <a:xfrm>
+            <a:off x="7466222" y="4778678"/>
+            <a:ext cx="0" cy="459309"/>
+          </a:xfrm>
+          <a:prstGeom prst="straightConnector1">
+            <a:avLst/>
+          </a:prstGeom>
+          <a:ln w="28575">
+            <a:solidFill>
+              <a:schemeClr val="tx1"/>
+            </a:solidFill>
+            <a:tailEnd type="triangle" w="lg" len="lg"/>
+          </a:ln>
+        </p:spPr>
+        <p:style>
+          <a:lnRef idx="1">
+            <a:schemeClr val="accent1"/>
+          </a:lnRef>
+          <a:fillRef idx="0">
+            <a:schemeClr val="accent1"/>
+          </a:fillRef>
+          <a:effectRef idx="0">
+            <a:schemeClr val="accent1"/>
+          </a:effectRef>
+          <a:fontRef idx="minor">
+            <a:schemeClr val="tx1"/>
+          </a:fontRef>
+        </p:style>
+      </p:cxnSp>
+      <p:cxnSp>
+        <p:nvCxnSpPr>
+          <p:cNvPr id="50" name="직선 화살표 연결선 49"/>
+          <p:cNvCxnSpPr>
+            <a:stCxn id="31" idx="1"/>
+            <a:endCxn id="30" idx="3"/>
+          </p:cNvCxnSpPr>
+          <p:nvPr/>
+        </p:nvCxnSpPr>
+        <p:spPr>
+          <a:xfrm flipH="1">
+            <a:off x="5736698" y="5436915"/>
+            <a:ext cx="539426" cy="0"/>
+          </a:xfrm>
+          <a:prstGeom prst="straightConnector1">
+            <a:avLst/>
+          </a:prstGeom>
+          <a:ln w="28575">
+            <a:solidFill>
+              <a:schemeClr val="bg1">
+                <a:lumMod val="85000"/>
+              </a:schemeClr>
+            </a:solidFill>
+            <a:tailEnd type="triangle" w="lg" len="lg"/>
+          </a:ln>
+        </p:spPr>
+        <p:style>
+          <a:lnRef idx="1">
+            <a:schemeClr val="accent1"/>
+          </a:lnRef>
+          <a:fillRef idx="0">
+            <a:schemeClr val="accent1"/>
+          </a:fillRef>
+          <a:effectRef idx="0">
+            <a:schemeClr val="accent1"/>
+          </a:effectRef>
+          <a:fontRef idx="minor">
+            <a:schemeClr val="tx1"/>
+          </a:fontRef>
+        </p:style>
+      </p:cxnSp>
+      <p:cxnSp>
+        <p:nvCxnSpPr>
+          <p:cNvPr id="53" name="직선 화살표 연결선 52"/>
+          <p:cNvCxnSpPr/>
+          <p:nvPr/>
+        </p:nvCxnSpPr>
+        <p:spPr>
+          <a:xfrm flipH="1">
+            <a:off x="2817076" y="5436915"/>
+            <a:ext cx="539426" cy="0"/>
+          </a:xfrm>
+          <a:prstGeom prst="straightConnector1">
+            <a:avLst/>
+          </a:prstGeom>
+          <a:ln w="28575">
+            <a:solidFill>
+              <a:schemeClr val="bg1">
+                <a:lumMod val="85000"/>
+              </a:schemeClr>
+            </a:solidFill>
+            <a:tailEnd type="triangle" w="lg" len="lg"/>
+          </a:ln>
+        </p:spPr>
+        <p:style>
+          <a:lnRef idx="1">
+            <a:schemeClr val="accent1"/>
+          </a:lnRef>
+          <a:fillRef idx="0">
+            <a:schemeClr val="accent1"/>
+          </a:fillRef>
+          <a:effectRef idx="0">
+            <a:schemeClr val="accent1"/>
+          </a:effectRef>
+          <a:fontRef idx="minor">
+            <a:schemeClr val="tx1"/>
+          </a:fontRef>
+        </p:style>
+      </p:cxnSp>
+    </p:spTree>
+    <p:extLst>
+      <p:ext uri="{BB962C8B-B14F-4D97-AF65-F5344CB8AC3E}">
+        <p14:creationId xmlns:p14="http://schemas.microsoft.com/office/powerpoint/2010/main" val="828951870"/>
+      </p:ext>
+    </p:extLst>
+  </p:cSld>
+  <p:clrMapOvr>
+    <a:masterClrMapping/>
+  </p:clrMapOvr>
+</p:sld>
+</file>
+
+<file path=ppt/slides/slide8.xml><?xml version="1.0" encoding="utf-8"?>
+<p:sld xmlns:a="http://schemas.openxmlformats.org/drawingml/2006/main" xmlns:r="http://schemas.openxmlformats.org/officeDocument/2006/relationships" xmlns:p="http://schemas.openxmlformats.org/presentationml/2006/main">
+  <p:cSld>
+    <p:spTree>
+      <p:nvGrpSpPr>
+        <p:cNvPr id="1" name=""/>
+        <p:cNvGrpSpPr/>
+        <p:nvPr/>
+      </p:nvGrpSpPr>
+      <p:grpSpPr>
+        <a:xfrm>
+          <a:off x="0" y="0"/>
+          <a:ext cx="0" cy="0"/>
+          <a:chOff x="0" y="0"/>
+          <a:chExt cx="0" cy="0"/>
+        </a:xfrm>
+      </p:grpSpPr>
+      <p:sp>
+        <p:nvSpPr>
+          <p:cNvPr id="2" name="제목 1"/>
+          <p:cNvSpPr>
+            <a:spLocks noGrp="1"/>
+          </p:cNvSpPr>
+          <p:nvPr>
+            <p:ph type="title"/>
+          </p:nvPr>
+        </p:nvSpPr>
+        <p:spPr/>
+        <p:txBody>
+          <a:bodyPr/>
+          <a:lstStyle/>
+          <a:p>
+            <a:r>
+              <a:rPr kumimoji="1" lang="en-US" altLang="ko-KR" dirty="0" smtClean="0"/>
+              <a:t>Ignorant View Example</a:t>
+            </a:r>
+            <a:endParaRPr kumimoji="1" lang="ko-KR" altLang="en-US" dirty="0"/>
+          </a:p>
+        </p:txBody>
+      </p:sp>
+      <p:sp>
+        <p:nvSpPr>
+          <p:cNvPr id="4" name="직사각형 3"/>
+          <p:cNvSpPr/>
+          <p:nvPr/>
+        </p:nvSpPr>
+        <p:spPr>
+          <a:xfrm>
+            <a:off x="9245600" y="1148080"/>
+            <a:ext cx="2509520" cy="4338320"/>
+          </a:xfrm>
+          <a:prstGeom prst="rect">
+            <a:avLst/>
+          </a:prstGeom>
+          <a:solidFill>
+            <a:schemeClr val="accent6">
+              <a:lumMod val="60000"/>
+              <a:lumOff val="40000"/>
+            </a:schemeClr>
+          </a:solidFill>
+        </p:spPr>
+        <p:style>
+          <a:lnRef idx="2">
+            <a:schemeClr val="accent1">
+              <a:shade val="50000"/>
+            </a:schemeClr>
+          </a:lnRef>
+          <a:fillRef idx="1">
+            <a:schemeClr val="accent1"/>
+          </a:fillRef>
+          <a:effectRef idx="0">
+            <a:schemeClr val="accent1"/>
+          </a:effectRef>
+          <a:fontRef idx="minor">
+            <a:schemeClr val="lt1"/>
+          </a:fontRef>
+        </p:style>
+        <p:txBody>
+          <a:bodyPr rtlCol="0" anchor="ctr"/>
+          <a:lstStyle/>
+          <a:p>
+            <a:pPr algn="ctr"/>
+            <a:endParaRPr kumimoji="1" lang="ko-KR" altLang="en-US"/>
+          </a:p>
+        </p:txBody>
+      </p:sp>
+      <p:sp>
+        <p:nvSpPr>
+          <p:cNvPr id="5" name="텍스트 상자 4"/>
+          <p:cNvSpPr txBox="1"/>
+          <p:nvPr/>
+        </p:nvSpPr>
+        <p:spPr>
+          <a:xfrm>
+            <a:off x="9245600" y="871081"/>
+            <a:ext cx="691215" cy="276999"/>
+          </a:xfrm>
+          <a:prstGeom prst="rect">
+            <a:avLst/>
+          </a:prstGeom>
+          <a:noFill/>
+        </p:spPr>
+        <p:txBody>
+          <a:bodyPr wrap="none" rtlCol="0">
+            <a:spAutoFit/>
+          </a:bodyPr>
+          <a:lstStyle/>
+          <a:p>
+            <a:r>
+              <a:rPr kumimoji="1" lang="en-US" altLang="ko-KR" sz="1200" dirty="0" smtClean="0"/>
+              <a:t>Activity</a:t>
+            </a:r>
+            <a:endParaRPr kumimoji="1" lang="ko-KR" altLang="en-US" sz="1200" dirty="0"/>
+          </a:p>
+        </p:txBody>
+      </p:sp>
+      <p:sp>
+        <p:nvSpPr>
+          <p:cNvPr id="6" name="텍스트 상자 5"/>
+          <p:cNvSpPr txBox="1"/>
+          <p:nvPr/>
+        </p:nvSpPr>
+        <p:spPr>
+          <a:xfrm>
+            <a:off x="9245600" y="1148080"/>
+            <a:ext cx="1125693" cy="276999"/>
+          </a:xfrm>
+          <a:prstGeom prst="rect">
+            <a:avLst/>
+          </a:prstGeom>
+          <a:noFill/>
+        </p:spPr>
+        <p:txBody>
+          <a:bodyPr wrap="none" rtlCol="0">
+            <a:spAutoFit/>
+          </a:bodyPr>
+          <a:lstStyle/>
+          <a:p>
+            <a:r>
+              <a:rPr kumimoji="1" lang="en-US" altLang="ko-KR" sz="1200" b="1" dirty="0" err="1" smtClean="0"/>
+              <a:t>FrameLayout</a:t>
+            </a:r>
+            <a:endParaRPr kumimoji="1" lang="ko-KR" altLang="en-US" sz="1200" b="1" dirty="0"/>
+          </a:p>
+        </p:txBody>
+      </p:sp>
+      <p:sp>
+        <p:nvSpPr>
+          <p:cNvPr id="7" name="직사각형 6"/>
+          <p:cNvSpPr/>
+          <p:nvPr/>
+        </p:nvSpPr>
+        <p:spPr>
+          <a:xfrm>
+            <a:off x="9672320" y="1967686"/>
+            <a:ext cx="1605280" cy="1669593"/>
+          </a:xfrm>
+          <a:prstGeom prst="rect">
+            <a:avLst/>
+          </a:prstGeom>
+          <a:solidFill>
+            <a:srgbClr val="FF0000"/>
+          </a:solidFill>
+        </p:spPr>
+        <p:style>
+          <a:lnRef idx="2">
+            <a:schemeClr val="accent1">
+              <a:shade val="50000"/>
+            </a:schemeClr>
+          </a:lnRef>
+          <a:fillRef idx="1">
+            <a:schemeClr val="accent1"/>
+          </a:fillRef>
+          <a:effectRef idx="0">
+            <a:schemeClr val="accent1"/>
+          </a:effectRef>
+          <a:fontRef idx="minor">
+            <a:schemeClr val="lt1"/>
+          </a:fontRef>
+        </p:style>
+        <p:txBody>
+          <a:bodyPr rtlCol="0" anchor="ctr"/>
+          <a:lstStyle/>
+          <a:p>
+            <a:pPr algn="ctr"/>
+            <a:endParaRPr kumimoji="1" lang="ko-KR" altLang="en-US"/>
+          </a:p>
+        </p:txBody>
+      </p:sp>
+      <p:sp>
+        <p:nvSpPr>
+          <p:cNvPr id="8" name="텍스트 상자 7"/>
+          <p:cNvSpPr txBox="1"/>
+          <p:nvPr/>
+        </p:nvSpPr>
+        <p:spPr>
+          <a:xfrm>
+            <a:off x="9672320" y="2069534"/>
+            <a:ext cx="680956" cy="276999"/>
+          </a:xfrm>
+          <a:prstGeom prst="rect">
+            <a:avLst/>
+          </a:prstGeom>
+          <a:noFill/>
+        </p:spPr>
+        <p:txBody>
+          <a:bodyPr wrap="none" rtlCol="0">
+            <a:spAutoFit/>
+          </a:bodyPr>
+          <a:lstStyle/>
+          <a:p>
+            <a:r>
+              <a:rPr kumimoji="1" lang="en-US" altLang="ko-KR" sz="1200" b="1" dirty="0" smtClean="0"/>
+              <a:t>Button</a:t>
+            </a:r>
+            <a:endParaRPr kumimoji="1" lang="ko-KR" altLang="en-US" sz="1200" b="1" dirty="0"/>
+          </a:p>
+        </p:txBody>
+      </p:sp>
+      <p:sp>
+        <p:nvSpPr>
+          <p:cNvPr id="9" name="위쪽 화살표 설명선[U] 8"/>
+          <p:cNvSpPr/>
+          <p:nvPr/>
+        </p:nvSpPr>
+        <p:spPr>
+          <a:xfrm>
+            <a:off x="10092582" y="2605889"/>
+            <a:ext cx="815556" cy="1564640"/>
+          </a:xfrm>
+          <a:prstGeom prst="upArrowCallout">
+            <a:avLst/>
+          </a:prstGeom>
+          <a:solidFill>
+            <a:schemeClr val="accent4">
+              <a:lumMod val="20000"/>
+              <a:lumOff val="80000"/>
+            </a:schemeClr>
+          </a:solidFill>
+        </p:spPr>
+        <p:style>
+          <a:lnRef idx="2">
+            <a:schemeClr val="accent1">
+              <a:shade val="50000"/>
+            </a:schemeClr>
+          </a:lnRef>
+          <a:fillRef idx="1">
+            <a:schemeClr val="accent1"/>
+          </a:fillRef>
+          <a:effectRef idx="0">
+            <a:schemeClr val="accent1"/>
+          </a:effectRef>
+          <a:fontRef idx="minor">
+            <a:schemeClr val="lt1"/>
+          </a:fontRef>
+        </p:style>
+        <p:txBody>
+          <a:bodyPr rtlCol="0" anchor="ctr"/>
+          <a:lstStyle/>
+          <a:p>
+            <a:pPr algn="ctr"/>
+            <a:r>
+              <a:rPr kumimoji="1" lang="en-US" altLang="ko-KR" sz="1500" dirty="0" smtClean="0">
+                <a:solidFill>
+                  <a:schemeClr val="accent6">
+                    <a:lumMod val="50000"/>
+                  </a:schemeClr>
+                </a:solidFill>
+              </a:rPr>
+              <a:t>Touch</a:t>
+            </a:r>
+            <a:endParaRPr kumimoji="1" lang="ko-KR" altLang="en-US" sz="1500" dirty="0">
+              <a:solidFill>
+                <a:schemeClr val="accent6">
+                  <a:lumMod val="50000"/>
+                </a:schemeClr>
+              </a:solidFill>
+            </a:endParaRPr>
+          </a:p>
+        </p:txBody>
+      </p:sp>
+      <p:sp>
+        <p:nvSpPr>
+          <p:cNvPr id="10" name="텍스트 상자 9"/>
+          <p:cNvSpPr txBox="1"/>
+          <p:nvPr/>
+        </p:nvSpPr>
+        <p:spPr>
+          <a:xfrm>
+            <a:off x="436880" y="1598354"/>
+            <a:ext cx="841897" cy="369332"/>
+          </a:xfrm>
+          <a:prstGeom prst="rect">
+            <a:avLst/>
+          </a:prstGeom>
+          <a:noFill/>
+        </p:spPr>
+        <p:txBody>
+          <a:bodyPr wrap="none" rtlCol="0">
+            <a:spAutoFit/>
+          </a:bodyPr>
+          <a:lstStyle/>
+          <a:p>
+            <a:r>
+              <a:rPr kumimoji="1" lang="en-US" altLang="ko-KR" smtClean="0"/>
+              <a:t>Down:</a:t>
+            </a:r>
+            <a:endParaRPr kumimoji="1" lang="ko-KR" altLang="en-US" dirty="0"/>
+          </a:p>
+        </p:txBody>
+      </p:sp>
+      <p:sp>
+        <p:nvSpPr>
+          <p:cNvPr id="11" name="모서리가 둥근 직사각형 10"/>
+          <p:cNvSpPr/>
+          <p:nvPr/>
+        </p:nvSpPr>
+        <p:spPr>
+          <a:xfrm>
+            <a:off x="436880" y="2045473"/>
+            <a:ext cx="2380196" cy="397856"/>
+          </a:xfrm>
+          <a:prstGeom prst="roundRect">
+            <a:avLst/>
+          </a:prstGeom>
+          <a:solidFill>
+            <a:schemeClr val="bg1">
+              <a:lumMod val="95000"/>
+            </a:schemeClr>
+          </a:solidFill>
+          <a:ln w="28575">
+            <a:solidFill>
+              <a:schemeClr val="tx1"/>
+            </a:solidFill>
+          </a:ln>
+        </p:spPr>
+        <p:style>
+          <a:lnRef idx="2">
+            <a:schemeClr val="accent1">
+              <a:shade val="50000"/>
+            </a:schemeClr>
+          </a:lnRef>
+          <a:fillRef idx="1">
+            <a:schemeClr val="accent1"/>
+          </a:fillRef>
+          <a:effectRef idx="0">
+            <a:schemeClr val="accent1"/>
+          </a:effectRef>
+          <a:fontRef idx="minor">
+            <a:schemeClr val="lt1"/>
+          </a:fontRef>
+        </p:style>
+        <p:txBody>
+          <a:bodyPr lIns="0" tIns="0" rIns="0" bIns="0" rtlCol="0" anchor="ctr"/>
+          <a:lstStyle/>
+          <a:p>
+            <a:pPr algn="ctr"/>
+            <a:r>
+              <a:rPr kumimoji="1" lang="en-US" altLang="ko-KR" sz="1200" dirty="0" err="1" smtClean="0">
+                <a:solidFill>
+                  <a:schemeClr val="tx1"/>
+                </a:solidFill>
+              </a:rPr>
+              <a:t>Activity.dispatchTouchEvent</a:t>
+            </a:r>
+            <a:r>
+              <a:rPr kumimoji="1" lang="en-US" altLang="ko-KR" sz="1200" dirty="0" smtClean="0">
+                <a:solidFill>
+                  <a:schemeClr val="tx1"/>
+                </a:solidFill>
+              </a:rPr>
+              <a:t>()</a:t>
+            </a:r>
+            <a:endParaRPr kumimoji="1" lang="ko-KR" altLang="en-US" sz="1200" dirty="0">
+              <a:solidFill>
+                <a:schemeClr val="tx1"/>
+              </a:solidFill>
+            </a:endParaRPr>
+          </a:p>
+        </p:txBody>
+      </p:sp>
+      <p:sp>
+        <p:nvSpPr>
+          <p:cNvPr id="12" name="모서리가 둥근 직사각형 11"/>
+          <p:cNvSpPr/>
+          <p:nvPr/>
+        </p:nvSpPr>
+        <p:spPr>
+          <a:xfrm>
+            <a:off x="3356502" y="2045473"/>
+            <a:ext cx="2380196" cy="397856"/>
+          </a:xfrm>
+          <a:prstGeom prst="roundRect">
+            <a:avLst/>
+          </a:prstGeom>
+          <a:solidFill>
+            <a:schemeClr val="bg1">
+              <a:lumMod val="95000"/>
+            </a:schemeClr>
+          </a:solidFill>
+          <a:ln w="28575">
+            <a:solidFill>
+              <a:schemeClr val="tx1"/>
+            </a:solidFill>
+          </a:ln>
+        </p:spPr>
+        <p:style>
+          <a:lnRef idx="2">
+            <a:schemeClr val="accent1">
+              <a:shade val="50000"/>
+            </a:schemeClr>
+          </a:lnRef>
+          <a:fillRef idx="1">
+            <a:schemeClr val="accent1"/>
+          </a:fillRef>
+          <a:effectRef idx="0">
+            <a:schemeClr val="accent1"/>
+          </a:effectRef>
+          <a:fontRef idx="minor">
+            <a:schemeClr val="lt1"/>
+          </a:fontRef>
+        </p:style>
+        <p:txBody>
+          <a:bodyPr lIns="0" tIns="0" rIns="0" bIns="0" rtlCol="0" anchor="ctr"/>
+          <a:lstStyle/>
+          <a:p>
+            <a:pPr lvl="0" algn="ctr"/>
+            <a:r>
+              <a:rPr kumimoji="1" lang="en-US" altLang="ko-KR" sz="1200" dirty="0" err="1" smtClean="0">
+                <a:solidFill>
+                  <a:prstClr val="black"/>
+                </a:solidFill>
+              </a:rPr>
+              <a:t>ViewGroup.dispatchTouchEvent</a:t>
+            </a:r>
+            <a:r>
+              <a:rPr kumimoji="1" lang="en-US" altLang="ko-KR" sz="1200" dirty="0" smtClean="0">
+                <a:solidFill>
+                  <a:prstClr val="black"/>
+                </a:solidFill>
+              </a:rPr>
+              <a:t>()</a:t>
+            </a:r>
+            <a:endParaRPr kumimoji="1" lang="ko-KR" altLang="en-US" sz="1200" dirty="0">
+              <a:solidFill>
+                <a:prstClr val="black"/>
+              </a:solidFill>
+            </a:endParaRPr>
+          </a:p>
+        </p:txBody>
+      </p:sp>
+      <p:sp>
+        <p:nvSpPr>
+          <p:cNvPr id="13" name="모서리가 둥근 직사각형 12"/>
+          <p:cNvSpPr/>
+          <p:nvPr/>
+        </p:nvSpPr>
+        <p:spPr>
+          <a:xfrm>
+            <a:off x="6276124" y="2045473"/>
+            <a:ext cx="2380196" cy="397856"/>
+          </a:xfrm>
+          <a:prstGeom prst="roundRect">
+            <a:avLst/>
+          </a:prstGeom>
+          <a:solidFill>
+            <a:schemeClr val="bg1">
+              <a:lumMod val="95000"/>
+            </a:schemeClr>
+          </a:solidFill>
+          <a:ln w="28575">
+            <a:solidFill>
+              <a:schemeClr val="tx1"/>
+            </a:solidFill>
+          </a:ln>
+        </p:spPr>
+        <p:style>
+          <a:lnRef idx="2">
+            <a:schemeClr val="accent1">
+              <a:shade val="50000"/>
+            </a:schemeClr>
+          </a:lnRef>
+          <a:fillRef idx="1">
+            <a:schemeClr val="accent1"/>
+          </a:fillRef>
+          <a:effectRef idx="0">
+            <a:schemeClr val="accent1"/>
+          </a:effectRef>
+          <a:fontRef idx="minor">
+            <a:schemeClr val="lt1"/>
+          </a:fontRef>
+        </p:style>
+        <p:txBody>
+          <a:bodyPr lIns="0" tIns="0" rIns="0" bIns="0" rtlCol="0" anchor="ctr"/>
+          <a:lstStyle/>
+          <a:p>
+            <a:pPr algn="ctr"/>
+            <a:r>
+              <a:rPr kumimoji="1" lang="en-US" altLang="ko-KR" sz="1200" dirty="0" err="1" smtClean="0">
+                <a:solidFill>
+                  <a:schemeClr val="tx1"/>
+                </a:solidFill>
+              </a:rPr>
+              <a:t>View.dispatchTouchEvent</a:t>
+            </a:r>
+            <a:r>
+              <a:rPr kumimoji="1" lang="en-US" altLang="ko-KR" sz="1200" dirty="0" smtClean="0">
+                <a:solidFill>
+                  <a:schemeClr val="tx1"/>
+                </a:solidFill>
+              </a:rPr>
+              <a:t>()</a:t>
+            </a:r>
+            <a:endParaRPr kumimoji="1" lang="ko-KR" altLang="en-US" sz="1200" dirty="0">
+              <a:solidFill>
+                <a:schemeClr val="tx1"/>
+              </a:solidFill>
+            </a:endParaRPr>
+          </a:p>
+        </p:txBody>
+      </p:sp>
+      <p:sp>
+        <p:nvSpPr>
+          <p:cNvPr id="16" name="모서리가 둥근 직사각형 15"/>
+          <p:cNvSpPr/>
+          <p:nvPr/>
+        </p:nvSpPr>
+        <p:spPr>
+          <a:xfrm>
+            <a:off x="436880" y="2902638"/>
+            <a:ext cx="2380196" cy="397856"/>
+          </a:xfrm>
+          <a:prstGeom prst="roundRect">
+            <a:avLst/>
+          </a:prstGeom>
+          <a:solidFill>
+            <a:schemeClr val="bg1">
+              <a:lumMod val="95000"/>
+            </a:schemeClr>
+          </a:solidFill>
+          <a:ln w="28575">
+            <a:solidFill>
+              <a:schemeClr val="tx1"/>
+            </a:solidFill>
+          </a:ln>
+        </p:spPr>
+        <p:style>
+          <a:lnRef idx="2">
+            <a:schemeClr val="accent1">
+              <a:shade val="50000"/>
+            </a:schemeClr>
+          </a:lnRef>
+          <a:fillRef idx="1">
+            <a:schemeClr val="accent1"/>
+          </a:fillRef>
+          <a:effectRef idx="0">
+            <a:schemeClr val="accent1"/>
+          </a:effectRef>
+          <a:fontRef idx="minor">
+            <a:schemeClr val="lt1"/>
+          </a:fontRef>
+        </p:style>
+        <p:txBody>
+          <a:bodyPr lIns="0" tIns="0" rIns="0" bIns="0" rtlCol="0" anchor="ctr"/>
+          <a:lstStyle/>
+          <a:p>
+            <a:pPr algn="ctr"/>
+            <a:r>
+              <a:rPr kumimoji="1" lang="en-US" altLang="ko-KR" sz="1200" dirty="0" err="1" smtClean="0">
+                <a:solidFill>
+                  <a:schemeClr val="tx1"/>
+                </a:solidFill>
+              </a:rPr>
+              <a:t>Activity.onTouchEvent</a:t>
+            </a:r>
+            <a:r>
+              <a:rPr kumimoji="1" lang="en-US" altLang="ko-KR" sz="1200" dirty="0" smtClean="0">
+                <a:solidFill>
+                  <a:schemeClr val="tx1"/>
+                </a:solidFill>
+              </a:rPr>
+              <a:t>()</a:t>
+            </a:r>
+            <a:endParaRPr kumimoji="1" lang="ko-KR" altLang="en-US" sz="1200" dirty="0">
+              <a:solidFill>
+                <a:schemeClr val="tx1"/>
+              </a:solidFill>
+            </a:endParaRPr>
+          </a:p>
+        </p:txBody>
+      </p:sp>
+      <p:sp>
+        <p:nvSpPr>
+          <p:cNvPr id="17" name="모서리가 둥근 직사각형 16"/>
+          <p:cNvSpPr/>
+          <p:nvPr/>
+        </p:nvSpPr>
+        <p:spPr>
+          <a:xfrm>
+            <a:off x="3356502" y="2902638"/>
+            <a:ext cx="2380196" cy="397856"/>
+          </a:xfrm>
+          <a:prstGeom prst="roundRect">
+            <a:avLst/>
+          </a:prstGeom>
+          <a:solidFill>
+            <a:schemeClr val="bg1">
+              <a:lumMod val="95000"/>
+            </a:schemeClr>
+          </a:solidFill>
+          <a:ln w="28575">
+            <a:solidFill>
+              <a:schemeClr val="tx1"/>
+            </a:solidFill>
+          </a:ln>
+        </p:spPr>
+        <p:style>
+          <a:lnRef idx="2">
+            <a:schemeClr val="accent1">
+              <a:shade val="50000"/>
+            </a:schemeClr>
+          </a:lnRef>
+          <a:fillRef idx="1">
+            <a:schemeClr val="accent1"/>
+          </a:fillRef>
+          <a:effectRef idx="0">
+            <a:schemeClr val="accent1"/>
+          </a:effectRef>
+          <a:fontRef idx="minor">
+            <a:schemeClr val="lt1"/>
+          </a:fontRef>
+        </p:style>
+        <p:txBody>
+          <a:bodyPr lIns="0" tIns="0" rIns="0" bIns="0" rtlCol="0" anchor="ctr"/>
+          <a:lstStyle/>
+          <a:p>
+            <a:pPr algn="ctr"/>
+            <a:r>
+              <a:rPr kumimoji="1" lang="en-US" altLang="ko-KR" sz="1200" dirty="0" err="1" smtClean="0">
+                <a:solidFill>
+                  <a:schemeClr val="tx1"/>
+                </a:solidFill>
+              </a:rPr>
+              <a:t>ViewGroup.onTouchEvent</a:t>
+            </a:r>
+            <a:r>
+              <a:rPr kumimoji="1" lang="en-US" altLang="ko-KR" sz="1200" dirty="0" smtClean="0">
+                <a:solidFill>
+                  <a:schemeClr val="tx1"/>
+                </a:solidFill>
+              </a:rPr>
+              <a:t>()</a:t>
+            </a:r>
+          </a:p>
+        </p:txBody>
+      </p:sp>
+      <p:sp>
+        <p:nvSpPr>
+          <p:cNvPr id="18" name="모서리가 둥근 직사각형 17"/>
+          <p:cNvSpPr/>
+          <p:nvPr/>
+        </p:nvSpPr>
+        <p:spPr>
+          <a:xfrm>
+            <a:off x="6276124" y="2902638"/>
+            <a:ext cx="2380196" cy="397856"/>
+          </a:xfrm>
+          <a:prstGeom prst="roundRect">
+            <a:avLst/>
+          </a:prstGeom>
+          <a:solidFill>
+            <a:schemeClr val="bg1">
+              <a:lumMod val="95000"/>
+            </a:schemeClr>
+          </a:solidFill>
+          <a:ln w="28575">
+            <a:solidFill>
+              <a:schemeClr val="tx1"/>
+            </a:solidFill>
+          </a:ln>
+        </p:spPr>
+        <p:style>
+          <a:lnRef idx="2">
+            <a:schemeClr val="accent1">
+              <a:shade val="50000"/>
+            </a:schemeClr>
+          </a:lnRef>
+          <a:fillRef idx="1">
+            <a:schemeClr val="accent1"/>
+          </a:fillRef>
+          <a:effectRef idx="0">
+            <a:schemeClr val="accent1"/>
+          </a:effectRef>
+          <a:fontRef idx="minor">
+            <a:schemeClr val="lt1"/>
+          </a:fontRef>
+        </p:style>
+        <p:txBody>
+          <a:bodyPr lIns="0" tIns="0" rIns="0" bIns="0" rtlCol="0" anchor="ctr"/>
+          <a:lstStyle/>
+          <a:p>
+            <a:pPr algn="ctr"/>
+            <a:r>
+              <a:rPr kumimoji="1" lang="en-US" altLang="ko-KR" sz="1200" dirty="0" err="1" smtClean="0">
+                <a:solidFill>
+                  <a:schemeClr val="tx1"/>
+                </a:solidFill>
+              </a:rPr>
+              <a:t>View.onTouchEvent</a:t>
+            </a:r>
+            <a:r>
+              <a:rPr kumimoji="1" lang="en-US" altLang="ko-KR" sz="1200" dirty="0" smtClean="0">
+                <a:solidFill>
+                  <a:schemeClr val="tx1"/>
+                </a:solidFill>
+              </a:rPr>
+              <a:t>()</a:t>
+            </a:r>
+            <a:endParaRPr kumimoji="1" lang="ko-KR" altLang="en-US" sz="1200" dirty="0">
+              <a:solidFill>
+                <a:schemeClr val="tx1"/>
+              </a:solidFill>
+            </a:endParaRPr>
+          </a:p>
+        </p:txBody>
+      </p:sp>
+      <p:sp>
+        <p:nvSpPr>
+          <p:cNvPr id="25" name="텍스트 상자 24"/>
+          <p:cNvSpPr txBox="1"/>
+          <p:nvPr/>
+        </p:nvSpPr>
+        <p:spPr>
+          <a:xfrm>
+            <a:off x="447040" y="3854920"/>
+            <a:ext cx="1210781" cy="369332"/>
+          </a:xfrm>
+          <a:prstGeom prst="rect">
+            <a:avLst/>
+          </a:prstGeom>
+          <a:noFill/>
+        </p:spPr>
+        <p:txBody>
+          <a:bodyPr wrap="none" rtlCol="0">
+            <a:spAutoFit/>
+          </a:bodyPr>
+          <a:lstStyle/>
+          <a:p>
+            <a:r>
+              <a:rPr kumimoji="1" lang="en-US" altLang="ko-KR" smtClean="0"/>
+              <a:t>Move/Up:</a:t>
+            </a:r>
+            <a:endParaRPr kumimoji="1" lang="ko-KR" altLang="en-US" dirty="0"/>
+          </a:p>
+        </p:txBody>
+      </p:sp>
+      <p:sp>
+        <p:nvSpPr>
+          <p:cNvPr id="26" name="모서리가 둥근 직사각형 25"/>
+          <p:cNvSpPr/>
+          <p:nvPr/>
+        </p:nvSpPr>
+        <p:spPr>
+          <a:xfrm>
+            <a:off x="436880" y="4380822"/>
+            <a:ext cx="2380196" cy="397856"/>
+          </a:xfrm>
+          <a:prstGeom prst="roundRect">
+            <a:avLst/>
+          </a:prstGeom>
+          <a:solidFill>
+            <a:schemeClr val="bg1">
+              <a:lumMod val="95000"/>
+            </a:schemeClr>
+          </a:solidFill>
+          <a:ln w="28575">
+            <a:solidFill>
+              <a:schemeClr val="tx1"/>
+            </a:solidFill>
+          </a:ln>
+        </p:spPr>
+        <p:style>
+          <a:lnRef idx="2">
+            <a:schemeClr val="accent1">
+              <a:shade val="50000"/>
+            </a:schemeClr>
+          </a:lnRef>
+          <a:fillRef idx="1">
+            <a:schemeClr val="accent1"/>
+          </a:fillRef>
+          <a:effectRef idx="0">
+            <a:schemeClr val="accent1"/>
+          </a:effectRef>
+          <a:fontRef idx="minor">
+            <a:schemeClr val="lt1"/>
+          </a:fontRef>
+        </p:style>
+        <p:txBody>
+          <a:bodyPr lIns="0" tIns="0" rIns="0" bIns="0" rtlCol="0" anchor="ctr"/>
+          <a:lstStyle/>
+          <a:p>
+            <a:pPr algn="ctr"/>
+            <a:r>
+              <a:rPr kumimoji="1" lang="en-US" altLang="ko-KR" sz="1200" dirty="0" err="1" smtClean="0">
+                <a:solidFill>
+                  <a:schemeClr val="tx1"/>
+                </a:solidFill>
+              </a:rPr>
+              <a:t>Activity.dispatchTouchEvent</a:t>
+            </a:r>
+            <a:r>
+              <a:rPr kumimoji="1" lang="en-US" altLang="ko-KR" sz="1200" dirty="0" smtClean="0">
+                <a:solidFill>
+                  <a:schemeClr val="tx1"/>
+                </a:solidFill>
+              </a:rPr>
+              <a:t>()</a:t>
+            </a:r>
+            <a:endParaRPr kumimoji="1" lang="ko-KR" altLang="en-US" sz="1200" dirty="0">
+              <a:solidFill>
+                <a:schemeClr val="tx1"/>
+              </a:solidFill>
+            </a:endParaRPr>
+          </a:p>
+        </p:txBody>
+      </p:sp>
+      <p:sp>
+        <p:nvSpPr>
+          <p:cNvPr id="27" name="모서리가 둥근 직사각형 26"/>
+          <p:cNvSpPr/>
+          <p:nvPr/>
+        </p:nvSpPr>
+        <p:spPr>
+          <a:xfrm>
+            <a:off x="3356502" y="4380822"/>
+            <a:ext cx="2380196" cy="397856"/>
+          </a:xfrm>
+          <a:prstGeom prst="roundRect">
+            <a:avLst/>
+          </a:prstGeom>
+          <a:solidFill>
+            <a:schemeClr val="bg1">
+              <a:lumMod val="95000"/>
+            </a:schemeClr>
+          </a:solidFill>
+          <a:ln w="28575">
+            <a:solidFill>
+              <a:schemeClr val="tx1"/>
+            </a:solidFill>
+          </a:ln>
+        </p:spPr>
+        <p:style>
+          <a:lnRef idx="2">
+            <a:schemeClr val="accent1">
+              <a:shade val="50000"/>
+            </a:schemeClr>
+          </a:lnRef>
+          <a:fillRef idx="1">
+            <a:schemeClr val="accent1"/>
+          </a:fillRef>
+          <a:effectRef idx="0">
+            <a:schemeClr val="accent1"/>
+          </a:effectRef>
+          <a:fontRef idx="minor">
+            <a:schemeClr val="lt1"/>
+          </a:fontRef>
+        </p:style>
+        <p:txBody>
+          <a:bodyPr lIns="0" tIns="0" rIns="0" bIns="0" rtlCol="0" anchor="ctr"/>
+          <a:lstStyle/>
+          <a:p>
+            <a:pPr lvl="0" algn="ctr"/>
+            <a:r>
+              <a:rPr kumimoji="1" lang="en-US" altLang="ko-KR" sz="1200" dirty="0" err="1" smtClean="0">
+                <a:solidFill>
+                  <a:prstClr val="black"/>
+                </a:solidFill>
+              </a:rPr>
+              <a:t>ViewGroup.dispatchTouchEvent</a:t>
+            </a:r>
+            <a:r>
+              <a:rPr kumimoji="1" lang="en-US" altLang="ko-KR" sz="1200" dirty="0" smtClean="0">
+                <a:solidFill>
+                  <a:prstClr val="black"/>
+                </a:solidFill>
+              </a:rPr>
+              <a:t>()</a:t>
+            </a:r>
+            <a:endParaRPr kumimoji="1" lang="ko-KR" altLang="en-US" sz="1200" dirty="0">
+              <a:solidFill>
+                <a:prstClr val="black"/>
+              </a:solidFill>
+            </a:endParaRPr>
+          </a:p>
+        </p:txBody>
+      </p:sp>
+      <p:sp>
+        <p:nvSpPr>
+          <p:cNvPr id="28" name="모서리가 둥근 직사각형 27"/>
+          <p:cNvSpPr/>
+          <p:nvPr/>
+        </p:nvSpPr>
+        <p:spPr>
+          <a:xfrm>
+            <a:off x="6276124" y="4380822"/>
+            <a:ext cx="2380196" cy="397856"/>
+          </a:xfrm>
+          <a:prstGeom prst="roundRect">
+            <a:avLst/>
+          </a:prstGeom>
+          <a:solidFill>
+            <a:schemeClr val="bg1">
+              <a:lumMod val="95000"/>
+            </a:schemeClr>
+          </a:solidFill>
+          <a:ln w="28575">
+            <a:solidFill>
+              <a:schemeClr val="tx1"/>
+            </a:solidFill>
+          </a:ln>
+        </p:spPr>
+        <p:style>
+          <a:lnRef idx="2">
+            <a:schemeClr val="accent1">
+              <a:shade val="50000"/>
+            </a:schemeClr>
+          </a:lnRef>
+          <a:fillRef idx="1">
+            <a:schemeClr val="accent1"/>
+          </a:fillRef>
+          <a:effectRef idx="0">
+            <a:schemeClr val="accent1"/>
+          </a:effectRef>
+          <a:fontRef idx="minor">
+            <a:schemeClr val="lt1"/>
+          </a:fontRef>
+        </p:style>
+        <p:txBody>
+          <a:bodyPr lIns="0" tIns="0" rIns="0" bIns="0" rtlCol="0" anchor="ctr"/>
+          <a:lstStyle/>
+          <a:p>
+            <a:pPr algn="ctr"/>
+            <a:r>
+              <a:rPr kumimoji="1" lang="en-US" altLang="ko-KR" sz="1200" dirty="0" err="1" smtClean="0">
+                <a:solidFill>
+                  <a:schemeClr val="tx1"/>
+                </a:solidFill>
+              </a:rPr>
+              <a:t>View.dispatchTouchEvent</a:t>
+            </a:r>
+            <a:r>
+              <a:rPr kumimoji="1" lang="en-US" altLang="ko-KR" sz="1200" dirty="0" smtClean="0">
+                <a:solidFill>
+                  <a:schemeClr val="tx1"/>
+                </a:solidFill>
+              </a:rPr>
+              <a:t>()</a:t>
+            </a:r>
+            <a:endParaRPr kumimoji="1" lang="ko-KR" altLang="en-US" sz="1200" dirty="0">
+              <a:solidFill>
+                <a:schemeClr val="tx1"/>
+              </a:solidFill>
+            </a:endParaRPr>
+          </a:p>
+        </p:txBody>
+      </p:sp>
+      <p:sp>
+        <p:nvSpPr>
+          <p:cNvPr id="29" name="모서리가 둥근 직사각형 28"/>
+          <p:cNvSpPr/>
+          <p:nvPr/>
+        </p:nvSpPr>
+        <p:spPr>
+          <a:xfrm>
+            <a:off x="436880" y="5237987"/>
+            <a:ext cx="2380196" cy="397856"/>
+          </a:xfrm>
+          <a:prstGeom prst="roundRect">
+            <a:avLst/>
+          </a:prstGeom>
+          <a:solidFill>
+            <a:schemeClr val="bg1">
+              <a:lumMod val="95000"/>
+            </a:schemeClr>
+          </a:solidFill>
+          <a:ln w="28575">
+            <a:solidFill>
+              <a:schemeClr val="tx1"/>
+            </a:solidFill>
+          </a:ln>
+        </p:spPr>
+        <p:style>
+          <a:lnRef idx="2">
+            <a:schemeClr val="accent1">
+              <a:shade val="50000"/>
+            </a:schemeClr>
+          </a:lnRef>
+          <a:fillRef idx="1">
+            <a:schemeClr val="accent1"/>
+          </a:fillRef>
+          <a:effectRef idx="0">
+            <a:schemeClr val="accent1"/>
+          </a:effectRef>
+          <a:fontRef idx="minor">
+            <a:schemeClr val="lt1"/>
+          </a:fontRef>
+        </p:style>
+        <p:txBody>
+          <a:bodyPr lIns="0" tIns="0" rIns="0" bIns="0" rtlCol="0" anchor="ctr"/>
+          <a:lstStyle/>
+          <a:p>
+            <a:pPr algn="ctr"/>
+            <a:r>
+              <a:rPr kumimoji="1" lang="en-US" altLang="ko-KR" sz="1200" dirty="0" err="1" smtClean="0">
+                <a:solidFill>
+                  <a:schemeClr val="tx1"/>
+                </a:solidFill>
+              </a:rPr>
+              <a:t>Activity.onTouchEvent</a:t>
+            </a:r>
+            <a:r>
+              <a:rPr kumimoji="1" lang="en-US" altLang="ko-KR" sz="1200" dirty="0" smtClean="0">
+                <a:solidFill>
+                  <a:schemeClr val="tx1"/>
+                </a:solidFill>
+              </a:rPr>
+              <a:t>()</a:t>
+            </a:r>
+            <a:endParaRPr kumimoji="1" lang="ko-KR" altLang="en-US" sz="1200" dirty="0">
+              <a:solidFill>
+                <a:schemeClr val="tx1"/>
+              </a:solidFill>
+            </a:endParaRPr>
+          </a:p>
+        </p:txBody>
+      </p:sp>
+      <p:sp>
+        <p:nvSpPr>
+          <p:cNvPr id="30" name="모서리가 둥근 직사각형 29"/>
+          <p:cNvSpPr/>
+          <p:nvPr/>
+        </p:nvSpPr>
+        <p:spPr>
+          <a:xfrm>
+            <a:off x="3356502" y="5237987"/>
+            <a:ext cx="2380196" cy="397856"/>
+          </a:xfrm>
+          <a:prstGeom prst="roundRect">
+            <a:avLst/>
+          </a:prstGeom>
+          <a:solidFill>
+            <a:schemeClr val="bg1">
+              <a:lumMod val="95000"/>
+            </a:schemeClr>
+          </a:solidFill>
+          <a:ln w="28575">
+            <a:solidFill>
+              <a:schemeClr val="tx1"/>
+            </a:solidFill>
+          </a:ln>
+        </p:spPr>
+        <p:style>
+          <a:lnRef idx="2">
+            <a:schemeClr val="accent1">
+              <a:shade val="50000"/>
+            </a:schemeClr>
+          </a:lnRef>
+          <a:fillRef idx="1">
+            <a:schemeClr val="accent1"/>
+          </a:fillRef>
+          <a:effectRef idx="0">
+            <a:schemeClr val="accent1"/>
+          </a:effectRef>
+          <a:fontRef idx="minor">
+            <a:schemeClr val="lt1"/>
+          </a:fontRef>
+        </p:style>
+        <p:txBody>
+          <a:bodyPr lIns="0" tIns="0" rIns="0" bIns="0" rtlCol="0" anchor="ctr"/>
+          <a:lstStyle/>
+          <a:p>
+            <a:pPr algn="ctr"/>
+            <a:r>
+              <a:rPr kumimoji="1" lang="en-US" altLang="ko-KR" sz="1200" dirty="0" err="1" smtClean="0">
+                <a:solidFill>
+                  <a:schemeClr val="tx1"/>
+                </a:solidFill>
+              </a:rPr>
+              <a:t>ViewGroup.onTouchEvent</a:t>
+            </a:r>
+            <a:r>
+              <a:rPr kumimoji="1" lang="en-US" altLang="ko-KR" sz="1200" dirty="0" smtClean="0">
+                <a:solidFill>
+                  <a:schemeClr val="tx1"/>
+                </a:solidFill>
+              </a:rPr>
+              <a:t>()</a:t>
+            </a:r>
+          </a:p>
+        </p:txBody>
+      </p:sp>
+      <p:sp>
+        <p:nvSpPr>
+          <p:cNvPr id="31" name="모서리가 둥근 직사각형 30"/>
+          <p:cNvSpPr/>
+          <p:nvPr/>
+        </p:nvSpPr>
+        <p:spPr>
+          <a:xfrm>
+            <a:off x="6276124" y="5237987"/>
+            <a:ext cx="2380196" cy="397856"/>
+          </a:xfrm>
+          <a:prstGeom prst="roundRect">
+            <a:avLst/>
+          </a:prstGeom>
+          <a:solidFill>
+            <a:schemeClr val="bg1">
+              <a:lumMod val="95000"/>
+            </a:schemeClr>
+          </a:solidFill>
+          <a:ln w="28575">
+            <a:solidFill>
+              <a:schemeClr val="tx1"/>
+            </a:solidFill>
+          </a:ln>
+        </p:spPr>
+        <p:style>
+          <a:lnRef idx="2">
+            <a:schemeClr val="accent1">
+              <a:shade val="50000"/>
+            </a:schemeClr>
+          </a:lnRef>
+          <a:fillRef idx="1">
+            <a:schemeClr val="accent1"/>
+          </a:fillRef>
+          <a:effectRef idx="0">
+            <a:schemeClr val="accent1"/>
+          </a:effectRef>
+          <a:fontRef idx="minor">
+            <a:schemeClr val="lt1"/>
+          </a:fontRef>
+        </p:style>
+        <p:txBody>
+          <a:bodyPr lIns="0" tIns="0" rIns="0" bIns="0" rtlCol="0" anchor="ctr"/>
+          <a:lstStyle/>
+          <a:p>
+            <a:pPr algn="ctr"/>
+            <a:r>
+              <a:rPr kumimoji="1" lang="en-US" altLang="ko-KR" sz="1200" dirty="0" err="1" smtClean="0">
+                <a:solidFill>
+                  <a:schemeClr val="tx1"/>
+                </a:solidFill>
+              </a:rPr>
+              <a:t>View.onTouchEvent</a:t>
+            </a:r>
+            <a:r>
+              <a:rPr kumimoji="1" lang="en-US" altLang="ko-KR" sz="1200" dirty="0" smtClean="0">
+                <a:solidFill>
+                  <a:schemeClr val="tx1"/>
+                </a:solidFill>
+              </a:rPr>
+              <a:t>()</a:t>
+            </a:r>
+            <a:endParaRPr kumimoji="1" lang="ko-KR" altLang="en-US" sz="1200" dirty="0">
+              <a:solidFill>
+                <a:schemeClr val="tx1"/>
+              </a:solidFill>
+            </a:endParaRPr>
+          </a:p>
+        </p:txBody>
+      </p:sp>
+      <p:cxnSp>
+        <p:nvCxnSpPr>
+          <p:cNvPr id="33" name="직선 화살표 연결선 32"/>
+          <p:cNvCxnSpPr>
+            <a:stCxn id="11" idx="3"/>
+            <a:endCxn id="12" idx="1"/>
+          </p:cNvCxnSpPr>
+          <p:nvPr/>
+        </p:nvCxnSpPr>
+        <p:spPr>
+          <a:xfrm>
+            <a:off x="2817076" y="2244401"/>
+            <a:ext cx="539426" cy="0"/>
+          </a:xfrm>
+          <a:prstGeom prst="straightConnector1">
+            <a:avLst/>
+          </a:prstGeom>
+          <a:ln w="28575">
+            <a:solidFill>
+              <a:schemeClr val="tx1"/>
+            </a:solidFill>
+            <a:tailEnd type="triangle" w="lg" len="lg"/>
+          </a:ln>
+        </p:spPr>
+        <p:style>
+          <a:lnRef idx="1">
+            <a:schemeClr val="accent1"/>
+          </a:lnRef>
+          <a:fillRef idx="0">
+            <a:schemeClr val="accent1"/>
+          </a:fillRef>
+          <a:effectRef idx="0">
+            <a:schemeClr val="accent1"/>
+          </a:effectRef>
+          <a:fontRef idx="minor">
+            <a:schemeClr val="tx1"/>
+          </a:fontRef>
+        </p:style>
+      </p:cxnSp>
+      <p:cxnSp>
+        <p:nvCxnSpPr>
+          <p:cNvPr id="34" name="직선 화살표 연결선 33"/>
+          <p:cNvCxnSpPr/>
+          <p:nvPr/>
+        </p:nvCxnSpPr>
+        <p:spPr>
+          <a:xfrm>
+            <a:off x="5736698" y="2244401"/>
+            <a:ext cx="539426" cy="0"/>
+          </a:xfrm>
+          <a:prstGeom prst="straightConnector1">
+            <a:avLst/>
+          </a:prstGeom>
+          <a:ln w="28575">
+            <a:solidFill>
+              <a:schemeClr val="tx1"/>
+            </a:solidFill>
+            <a:tailEnd type="triangle" w="lg" len="lg"/>
+          </a:ln>
+        </p:spPr>
+        <p:style>
+          <a:lnRef idx="1">
+            <a:schemeClr val="accent1"/>
+          </a:lnRef>
+          <a:fillRef idx="0">
+            <a:schemeClr val="accent1"/>
+          </a:fillRef>
+          <a:effectRef idx="0">
+            <a:schemeClr val="accent1"/>
+          </a:effectRef>
+          <a:fontRef idx="minor">
+            <a:schemeClr val="tx1"/>
+          </a:fontRef>
+        </p:style>
+      </p:cxnSp>
+      <p:cxnSp>
+        <p:nvCxnSpPr>
+          <p:cNvPr id="35" name="직선 화살표 연결선 34"/>
+          <p:cNvCxnSpPr>
+            <a:stCxn id="13" idx="2"/>
+            <a:endCxn id="18" idx="0"/>
+          </p:cNvCxnSpPr>
+          <p:nvPr/>
+        </p:nvCxnSpPr>
+        <p:spPr>
+          <a:xfrm>
+            <a:off x="7466222" y="2443329"/>
+            <a:ext cx="0" cy="459309"/>
+          </a:xfrm>
+          <a:prstGeom prst="straightConnector1">
+            <a:avLst/>
+          </a:prstGeom>
+          <a:ln w="28575">
+            <a:solidFill>
+              <a:schemeClr val="tx1"/>
+            </a:solidFill>
+            <a:tailEnd type="triangle" w="lg" len="lg"/>
+          </a:ln>
+        </p:spPr>
+        <p:style>
+          <a:lnRef idx="1">
+            <a:schemeClr val="accent1"/>
+          </a:lnRef>
+          <a:fillRef idx="0">
+            <a:schemeClr val="accent1"/>
+          </a:fillRef>
+          <a:effectRef idx="0">
+            <a:schemeClr val="accent1"/>
+          </a:effectRef>
+          <a:fontRef idx="minor">
+            <a:schemeClr val="tx1"/>
+          </a:fontRef>
+        </p:style>
+      </p:cxnSp>
+      <p:cxnSp>
+        <p:nvCxnSpPr>
+          <p:cNvPr id="39" name="직선 화살표 연결선 38"/>
+          <p:cNvCxnSpPr>
+            <a:stCxn id="18" idx="1"/>
+            <a:endCxn id="17" idx="3"/>
+          </p:cNvCxnSpPr>
+          <p:nvPr/>
+        </p:nvCxnSpPr>
+        <p:spPr>
+          <a:xfrm flipH="1">
+            <a:off x="5736698" y="3101566"/>
+            <a:ext cx="539426" cy="0"/>
+          </a:xfrm>
+          <a:prstGeom prst="straightConnector1">
+            <a:avLst/>
+          </a:prstGeom>
+          <a:ln w="28575">
+            <a:solidFill>
+              <a:schemeClr val="tx1"/>
+            </a:solidFill>
+            <a:tailEnd type="triangle" w="lg" len="lg"/>
+          </a:ln>
+        </p:spPr>
+        <p:style>
+          <a:lnRef idx="1">
+            <a:schemeClr val="accent1"/>
+          </a:lnRef>
+          <a:fillRef idx="0">
+            <a:schemeClr val="accent1"/>
+          </a:fillRef>
+          <a:effectRef idx="0">
+            <a:schemeClr val="accent1"/>
+          </a:effectRef>
+          <a:fontRef idx="minor">
+            <a:schemeClr val="tx1"/>
+          </a:fontRef>
+        </p:style>
+      </p:cxnSp>
+      <p:cxnSp>
+        <p:nvCxnSpPr>
+          <p:cNvPr id="42" name="직선 화살표 연결선 41"/>
+          <p:cNvCxnSpPr/>
+          <p:nvPr/>
+        </p:nvCxnSpPr>
+        <p:spPr>
+          <a:xfrm flipH="1">
+            <a:off x="2817076" y="3101566"/>
+            <a:ext cx="539426" cy="0"/>
+          </a:xfrm>
+          <a:prstGeom prst="straightConnector1">
+            <a:avLst/>
+          </a:prstGeom>
+          <a:ln w="28575">
+            <a:solidFill>
+              <a:schemeClr val="tx1"/>
+            </a:solidFill>
+            <a:tailEnd type="triangle" w="lg" len="lg"/>
+          </a:ln>
+        </p:spPr>
+        <p:style>
+          <a:lnRef idx="1">
+            <a:schemeClr val="accent1"/>
+          </a:lnRef>
+          <a:fillRef idx="0">
+            <a:schemeClr val="accent1"/>
+          </a:fillRef>
+          <a:effectRef idx="0">
+            <a:schemeClr val="accent1"/>
+          </a:effectRef>
+          <a:fontRef idx="minor">
+            <a:schemeClr val="tx1"/>
+          </a:fontRef>
+        </p:style>
+      </p:cxnSp>
+      <p:cxnSp>
+        <p:nvCxnSpPr>
+          <p:cNvPr id="45" name="직선 화살표 연결선 44"/>
+          <p:cNvCxnSpPr/>
+          <p:nvPr/>
+        </p:nvCxnSpPr>
+        <p:spPr>
+          <a:xfrm>
+            <a:off x="2817076" y="4581201"/>
+            <a:ext cx="539426" cy="0"/>
+          </a:xfrm>
+          <a:prstGeom prst="straightConnector1">
+            <a:avLst/>
+          </a:prstGeom>
+          <a:ln w="28575">
+            <a:solidFill>
+              <a:schemeClr val="tx1"/>
+            </a:solidFill>
+            <a:tailEnd type="triangle" w="lg" len="lg"/>
+          </a:ln>
+        </p:spPr>
+        <p:style>
+          <a:lnRef idx="1">
+            <a:schemeClr val="accent1"/>
+          </a:lnRef>
+          <a:fillRef idx="0">
+            <a:schemeClr val="accent1"/>
+          </a:fillRef>
+          <a:effectRef idx="0">
+            <a:schemeClr val="accent1"/>
+          </a:effectRef>
+          <a:fontRef idx="minor">
+            <a:schemeClr val="tx1"/>
+          </a:fontRef>
+        </p:style>
+      </p:cxnSp>
+      <p:cxnSp>
+        <p:nvCxnSpPr>
+          <p:cNvPr id="46" name="직선 화살표 연결선 45"/>
+          <p:cNvCxnSpPr/>
+          <p:nvPr/>
+        </p:nvCxnSpPr>
+        <p:spPr>
+          <a:xfrm>
+            <a:off x="5736698" y="4581201"/>
+            <a:ext cx="539426" cy="0"/>
+          </a:xfrm>
+          <a:prstGeom prst="straightConnector1">
+            <a:avLst/>
+          </a:prstGeom>
+          <a:ln w="28575">
+            <a:solidFill>
+              <a:schemeClr val="tx1"/>
+            </a:solidFill>
+            <a:tailEnd type="triangle" w="lg" len="lg"/>
+          </a:ln>
+        </p:spPr>
+        <p:style>
+          <a:lnRef idx="1">
+            <a:schemeClr val="accent1"/>
+          </a:lnRef>
+          <a:fillRef idx="0">
+            <a:schemeClr val="accent1"/>
+          </a:fillRef>
+          <a:effectRef idx="0">
+            <a:schemeClr val="accent1"/>
+          </a:effectRef>
+          <a:fontRef idx="minor">
+            <a:schemeClr val="tx1"/>
+          </a:fontRef>
+        </p:style>
+      </p:cxnSp>
+      <p:cxnSp>
+        <p:nvCxnSpPr>
+          <p:cNvPr id="47" name="직선 화살표 연결선 46"/>
+          <p:cNvCxnSpPr>
+            <a:stCxn id="28" idx="2"/>
+            <a:endCxn id="31" idx="0"/>
+          </p:cNvCxnSpPr>
+          <p:nvPr/>
+        </p:nvCxnSpPr>
+        <p:spPr>
+          <a:xfrm>
+            <a:off x="7466222" y="4778678"/>
+            <a:ext cx="0" cy="459309"/>
+          </a:xfrm>
+          <a:prstGeom prst="straightConnector1">
+            <a:avLst/>
+          </a:prstGeom>
+          <a:ln w="28575">
+            <a:solidFill>
+              <a:schemeClr val="tx1"/>
+            </a:solidFill>
+            <a:tailEnd type="triangle" w="lg" len="lg"/>
+          </a:ln>
+        </p:spPr>
+        <p:style>
+          <a:lnRef idx="1">
+            <a:schemeClr val="accent1"/>
+          </a:lnRef>
+          <a:fillRef idx="0">
+            <a:schemeClr val="accent1"/>
+          </a:fillRef>
+          <a:effectRef idx="0">
+            <a:schemeClr val="accent1"/>
+          </a:effectRef>
+          <a:fontRef idx="minor">
+            <a:schemeClr val="tx1"/>
+          </a:fontRef>
+        </p:style>
+      </p:cxnSp>
+      <p:cxnSp>
+        <p:nvCxnSpPr>
+          <p:cNvPr id="50" name="직선 화살표 연결선 49"/>
+          <p:cNvCxnSpPr>
+            <a:stCxn id="31" idx="1"/>
+            <a:endCxn id="30" idx="3"/>
+          </p:cNvCxnSpPr>
+          <p:nvPr/>
+        </p:nvCxnSpPr>
+        <p:spPr>
+          <a:xfrm flipH="1">
+            <a:off x="5736698" y="5436915"/>
+            <a:ext cx="539426" cy="0"/>
+          </a:xfrm>
+          <a:prstGeom prst="straightConnector1">
+            <a:avLst/>
+          </a:prstGeom>
+          <a:ln w="28575">
+            <a:solidFill>
+              <a:schemeClr val="tx1"/>
+            </a:solidFill>
+            <a:tailEnd type="triangle" w="lg" len="lg"/>
+          </a:ln>
+        </p:spPr>
+        <p:style>
+          <a:lnRef idx="1">
+            <a:schemeClr val="accent1"/>
+          </a:lnRef>
+          <a:fillRef idx="0">
+            <a:schemeClr val="accent1"/>
+          </a:fillRef>
+          <a:effectRef idx="0">
+            <a:schemeClr val="accent1"/>
+          </a:effectRef>
+          <a:fontRef idx="minor">
+            <a:schemeClr val="tx1"/>
+          </a:fontRef>
+        </p:style>
+      </p:cxnSp>
+      <p:cxnSp>
+        <p:nvCxnSpPr>
+          <p:cNvPr id="53" name="직선 화살표 연결선 52"/>
+          <p:cNvCxnSpPr/>
+          <p:nvPr/>
+        </p:nvCxnSpPr>
+        <p:spPr>
+          <a:xfrm flipH="1">
+            <a:off x="2817076" y="5436915"/>
+            <a:ext cx="539426" cy="0"/>
+          </a:xfrm>
+          <a:prstGeom prst="straightConnector1">
+            <a:avLst/>
+          </a:prstGeom>
+          <a:ln w="28575">
+            <a:solidFill>
+              <a:schemeClr val="tx1"/>
+            </a:solidFill>
+            <a:tailEnd type="triangle" w="lg" len="lg"/>
+          </a:ln>
+        </p:spPr>
+        <p:style>
+          <a:lnRef idx="1">
+            <a:schemeClr val="accent1"/>
+          </a:lnRef>
+          <a:fillRef idx="0">
+            <a:schemeClr val="accent1"/>
+          </a:fillRef>
+          <a:effectRef idx="0">
+            <a:schemeClr val="accent1"/>
+          </a:effectRef>
+          <a:fontRef idx="minor">
+            <a:schemeClr val="tx1"/>
+          </a:fontRef>
+        </p:style>
+      </p:cxnSp>
+    </p:spTree>
+    <p:extLst>
+      <p:ext uri="{BB962C8B-B14F-4D97-AF65-F5344CB8AC3E}">
+        <p14:creationId xmlns:p14="http://schemas.microsoft.com/office/powerpoint/2010/main" val="561626025"/>
       </p:ext>
     </p:extLst>
   </p:cSld>
